--- a/conception/Rapport/présentation soutenance Pfe_Bad_Afpa.pptx
+++ b/conception/Rapport/présentation soutenance Pfe_Bad_Afpa.pptx
@@ -239,7 +239,7 @@
             <a:fld id="{02DC012C-E271-41EA-ADB0-168BFCC3AD10}" type="datetimeFigureOut">
               <a:rPr lang="fr-FR" smtClean="0"/>
               <a:pPr/>
-              <a:t>16/08/2021</a:t>
+              <a:t>03/09/2021</a:t>
             </a:fld>
             <a:endParaRPr lang="fr-FR"/>
           </a:p>
@@ -618,6 +618,91 @@
       </p:sp>
       <p:sp>
         <p:nvSpPr>
+          <p:cNvPr id="3" name="Espace réservé des notes 2"/>
+          <p:cNvSpPr>
+            <a:spLocks noGrp="1"/>
+          </p:cNvSpPr>
+          <p:nvPr>
+            <p:ph type="body" idx="1"/>
+          </p:nvPr>
+        </p:nvSpPr>
+        <p:spPr/>
+        <p:txBody>
+          <a:bodyPr/>
+          <a:lstStyle/>
+          <a:p>
+            <a:endParaRPr lang="fr-FR" dirty="0"/>
+          </a:p>
+        </p:txBody>
+      </p:sp>
+      <p:sp>
+        <p:nvSpPr>
+          <p:cNvPr id="4" name="Espace réservé du numéro de diapositive 3"/>
+          <p:cNvSpPr>
+            <a:spLocks noGrp="1"/>
+          </p:cNvSpPr>
+          <p:nvPr>
+            <p:ph type="sldNum" sz="quarter" idx="10"/>
+          </p:nvPr>
+        </p:nvSpPr>
+        <p:spPr/>
+        <p:txBody>
+          <a:bodyPr/>
+          <a:lstStyle/>
+          <a:p>
+            <a:fld id="{3DF68130-EDB3-4001-A5EC-0CFCE1A8B91D}" type="slidenum">
+              <a:rPr lang="fr-FR" smtClean="0"/>
+              <a:pPr/>
+              <a:t>19</a:t>
+            </a:fld>
+            <a:endParaRPr lang="fr-FR"/>
+          </a:p>
+        </p:txBody>
+      </p:sp>
+    </p:spTree>
+    <p:extLst>
+      <p:ext uri="{BB962C8B-B14F-4D97-AF65-F5344CB8AC3E}">
+        <p14:creationId xmlns:p14="http://schemas.microsoft.com/office/powerpoint/2010/main" val="3433042814"/>
+      </p:ext>
+    </p:extLst>
+  </p:cSld>
+  <p:clrMapOvr>
+    <a:masterClrMapping/>
+  </p:clrMapOvr>
+</p:notes>
+</file>
+
+<file path=ppt/notesSlides/notesSlide3.xml><?xml version="1.0" encoding="utf-8"?>
+<p:notes xmlns:a="http://schemas.openxmlformats.org/drawingml/2006/main" xmlns:r="http://schemas.openxmlformats.org/officeDocument/2006/relationships" xmlns:p="http://schemas.openxmlformats.org/presentationml/2006/main">
+  <p:cSld>
+    <p:spTree>
+      <p:nvGrpSpPr>
+        <p:cNvPr id="1" name=""/>
+        <p:cNvGrpSpPr/>
+        <p:nvPr/>
+      </p:nvGrpSpPr>
+      <p:grpSpPr>
+        <a:xfrm>
+          <a:off x="0" y="0"/>
+          <a:ext cx="0" cy="0"/>
+          <a:chOff x="0" y="0"/>
+          <a:chExt cx="0" cy="0"/>
+        </a:xfrm>
+      </p:grpSpPr>
+      <p:sp>
+        <p:nvSpPr>
+          <p:cNvPr id="2" name="Espace réservé de l'image des diapositives 1"/>
+          <p:cNvSpPr>
+            <a:spLocks noGrp="1" noRot="1" noChangeAspect="1"/>
+          </p:cNvSpPr>
+          <p:nvPr>
+            <p:ph type="sldImg"/>
+          </p:nvPr>
+        </p:nvSpPr>
+        <p:spPr/>
+      </p:sp>
+      <p:sp>
+        <p:nvSpPr>
           <p:cNvPr id="3" name="Espace réservé des commentaires 2"/>
           <p:cNvSpPr>
             <a:spLocks noGrp="1"/>
@@ -840,11 +925,10 @@
           <a:bodyPr/>
           <a:lstStyle/>
           <a:p>
-            <a:fld id="{70D96177-9F91-473C-9311-60553BDA9EF9}" type="datetime1">
+            <a:r>
               <a:rPr lang="fr-FR" smtClean="0"/>
-              <a:pPr/>
-              <a:t>16/08/2021</a:t>
-            </a:fld>
+              <a:t>03/09/2021</a:t>
+            </a:r>
             <a:endParaRPr lang="fr-BE"/>
           </a:p>
         </p:txBody>
@@ -1007,11 +1091,10 @@
           <a:bodyPr/>
           <a:lstStyle/>
           <a:p>
-            <a:fld id="{27F47374-40C4-4544-AF67-D00A24D4F93D}" type="datetime1">
+            <a:r>
               <a:rPr lang="fr-FR" smtClean="0"/>
-              <a:pPr/>
-              <a:t>16/08/2021</a:t>
-            </a:fld>
+              <a:t>03/09/2021</a:t>
+            </a:r>
             <a:endParaRPr lang="fr-BE"/>
           </a:p>
         </p:txBody>
@@ -1184,11 +1267,10 @@
           <a:bodyPr/>
           <a:lstStyle/>
           <a:p>
-            <a:fld id="{7F36B5BA-A102-454A-8273-9CC120628C0A}" type="datetime1">
+            <a:r>
               <a:rPr lang="fr-FR" smtClean="0"/>
-              <a:pPr/>
-              <a:t>16/08/2021</a:t>
-            </a:fld>
+              <a:t>03/09/2021</a:t>
+            </a:r>
             <a:endParaRPr lang="fr-BE"/>
           </a:p>
         </p:txBody>
@@ -1351,11 +1433,10 @@
           <a:bodyPr/>
           <a:lstStyle/>
           <a:p>
-            <a:fld id="{719EABB7-5F8E-46AD-A9B4-CE3B526B18E5}" type="datetime1">
+            <a:r>
               <a:rPr lang="fr-FR" smtClean="0"/>
-              <a:pPr/>
-              <a:t>16/08/2021</a:t>
-            </a:fld>
+              <a:t>03/09/2021</a:t>
+            </a:r>
             <a:endParaRPr lang="fr-BE"/>
           </a:p>
         </p:txBody>
@@ -1595,11 +1676,10 @@
           <a:bodyPr/>
           <a:lstStyle/>
           <a:p>
-            <a:fld id="{D9150E28-77F9-45A5-BB08-1D59706D5328}" type="datetime1">
+            <a:r>
               <a:rPr lang="fr-FR" smtClean="0"/>
-              <a:pPr/>
-              <a:t>16/08/2021</a:t>
-            </a:fld>
+              <a:t>03/09/2021</a:t>
+            </a:r>
             <a:endParaRPr lang="fr-BE"/>
           </a:p>
         </p:txBody>
@@ -1861,11 +1941,10 @@
           <a:bodyPr/>
           <a:lstStyle/>
           <a:p>
-            <a:fld id="{5945562E-C9D6-46D5-8610-3654473AC656}" type="datetime1">
+            <a:r>
               <a:rPr lang="fr-FR" smtClean="0"/>
-              <a:pPr/>
-              <a:t>16/08/2021</a:t>
-            </a:fld>
+              <a:t>03/09/2021</a:t>
+            </a:r>
             <a:endParaRPr lang="fr-BE"/>
           </a:p>
         </p:txBody>
@@ -2241,11 +2320,10 @@
           <a:bodyPr/>
           <a:lstStyle/>
           <a:p>
-            <a:fld id="{A2550239-2E1A-4CA1-9F19-D37A8B15D894}" type="datetime1">
+            <a:r>
               <a:rPr lang="fr-FR" smtClean="0"/>
-              <a:pPr/>
-              <a:t>16/08/2021</a:t>
-            </a:fld>
+              <a:t>03/09/2021</a:t>
+            </a:r>
             <a:endParaRPr lang="fr-BE"/>
           </a:p>
         </p:txBody>
@@ -2393,11 +2471,10 @@
           <a:bodyPr/>
           <a:lstStyle/>
           <a:p>
-            <a:fld id="{C5EFA8F1-4F4A-426E-8C21-41181F39037A}" type="datetime1">
+            <a:r>
               <a:rPr lang="fr-FR" smtClean="0"/>
-              <a:pPr/>
-              <a:t>16/08/2021</a:t>
-            </a:fld>
+              <a:t>03/09/2021</a:t>
+            </a:r>
             <a:endParaRPr lang="fr-BE"/>
           </a:p>
         </p:txBody>
@@ -2485,11 +2562,10 @@
           <a:bodyPr/>
           <a:lstStyle/>
           <a:p>
-            <a:fld id="{C6A2E666-D67F-4037-A3A7-C889B3054A2D}" type="datetime1">
+            <a:r>
               <a:rPr lang="fr-FR" smtClean="0"/>
-              <a:pPr/>
-              <a:t>16/08/2021</a:t>
-            </a:fld>
+              <a:t>03/09/2021</a:t>
+            </a:r>
             <a:endParaRPr lang="fr-BE"/>
           </a:p>
         </p:txBody>
@@ -2748,11 +2824,10 @@
           <a:bodyPr/>
           <a:lstStyle/>
           <a:p>
-            <a:fld id="{B636D76B-5258-452A-B56D-697380226023}" type="datetime1">
+            <a:r>
               <a:rPr lang="fr-FR" smtClean="0"/>
-              <a:pPr/>
-              <a:t>16/08/2021</a:t>
-            </a:fld>
+              <a:t>03/09/2021</a:t>
+            </a:r>
             <a:endParaRPr lang="fr-BE"/>
           </a:p>
         </p:txBody>
@@ -3038,11 +3113,10 @@
           <a:bodyPr/>
           <a:lstStyle/>
           <a:p>
-            <a:fld id="{C4413AA3-0340-4DE1-A3A6-34DA363177AA}" type="datetime1">
+            <a:r>
               <a:rPr lang="fr-FR" smtClean="0"/>
-              <a:pPr/>
-              <a:t>16/08/2021</a:t>
-            </a:fld>
+              <a:t>03/09/2021</a:t>
+            </a:r>
             <a:endParaRPr lang="fr-BE"/>
           </a:p>
         </p:txBody>
@@ -3811,11 +3885,10 @@
             </a:lvl1pPr>
           </a:lstStyle>
           <a:p>
-            <a:fld id="{C729B7AF-950B-470C-80FB-83151D44EC8A}" type="datetime1">
+            <a:r>
               <a:rPr lang="fr-FR" smtClean="0"/>
-              <a:pPr/>
-              <a:t>16/08/2021</a:t>
-            </a:fld>
+              <a:t>03/09/2021</a:t>
+            </a:r>
             <a:endParaRPr lang="fr-BE"/>
           </a:p>
         </p:txBody>
@@ -4468,8 +4541,8 @@
         </p:nvSpPr>
         <p:spPr>
           <a:xfrm>
-            <a:off x="533400" y="142852"/>
-            <a:ext cx="7851648" cy="1285884"/>
+            <a:off x="533400" y="476672"/>
+            <a:ext cx="7851648" cy="952064"/>
           </a:xfrm>
         </p:spPr>
         <p:txBody>
@@ -4600,13 +4673,9 @@
         </p:spPr>
         <p:txBody>
           <a:bodyPr>
-            <a:normAutofit lnSpcReduction="10000"/>
+            <a:normAutofit/>
           </a:bodyPr>
           <a:lstStyle/>
-          <a:p>
-            <a:pPr algn="ctr"/>
-            <a:endParaRPr lang="fr-FR" dirty="0" smtClean="0"/>
-          </a:p>
           <a:p>
             <a:pPr algn="ctr"/>
             <a:endParaRPr lang="fr-FR" dirty="0" smtClean="0"/>
@@ -4623,7 +4692,15 @@
                   <a:schemeClr val="bg1"/>
                 </a:solidFill>
               </a:rPr>
-              <a:t>Projet de fin d’études</a:t>
+              <a:t>Projet </a:t>
+            </a:r>
+            <a:r>
+              <a:rPr lang="fr-FR" sz="3900" dirty="0" smtClean="0">
+                <a:solidFill>
+                  <a:schemeClr val="bg1"/>
+                </a:solidFill>
+              </a:rPr>
+              <a:t>de fin d’études</a:t>
             </a:r>
           </a:p>
           <a:p>
@@ -4713,30 +4790,6 @@
               <a:ea typeface="Adobe Fangsong Std R" pitchFamily="18" charset="-128"/>
               <a:cs typeface="Calibri" pitchFamily="34" charset="0"/>
             </a:endParaRPr>
-          </a:p>
-        </p:txBody>
-      </p:sp>
-      <p:sp>
-        <p:nvSpPr>
-          <p:cNvPr id="7" name="Espace réservé de la date 6"/>
-          <p:cNvSpPr>
-            <a:spLocks noGrp="1"/>
-          </p:cNvSpPr>
-          <p:nvPr>
-            <p:ph type="dt" sz="half" idx="10"/>
-          </p:nvPr>
-        </p:nvSpPr>
-        <p:spPr/>
-        <p:txBody>
-          <a:bodyPr/>
-          <a:lstStyle/>
-          <a:p>
-            <a:fld id="{BD3A5F68-F872-425E-BF77-9FCCF4DB122B}" type="datetime1">
-              <a:rPr lang="fr-FR" smtClean="0"/>
-              <a:pPr/>
-              <a:t>16/08/2021</a:t>
-            </a:fld>
-            <a:endParaRPr lang="fr-BE" dirty="0"/>
           </a:p>
         </p:txBody>
       </p:sp>
@@ -4813,14 +4866,14 @@
               <a:buNone/>
             </a:pPr>
             <a:r>
-              <a:rPr lang="fr-FR" sz="4000" b="1" dirty="0" smtClean="0">
+              <a:rPr lang="fr-FR" sz="4000" b="1" dirty="0">
                 <a:effectLst>
                   <a:outerShdw blurRad="38100" dist="38100" dir="2700000" algn="tl">
                     <a:srgbClr val="000000"/>
                   </a:outerShdw>
                 </a:effectLst>
               </a:rPr>
-              <a:t>Création d’un site web dynamique  commercial</a:t>
+              <a:t>« Réalisation d'une boutique en ligne de vente d'articles TEXTILES : e-shop»</a:t>
             </a:r>
             <a:endParaRPr lang="fr-FR" sz="4400" b="1" dirty="0">
               <a:effectLst>
@@ -4842,8 +4895,8 @@
         </p:nvSpPr>
         <p:spPr bwMode="auto">
           <a:xfrm>
-            <a:off x="1364825" y="5081822"/>
-            <a:ext cx="6333328" cy="1428736"/>
+            <a:off x="1364825" y="5871008"/>
+            <a:ext cx="6333328" cy="785806"/>
           </a:xfrm>
           <a:prstGeom prst="rect">
             <a:avLst/>
@@ -4892,29 +4945,10 @@
                   </a:outerShdw>
                 </a:effectLst>
               </a:rPr>
-              <a:t>Elaboré par:</a:t>
-            </a:r>
-            <a:endParaRPr lang="fr-FR" sz="2400" b="1" dirty="0">
-              <a:solidFill>
-                <a:schemeClr val="bg1">
-                  <a:lumMod val="50000"/>
-                  <a:lumOff val="50000"/>
-                </a:schemeClr>
-              </a:solidFill>
-              <a:effectLst>
-                <a:outerShdw blurRad="38100" dist="38100" dir="2700000" algn="tl">
-                  <a:srgbClr val="000000"/>
-                </a:outerShdw>
-              </a:effectLst>
-            </a:endParaRPr>
-          </a:p>
-          <a:p>
-            <a:pPr>
-              <a:buFontTx/>
-              <a:buNone/>
-            </a:pPr>
-            <a:r>
-              <a:rPr lang="fr-FR" sz="2400" b="1" dirty="0">
+              <a:t>Elaboré par</a:t>
+            </a:r>
+            <a:r>
+              <a:rPr lang="fr-FR" sz="2400" b="1" dirty="0" smtClean="0">
                 <a:solidFill>
                   <a:schemeClr val="bg1">
                     <a:lumMod val="50000"/>
@@ -4927,7 +4961,7 @@
                   </a:outerShdw>
                 </a:effectLst>
               </a:rPr>
-              <a:t>   </a:t>
+              <a:t>:</a:t>
             </a:r>
             <a:endParaRPr lang="fr-FR" sz="2400" b="1" dirty="0">
               <a:solidFill>
@@ -5018,7 +5052,7 @@
         </p:blipFill>
         <p:spPr>
           <a:xfrm>
-            <a:off x="3996118" y="1422409"/>
+            <a:off x="3923928" y="1175596"/>
             <a:ext cx="1008888" cy="1097280"/>
           </a:xfrm>
           <a:prstGeom prst="rect">
@@ -5026,6 +5060,29 @@
           </a:prstGeom>
         </p:spPr>
       </p:pic>
+      <p:sp>
+        <p:nvSpPr>
+          <p:cNvPr id="5" name="Espace réservé de la date 4"/>
+          <p:cNvSpPr>
+            <a:spLocks noGrp="1"/>
+          </p:cNvSpPr>
+          <p:nvPr>
+            <p:ph type="dt" sz="half" idx="10"/>
+          </p:nvPr>
+        </p:nvSpPr>
+        <p:spPr/>
+        <p:txBody>
+          <a:bodyPr/>
+          <a:lstStyle/>
+          <a:p>
+            <a:r>
+              <a:rPr lang="fr-FR" smtClean="0"/>
+              <a:t>03/09/2021</a:t>
+            </a:r>
+            <a:endParaRPr lang="fr-BE"/>
+          </a:p>
+        </p:txBody>
+      </p:sp>
     </p:spTree>
   </p:cSld>
   <p:clrMapOvr>
@@ -5163,7 +5220,7 @@
                                         <p:tgtEl>
                                           <p:spTgt spid="3">
                                             <p:txEl>
-                                              <p:pRg st="9" end="9"/>
+                                              <p:pRg st="8" end="8"/>
                                             </p:txEl>
                                           </p:spTgt>
                                         </p:tgtEl>
@@ -5181,7 +5238,7 @@
                                         <p:tgtEl>
                                           <p:spTgt spid="3">
                                             <p:txEl>
-                                              <p:pRg st="9" end="9"/>
+                                              <p:pRg st="8" end="8"/>
                                             </p:txEl>
                                           </p:spTgt>
                                         </p:tgtEl>
@@ -5208,7 +5265,7 @@
                                         <p:tgtEl>
                                           <p:spTgt spid="3">
                                             <p:txEl>
-                                              <p:pRg st="9" end="9"/>
+                                              <p:pRg st="8" end="8"/>
                                             </p:txEl>
                                           </p:spTgt>
                                         </p:tgtEl>
@@ -5235,7 +5292,7 @@
                                         <p:tgtEl>
                                           <p:spTgt spid="3">
                                             <p:txEl>
-                                              <p:pRg st="9" end="9"/>
+                                              <p:pRg st="8" end="8"/>
                                             </p:txEl>
                                           </p:spTgt>
                                         </p:tgtEl>
@@ -5269,7 +5326,7 @@
                                         <p:tgtEl>
                                           <p:spTgt spid="3">
                                             <p:txEl>
-                                              <p:pRg st="10" end="10"/>
+                                              <p:pRg st="9" end="9"/>
                                             </p:txEl>
                                           </p:spTgt>
                                         </p:tgtEl>
@@ -5287,7 +5344,7 @@
                                         <p:tgtEl>
                                           <p:spTgt spid="3">
                                             <p:txEl>
-                                              <p:pRg st="10" end="10"/>
+                                              <p:pRg st="9" end="9"/>
                                             </p:txEl>
                                           </p:spTgt>
                                         </p:tgtEl>
@@ -5314,7 +5371,7 @@
                                         <p:tgtEl>
                                           <p:spTgt spid="3">
                                             <p:txEl>
-                                              <p:pRg st="10" end="10"/>
+                                              <p:pRg st="9" end="9"/>
                                             </p:txEl>
                                           </p:spTgt>
                                         </p:tgtEl>
@@ -5341,7 +5398,7 @@
                                         <p:tgtEl>
                                           <p:spTgt spid="3">
                                             <p:txEl>
-                                              <p:pRg st="10" end="10"/>
+                                              <p:pRg st="9" end="9"/>
                                             </p:txEl>
                                           </p:spTgt>
                                         </p:tgtEl>
@@ -5450,7 +5507,7 @@
                         <p:par>
                           <p:cTn id="28" fill="hold">
                             <p:stCondLst>
-                              <p:cond delay="2850"/>
+                              <p:cond delay="4875"/>
                             </p:stCondLst>
                             <p:childTnLst>
                               <p:par>
@@ -5699,30 +5756,6 @@
       </p:sp>
       <p:sp>
         <p:nvSpPr>
-          <p:cNvPr id="2" name="Espace réservé de la date 1"/>
-          <p:cNvSpPr>
-            <a:spLocks noGrp="1"/>
-          </p:cNvSpPr>
-          <p:nvPr>
-            <p:ph type="dt" sz="half" idx="10"/>
-          </p:nvPr>
-        </p:nvSpPr>
-        <p:spPr/>
-        <p:txBody>
-          <a:bodyPr/>
-          <a:lstStyle/>
-          <a:p>
-            <a:fld id="{7E004C80-2CE1-45CB-9A0C-3B1A5748FA0C}" type="datetime1">
-              <a:rPr lang="fr-FR" smtClean="0"/>
-              <a:pPr/>
-              <a:t>16/08/2021</a:t>
-            </a:fld>
-            <a:endParaRPr lang="fr-BE"/>
-          </a:p>
-        </p:txBody>
-      </p:sp>
-      <p:sp>
-        <p:nvSpPr>
           <p:cNvPr id="4" name="Rectangle à coins arrondis 3"/>
           <p:cNvSpPr/>
           <p:nvPr/>
@@ -6422,6 +6455,29 @@
           <a:noFill/>
         </p:spPr>
       </p:pic>
+      <p:sp>
+        <p:nvSpPr>
+          <p:cNvPr id="3" name="Espace réservé de la date 2"/>
+          <p:cNvSpPr>
+            <a:spLocks noGrp="1"/>
+          </p:cNvSpPr>
+          <p:nvPr>
+            <p:ph type="dt" sz="half" idx="10"/>
+          </p:nvPr>
+        </p:nvSpPr>
+        <p:spPr/>
+        <p:txBody>
+          <a:bodyPr/>
+          <a:lstStyle/>
+          <a:p>
+            <a:r>
+              <a:rPr lang="fr-FR" smtClean="0"/>
+              <a:t>03/09/2021</a:t>
+            </a:r>
+            <a:endParaRPr lang="fr-BE"/>
+          </a:p>
+        </p:txBody>
+      </p:sp>
     </p:spTree>
   </p:cSld>
   <p:clrMapOvr>
@@ -6518,30 +6574,6 @@
               <a:buNone/>
             </a:pPr>
             <a:endParaRPr lang="fr-FR" dirty="0"/>
-          </a:p>
-        </p:txBody>
-      </p:sp>
-      <p:sp>
-        <p:nvSpPr>
-          <p:cNvPr id="4" name="Espace réservé de la date 3"/>
-          <p:cNvSpPr>
-            <a:spLocks noGrp="1"/>
-          </p:cNvSpPr>
-          <p:nvPr>
-            <p:ph type="dt" sz="half" idx="10"/>
-          </p:nvPr>
-        </p:nvSpPr>
-        <p:spPr/>
-        <p:txBody>
-          <a:bodyPr/>
-          <a:lstStyle/>
-          <a:p>
-            <a:fld id="{5C9EF442-582F-4A9D-8F90-C4FDA595A4BD}" type="datetime1">
-              <a:rPr lang="fr-FR" smtClean="0"/>
-              <a:pPr/>
-              <a:t>16/08/2021</a:t>
-            </a:fld>
-            <a:endParaRPr lang="fr-BE"/>
           </a:p>
         </p:txBody>
       </p:sp>
@@ -7212,6 +7244,29 @@
           </a:ln>
         </p:spPr>
       </p:pic>
+      <p:sp>
+        <p:nvSpPr>
+          <p:cNvPr id="2" name="Espace réservé de la date 1"/>
+          <p:cNvSpPr>
+            <a:spLocks noGrp="1"/>
+          </p:cNvSpPr>
+          <p:nvPr>
+            <p:ph type="dt" sz="half" idx="10"/>
+          </p:nvPr>
+        </p:nvSpPr>
+        <p:spPr/>
+        <p:txBody>
+          <a:bodyPr/>
+          <a:lstStyle/>
+          <a:p>
+            <a:r>
+              <a:rPr lang="fr-FR" smtClean="0"/>
+              <a:t>03/09/2021</a:t>
+            </a:r>
+            <a:endParaRPr lang="fr-BE"/>
+          </a:p>
+        </p:txBody>
+      </p:sp>
     </p:spTree>
   </p:cSld>
   <p:clrMapOvr>
@@ -7247,30 +7302,6 @@
           <a:chExt cx="0" cy="0"/>
         </a:xfrm>
       </p:grpSpPr>
-      <p:sp>
-        <p:nvSpPr>
-          <p:cNvPr id="4" name="Espace réservé de la date 3"/>
-          <p:cNvSpPr>
-            <a:spLocks noGrp="1"/>
-          </p:cNvSpPr>
-          <p:nvPr>
-            <p:ph type="dt" sz="half" idx="10"/>
-          </p:nvPr>
-        </p:nvSpPr>
-        <p:spPr/>
-        <p:txBody>
-          <a:bodyPr/>
-          <a:lstStyle/>
-          <a:p>
-            <a:fld id="{A47DA182-E0F8-4609-BC10-EB8953CE78A3}" type="datetime1">
-              <a:rPr lang="fr-FR" smtClean="0"/>
-              <a:pPr/>
-              <a:t>16/08/2021</a:t>
-            </a:fld>
-            <a:endParaRPr lang="fr-BE"/>
-          </a:p>
-        </p:txBody>
-      </p:sp>
       <p:sp>
         <p:nvSpPr>
           <p:cNvPr id="6" name="Rectangle à coins arrondis 5"/>
@@ -7979,6 +8010,29 @@
           </a:ln>
         </p:spPr>
       </p:pic>
+      <p:sp>
+        <p:nvSpPr>
+          <p:cNvPr id="2" name="Espace réservé de la date 1"/>
+          <p:cNvSpPr>
+            <a:spLocks noGrp="1"/>
+          </p:cNvSpPr>
+          <p:nvPr>
+            <p:ph type="dt" sz="half" idx="10"/>
+          </p:nvPr>
+        </p:nvSpPr>
+        <p:spPr/>
+        <p:txBody>
+          <a:bodyPr/>
+          <a:lstStyle/>
+          <a:p>
+            <a:r>
+              <a:rPr lang="fr-FR" smtClean="0"/>
+              <a:t>03/09/2021</a:t>
+            </a:r>
+            <a:endParaRPr lang="fr-BE"/>
+          </a:p>
+        </p:txBody>
+      </p:sp>
     </p:spTree>
   </p:cSld>
   <p:clrMapOvr>
@@ -8014,30 +8068,6 @@
           <a:chExt cx="0" cy="0"/>
         </a:xfrm>
       </p:grpSpPr>
-      <p:sp>
-        <p:nvSpPr>
-          <p:cNvPr id="2" name="Espace réservé de la date 1"/>
-          <p:cNvSpPr>
-            <a:spLocks noGrp="1"/>
-          </p:cNvSpPr>
-          <p:nvPr>
-            <p:ph type="dt" sz="half" idx="10"/>
-          </p:nvPr>
-        </p:nvSpPr>
-        <p:spPr/>
-        <p:txBody>
-          <a:bodyPr/>
-          <a:lstStyle/>
-          <a:p>
-            <a:fld id="{F769B526-0C7D-4001-9897-66B56ACE1A35}" type="datetime1">
-              <a:rPr lang="fr-FR" smtClean="0"/>
-              <a:pPr/>
-              <a:t>16/08/2021</a:t>
-            </a:fld>
-            <a:endParaRPr lang="fr-BE"/>
-          </a:p>
-        </p:txBody>
-      </p:sp>
       <p:sp>
         <p:nvSpPr>
           <p:cNvPr id="4" name="Rectangle à coins arrondis 3"/>
@@ -8706,6 +8736,29 @@
           </a:ln>
         </p:spPr>
       </p:pic>
+      <p:sp>
+        <p:nvSpPr>
+          <p:cNvPr id="3" name="Espace réservé de la date 2"/>
+          <p:cNvSpPr>
+            <a:spLocks noGrp="1"/>
+          </p:cNvSpPr>
+          <p:nvPr>
+            <p:ph type="dt" sz="half" idx="10"/>
+          </p:nvPr>
+        </p:nvSpPr>
+        <p:spPr/>
+        <p:txBody>
+          <a:bodyPr/>
+          <a:lstStyle/>
+          <a:p>
+            <a:r>
+              <a:rPr lang="fr-FR" smtClean="0"/>
+              <a:t>03/09/2021</a:t>
+            </a:r>
+            <a:endParaRPr lang="fr-BE"/>
+          </a:p>
+        </p:txBody>
+      </p:sp>
     </p:spTree>
   </p:cSld>
   <p:clrMapOvr>
@@ -8741,30 +8794,6 @@
           <a:chExt cx="0" cy="0"/>
         </a:xfrm>
       </p:grpSpPr>
-      <p:sp>
-        <p:nvSpPr>
-          <p:cNvPr id="4" name="Espace réservé de la date 3"/>
-          <p:cNvSpPr>
-            <a:spLocks noGrp="1"/>
-          </p:cNvSpPr>
-          <p:nvPr>
-            <p:ph type="dt" sz="half" idx="10"/>
-          </p:nvPr>
-        </p:nvSpPr>
-        <p:spPr/>
-        <p:txBody>
-          <a:bodyPr/>
-          <a:lstStyle/>
-          <a:p>
-            <a:fld id="{FF12A5DC-8626-46AC-A5DD-2C49DB67A45E}" type="datetime1">
-              <a:rPr lang="fr-FR" smtClean="0"/>
-              <a:pPr/>
-              <a:t>16/08/2021</a:t>
-            </a:fld>
-            <a:endParaRPr lang="fr-BE"/>
-          </a:p>
-        </p:txBody>
-      </p:sp>
       <p:sp>
         <p:nvSpPr>
           <p:cNvPr id="6" name="Rectangle à coins arrondis 5"/>
@@ -9433,6 +9462,29 @@
           </a:ln>
         </p:spPr>
       </p:pic>
+      <p:sp>
+        <p:nvSpPr>
+          <p:cNvPr id="2" name="Espace réservé de la date 1"/>
+          <p:cNvSpPr>
+            <a:spLocks noGrp="1"/>
+          </p:cNvSpPr>
+          <p:nvPr>
+            <p:ph type="dt" sz="half" idx="10"/>
+          </p:nvPr>
+        </p:nvSpPr>
+        <p:spPr/>
+        <p:txBody>
+          <a:bodyPr/>
+          <a:lstStyle/>
+          <a:p>
+            <a:r>
+              <a:rPr lang="fr-FR" smtClean="0"/>
+              <a:t>03/09/2021</a:t>
+            </a:r>
+            <a:endParaRPr lang="fr-BE"/>
+          </a:p>
+        </p:txBody>
+      </p:sp>
     </p:spTree>
   </p:cSld>
   <p:clrMapOvr>
@@ -9468,30 +9520,6 @@
           <a:chExt cx="0" cy="0"/>
         </a:xfrm>
       </p:grpSpPr>
-      <p:sp>
-        <p:nvSpPr>
-          <p:cNvPr id="2" name="Espace réservé de la date 1"/>
-          <p:cNvSpPr>
-            <a:spLocks noGrp="1"/>
-          </p:cNvSpPr>
-          <p:nvPr>
-            <p:ph type="dt" sz="half" idx="10"/>
-          </p:nvPr>
-        </p:nvSpPr>
-        <p:spPr/>
-        <p:txBody>
-          <a:bodyPr/>
-          <a:lstStyle/>
-          <a:p>
-            <a:fld id="{F390144E-ABB7-48A0-BFCA-097A1EE884F7}" type="datetime1">
-              <a:rPr lang="fr-FR" smtClean="0"/>
-              <a:pPr/>
-              <a:t>16/08/2021</a:t>
-            </a:fld>
-            <a:endParaRPr lang="fr-BE"/>
-          </a:p>
-        </p:txBody>
-      </p:sp>
       <p:grpSp>
         <p:nvGrpSpPr>
           <p:cNvPr id="5" name="Group 3"/>
@@ -9839,6 +9867,29 @@
           </a:p>
         </p:txBody>
       </p:sp>
+      <p:sp>
+        <p:nvSpPr>
+          <p:cNvPr id="3" name="Espace réservé de la date 2"/>
+          <p:cNvSpPr>
+            <a:spLocks noGrp="1"/>
+          </p:cNvSpPr>
+          <p:nvPr>
+            <p:ph type="dt" sz="half" idx="10"/>
+          </p:nvPr>
+        </p:nvSpPr>
+        <p:spPr/>
+        <p:txBody>
+          <a:bodyPr/>
+          <a:lstStyle/>
+          <a:p>
+            <a:r>
+              <a:rPr lang="fr-FR" smtClean="0"/>
+              <a:t>03/09/2021</a:t>
+            </a:r>
+            <a:endParaRPr lang="fr-BE"/>
+          </a:p>
+        </p:txBody>
+      </p:sp>
     </p:spTree>
   </p:cSld>
   <p:clrMapOvr>
@@ -9958,30 +10009,6 @@
       </p:grpSpPr>
       <p:sp>
         <p:nvSpPr>
-          <p:cNvPr id="2" name="Espace réservé de la date 1"/>
-          <p:cNvSpPr>
-            <a:spLocks noGrp="1"/>
-          </p:cNvSpPr>
-          <p:nvPr>
-            <p:ph type="dt" sz="half" idx="10"/>
-          </p:nvPr>
-        </p:nvSpPr>
-        <p:spPr/>
-        <p:txBody>
-          <a:bodyPr/>
-          <a:lstStyle/>
-          <a:p>
-            <a:fld id="{C6A2E666-D67F-4037-A3A7-C889B3054A2D}" type="datetime1">
-              <a:rPr lang="fr-FR" smtClean="0"/>
-              <a:pPr/>
-              <a:t>16/08/2021</a:t>
-            </a:fld>
-            <a:endParaRPr lang="fr-BE"/>
-          </a:p>
-        </p:txBody>
-      </p:sp>
-      <p:sp>
-        <p:nvSpPr>
           <p:cNvPr id="3" name="Espace réservé de la date 1"/>
           <p:cNvSpPr txBox="1">
             <a:spLocks/>
@@ -10052,7 +10079,7 @@
                 <a:tabLst/>
                 <a:defRPr/>
               </a:pPr>
-              <a:t>16/08/2021</a:t>
+              <a:t>03/09/2021</a:t>
             </a:fld>
             <a:endParaRPr kumimoji="0" lang="fr-BE" sz="1200" b="0" i="0" u="none" strike="noStrike" kern="1200" cap="none" spc="0" normalizeH="0" baseline="0" noProof="0">
               <a:ln>
@@ -10803,7 +10830,11 @@
             </a:pPr>
             <a:r>
               <a:rPr lang="en-US" dirty="0" smtClean="0"/>
-              <a:t>  Adobe Dreamweaver CS3</a:t>
+              <a:t>  </a:t>
+            </a:r>
+            <a:r>
+              <a:rPr lang="fr-FR" dirty="0" smtClean="0"/>
+              <a:t>Plateforme XAMPP</a:t>
             </a:r>
             <a:endParaRPr lang="fr-FR" dirty="0" smtClean="0"/>
           </a:p>
@@ -10817,7 +10848,11 @@
             </a:pPr>
             <a:r>
               <a:rPr lang="en-US" dirty="0" smtClean="0"/>
-              <a:t>  Adobe Photoshop CS3</a:t>
+              <a:t>  </a:t>
+            </a:r>
+            <a:r>
+              <a:rPr lang="fr-FR" dirty="0" smtClean="0"/>
+              <a:t>Editeur de code VS code</a:t>
             </a:r>
             <a:endParaRPr lang="fr-FR" dirty="0" smtClean="0"/>
           </a:p>
@@ -10831,7 +10866,11 @@
             </a:pPr>
             <a:r>
               <a:rPr lang="en-US" dirty="0" smtClean="0"/>
-              <a:t>  Power AMC 15</a:t>
+              <a:t>  </a:t>
+            </a:r>
+            <a:r>
+              <a:rPr lang="fr-FR" dirty="0" smtClean="0"/>
+              <a:t>Looping</a:t>
             </a:r>
             <a:endParaRPr lang="fr-FR" dirty="0" smtClean="0"/>
           </a:p>
@@ -10845,8 +10884,13 @@
             </a:pPr>
             <a:r>
               <a:rPr lang="fr-FR" dirty="0" smtClean="0"/>
-              <a:t>  Microsoft Word 2007</a:t>
-            </a:r>
+              <a:t>  Microsoft Word </a:t>
+            </a:r>
+            <a:r>
+              <a:rPr lang="fr-FR" dirty="0" smtClean="0"/>
+              <a:t>2016</a:t>
+            </a:r>
+            <a:endParaRPr lang="fr-FR" dirty="0" smtClean="0"/>
           </a:p>
           <a:p>
             <a:endParaRPr lang="fr-FR" b="1" dirty="0" smtClean="0"/>
@@ -10858,8 +10902,13 @@
             </a:pPr>
             <a:r>
               <a:rPr lang="fr-FR" dirty="0" smtClean="0"/>
-              <a:t>  Sothink DHTML Menu 9</a:t>
-            </a:r>
+              <a:t>  </a:t>
+            </a:r>
+            <a:r>
+              <a:rPr lang="fr-FR" dirty="0" err="1" smtClean="0"/>
+              <a:t>drawio</a:t>
+            </a:r>
+            <a:endParaRPr lang="fr-FR" dirty="0" smtClean="0"/>
           </a:p>
           <a:p>
             <a:pPr lvl="0"/>
@@ -10871,17 +10920,10 @@
               <a:buChar char="ü"/>
             </a:pPr>
             <a:r>
-              <a:rPr lang="fr-FR" dirty="0" smtClean="0"/>
-              <a:t>Serveur  web local : </a:t>
-            </a:r>
-            <a:r>
               <a:rPr lang="fr-FR" dirty="0" err="1" smtClean="0"/>
-              <a:t>Easy</a:t>
-            </a:r>
-            <a:r>
-              <a:rPr lang="fr-FR" dirty="0" smtClean="0"/>
-              <a:t> PHP 3.0</a:t>
-            </a:r>
+              <a:t>Bootstrap</a:t>
+            </a:r>
+            <a:endParaRPr lang="fr-FR" dirty="0" smtClean="0"/>
           </a:p>
           <a:p>
             <a:endParaRPr lang="fr-FR" b="1" dirty="0" smtClean="0"/>
@@ -10913,6 +10955,29 @@
               <a:buChar char="q"/>
             </a:pPr>
             <a:endParaRPr lang="fr-FR" dirty="0"/>
+          </a:p>
+        </p:txBody>
+      </p:sp>
+      <p:sp>
+        <p:nvSpPr>
+          <p:cNvPr id="16" name="Espace réservé de la date 15"/>
+          <p:cNvSpPr>
+            <a:spLocks noGrp="1"/>
+          </p:cNvSpPr>
+          <p:nvPr>
+            <p:ph type="dt" sz="half" idx="10"/>
+          </p:nvPr>
+        </p:nvSpPr>
+        <p:spPr/>
+        <p:txBody>
+          <a:bodyPr/>
+          <a:lstStyle/>
+          <a:p>
+            <a:r>
+              <a:rPr lang="fr-FR" smtClean="0"/>
+              <a:t>03/09/2021</a:t>
+            </a:r>
+            <a:endParaRPr lang="fr-BE"/>
           </a:p>
         </p:txBody>
       </p:sp>
@@ -11587,30 +11652,6 @@
       </p:grpSpPr>
       <p:sp>
         <p:nvSpPr>
-          <p:cNvPr id="2" name="Espace réservé de la date 1"/>
-          <p:cNvSpPr>
-            <a:spLocks noGrp="1"/>
-          </p:cNvSpPr>
-          <p:nvPr>
-            <p:ph type="dt" sz="half" idx="10"/>
-          </p:nvPr>
-        </p:nvSpPr>
-        <p:spPr/>
-        <p:txBody>
-          <a:bodyPr/>
-          <a:lstStyle/>
-          <a:p>
-            <a:fld id="{F6F4C1CA-52B9-4636-90DA-6E3AEA3CC698}" type="datetime1">
-              <a:rPr lang="fr-FR" smtClean="0"/>
-              <a:pPr/>
-              <a:t>16/08/2021</a:t>
-            </a:fld>
-            <a:endParaRPr lang="fr-BE"/>
-          </a:p>
-        </p:txBody>
-      </p:sp>
-      <p:sp>
-        <p:nvSpPr>
           <p:cNvPr id="4" name="Ellipse 3"/>
           <p:cNvSpPr/>
           <p:nvPr/>
@@ -12249,34 +12290,57 @@
           </p:sp>
         </p:grpSp>
       </p:grpSp>
+      <p:sp>
+        <p:nvSpPr>
+          <p:cNvPr id="3" name="Espace réservé de la date 2"/>
+          <p:cNvSpPr>
+            <a:spLocks noGrp="1"/>
+          </p:cNvSpPr>
+          <p:nvPr>
+            <p:ph type="dt" sz="half" idx="10"/>
+          </p:nvPr>
+        </p:nvSpPr>
+        <p:spPr/>
+        <p:txBody>
+          <a:bodyPr/>
+          <a:lstStyle/>
+          <a:p>
+            <a:r>
+              <a:rPr lang="fr-FR" smtClean="0"/>
+              <a:t>03/09/2021</a:t>
+            </a:r>
+            <a:endParaRPr lang="fr-BE"/>
+          </a:p>
+        </p:txBody>
+      </p:sp>
       <p:pic>
         <p:nvPicPr>
-          <p:cNvPr id="27" name="Image 26"/>
-          <p:cNvPicPr/>
+          <p:cNvPr id="10" name="Image 9"/>
+          <p:cNvPicPr>
+            <a:picLocks noChangeAspect="1"/>
+          </p:cNvPicPr>
           <p:nvPr/>
         </p:nvPicPr>
         <p:blipFill>
-          <a:blip r:embed="rId2" cstate="print"/>
-          <a:srcRect/>
+          <a:blip r:embed="rId2" cstate="print">
+            <a:extLst>
+              <a:ext uri="{28A0092B-C50C-407E-A947-70E740481C1C}">
+                <a14:useLocalDpi xmlns:a14="http://schemas.microsoft.com/office/drawing/2010/main" val="0"/>
+              </a:ext>
+            </a:extLst>
+          </a:blip>
           <a:stretch>
             <a:fillRect/>
           </a:stretch>
         </p:blipFill>
-        <p:spPr bwMode="auto">
+        <p:spPr>
           <a:xfrm>
-            <a:off x="285720" y="928670"/>
-            <a:ext cx="6286544" cy="5572164"/>
+            <a:off x="546886" y="865299"/>
+            <a:ext cx="5957731" cy="5572164"/>
           </a:xfrm>
           <a:prstGeom prst="rect">
             <a:avLst/>
           </a:prstGeom>
-          <a:noFill/>
-          <a:ln w="9525">
-            <a:noFill/>
-            <a:miter lim="800000"/>
-            <a:headEnd/>
-            <a:tailEnd/>
-          </a:ln>
         </p:spPr>
       </p:pic>
     </p:spTree>
@@ -12314,30 +12378,6 @@
           <a:chExt cx="0" cy="0"/>
         </a:xfrm>
       </p:grpSpPr>
-      <p:sp>
-        <p:nvSpPr>
-          <p:cNvPr id="2" name="Espace réservé de la date 1"/>
-          <p:cNvSpPr>
-            <a:spLocks noGrp="1"/>
-          </p:cNvSpPr>
-          <p:nvPr>
-            <p:ph type="dt" sz="half" idx="10"/>
-          </p:nvPr>
-        </p:nvSpPr>
-        <p:spPr/>
-        <p:txBody>
-          <a:bodyPr/>
-          <a:lstStyle/>
-          <a:p>
-            <a:fld id="{D65881BB-357F-472F-9D3A-688D4A2EE169}" type="datetime1">
-              <a:rPr lang="fr-FR" smtClean="0"/>
-              <a:pPr/>
-              <a:t>16/08/2021</a:t>
-            </a:fld>
-            <a:endParaRPr lang="fr-BE"/>
-          </a:p>
-        </p:txBody>
-      </p:sp>
       <p:sp>
         <p:nvSpPr>
           <p:cNvPr id="4" name="Ellipse 3"/>
@@ -12978,34 +13018,57 @@
           </p:sp>
         </p:grpSp>
       </p:grpSp>
+      <p:sp>
+        <p:nvSpPr>
+          <p:cNvPr id="3" name="Espace réservé de la date 2"/>
+          <p:cNvSpPr>
+            <a:spLocks noGrp="1"/>
+          </p:cNvSpPr>
+          <p:nvPr>
+            <p:ph type="dt" sz="half" idx="10"/>
+          </p:nvPr>
+        </p:nvSpPr>
+        <p:spPr/>
+        <p:txBody>
+          <a:bodyPr/>
+          <a:lstStyle/>
+          <a:p>
+            <a:r>
+              <a:rPr lang="fr-FR" smtClean="0"/>
+              <a:t>03/09/2021</a:t>
+            </a:r>
+            <a:endParaRPr lang="fr-BE"/>
+          </a:p>
+        </p:txBody>
+      </p:sp>
       <p:pic>
         <p:nvPicPr>
-          <p:cNvPr id="19" name="Image 18"/>
-          <p:cNvPicPr/>
+          <p:cNvPr id="9" name="Image 8"/>
+          <p:cNvPicPr>
+            <a:picLocks noChangeAspect="1"/>
+          </p:cNvPicPr>
           <p:nvPr/>
         </p:nvPicPr>
         <p:blipFill>
-          <a:blip r:embed="rId2" cstate="print"/>
-          <a:srcRect/>
+          <a:blip r:embed="rId2">
+            <a:extLst>
+              <a:ext uri="{28A0092B-C50C-407E-A947-70E740481C1C}">
+                <a14:useLocalDpi xmlns:a14="http://schemas.microsoft.com/office/drawing/2010/main" val="0"/>
+              </a:ext>
+            </a:extLst>
+          </a:blip>
           <a:stretch>
             <a:fillRect/>
           </a:stretch>
         </p:blipFill>
-        <p:spPr bwMode="auto">
+        <p:spPr>
           <a:xfrm>
-            <a:off x="642910" y="928670"/>
-            <a:ext cx="6072230" cy="5357850"/>
+            <a:off x="285720" y="923951"/>
+            <a:ext cx="6344702" cy="5357850"/>
           </a:xfrm>
           <a:prstGeom prst="rect">
             <a:avLst/>
           </a:prstGeom>
-          <a:noFill/>
-          <a:ln w="9525">
-            <a:noFill/>
-            <a:miter lim="800000"/>
-            <a:headEnd/>
-            <a:tailEnd/>
-          </a:ln>
         </p:spPr>
       </p:pic>
     </p:spTree>
@@ -13043,30 +13106,6 @@
           <a:chExt cx="0" cy="0"/>
         </a:xfrm>
       </p:grpSpPr>
-      <p:sp>
-        <p:nvSpPr>
-          <p:cNvPr id="2" name="Espace réservé de la date 1"/>
-          <p:cNvSpPr>
-            <a:spLocks noGrp="1"/>
-          </p:cNvSpPr>
-          <p:nvPr>
-            <p:ph type="dt" sz="half" idx="10"/>
-          </p:nvPr>
-        </p:nvSpPr>
-        <p:spPr/>
-        <p:txBody>
-          <a:bodyPr/>
-          <a:lstStyle/>
-          <a:p>
-            <a:fld id="{575B4EDF-F715-49ED-96E9-BFED293FE0B7}" type="datetime1">
-              <a:rPr lang="fr-FR" smtClean="0"/>
-              <a:pPr/>
-              <a:t>16/08/2021</a:t>
-            </a:fld>
-            <a:endParaRPr lang="fr-BE"/>
-          </a:p>
-        </p:txBody>
-      </p:sp>
       <p:sp>
         <p:nvSpPr>
           <p:cNvPr id="4" name="Ellipse 3"/>
@@ -13707,34 +13746,57 @@
           </p:sp>
         </p:grpSp>
       </p:grpSp>
+      <p:sp>
+        <p:nvSpPr>
+          <p:cNvPr id="3" name="Espace réservé de la date 2"/>
+          <p:cNvSpPr>
+            <a:spLocks noGrp="1"/>
+          </p:cNvSpPr>
+          <p:nvPr>
+            <p:ph type="dt" sz="half" idx="10"/>
+          </p:nvPr>
+        </p:nvSpPr>
+        <p:spPr/>
+        <p:txBody>
+          <a:bodyPr/>
+          <a:lstStyle/>
+          <a:p>
+            <a:r>
+              <a:rPr lang="fr-FR" smtClean="0"/>
+              <a:t>03/09/2021</a:t>
+            </a:r>
+            <a:endParaRPr lang="fr-BE"/>
+          </a:p>
+        </p:txBody>
+      </p:sp>
       <p:pic>
         <p:nvPicPr>
-          <p:cNvPr id="18" name="Image 17"/>
-          <p:cNvPicPr/>
+          <p:cNvPr id="9" name="Image 8"/>
+          <p:cNvPicPr>
+            <a:picLocks noChangeAspect="1"/>
+          </p:cNvPicPr>
           <p:nvPr/>
         </p:nvPicPr>
         <p:blipFill>
-          <a:blip r:embed="rId2" cstate="print"/>
-          <a:srcRect/>
+          <a:blip r:embed="rId3">
+            <a:extLst>
+              <a:ext uri="{28A0092B-C50C-407E-A947-70E740481C1C}">
+                <a14:useLocalDpi xmlns:a14="http://schemas.microsoft.com/office/drawing/2010/main" val="0"/>
+              </a:ext>
+            </a:extLst>
+          </a:blip>
           <a:stretch>
             <a:fillRect/>
           </a:stretch>
         </p:blipFill>
-        <p:spPr bwMode="auto">
+        <p:spPr>
           <a:xfrm>
-            <a:off x="357158" y="857232"/>
-            <a:ext cx="6072230" cy="5643602"/>
+            <a:off x="88049" y="1000108"/>
+            <a:ext cx="6470935" cy="5237204"/>
           </a:xfrm>
           <a:prstGeom prst="rect">
             <a:avLst/>
           </a:prstGeom>
-          <a:noFill/>
-          <a:ln w="9525">
-            <a:noFill/>
-            <a:miter lim="800000"/>
-            <a:headEnd/>
-            <a:tailEnd/>
-          </a:ln>
         </p:spPr>
       </p:pic>
     </p:spTree>
@@ -13772,30 +13834,6 @@
           <a:chExt cx="0" cy="0"/>
         </a:xfrm>
       </p:grpSpPr>
-      <p:sp>
-        <p:nvSpPr>
-          <p:cNvPr id="4" name="Espace réservé de la date 3"/>
-          <p:cNvSpPr>
-            <a:spLocks noGrp="1"/>
-          </p:cNvSpPr>
-          <p:nvPr>
-            <p:ph type="dt" sz="half" idx="10"/>
-          </p:nvPr>
-        </p:nvSpPr>
-        <p:spPr/>
-        <p:txBody>
-          <a:bodyPr/>
-          <a:lstStyle/>
-          <a:p>
-            <a:fld id="{B54DF3E4-18E1-43BC-96DA-0412749E1F5C}" type="datetime1">
-              <a:rPr lang="fr-FR" smtClean="0"/>
-              <a:pPr/>
-              <a:t>16/08/2021</a:t>
-            </a:fld>
-            <a:endParaRPr lang="fr-BE"/>
-          </a:p>
-        </p:txBody>
-      </p:sp>
       <p:sp>
         <p:nvSpPr>
           <p:cNvPr id="12" name="Rectangle à coins arrondis 11"/>
@@ -14462,6 +14500,29 @@
           </p:sp>
         </p:grpSp>
       </p:grpSp>
+      <p:sp>
+        <p:nvSpPr>
+          <p:cNvPr id="2" name="Espace réservé de la date 1"/>
+          <p:cNvSpPr>
+            <a:spLocks noGrp="1"/>
+          </p:cNvSpPr>
+          <p:nvPr>
+            <p:ph type="dt" sz="half" idx="10"/>
+          </p:nvPr>
+        </p:nvSpPr>
+        <p:spPr/>
+        <p:txBody>
+          <a:bodyPr/>
+          <a:lstStyle/>
+          <a:p>
+            <a:r>
+              <a:rPr lang="fr-FR" smtClean="0"/>
+              <a:t>03/09/2021</a:t>
+            </a:r>
+            <a:endParaRPr lang="fr-BE"/>
+          </a:p>
+        </p:txBody>
+      </p:sp>
     </p:spTree>
   </p:cSld>
   <p:clrMapOvr>
@@ -14729,30 +14790,6 @@
       </p:grpSpPr>
       <p:sp>
         <p:nvSpPr>
-          <p:cNvPr id="2" name="Espace réservé de la date 1"/>
-          <p:cNvSpPr>
-            <a:spLocks noGrp="1"/>
-          </p:cNvSpPr>
-          <p:nvPr>
-            <p:ph type="dt" sz="half" idx="10"/>
-          </p:nvPr>
-        </p:nvSpPr>
-        <p:spPr/>
-        <p:txBody>
-          <a:bodyPr/>
-          <a:lstStyle/>
-          <a:p>
-            <a:fld id="{0752B36D-6C3B-404F-B6CA-DCBC158F8A99}" type="datetime1">
-              <a:rPr lang="fr-FR" smtClean="0"/>
-              <a:pPr/>
-              <a:t>16/08/2021</a:t>
-            </a:fld>
-            <a:endParaRPr lang="fr-BE"/>
-          </a:p>
-        </p:txBody>
-      </p:sp>
-      <p:sp>
-        <p:nvSpPr>
           <p:cNvPr id="4" name="Ellipse 3"/>
           <p:cNvSpPr/>
           <p:nvPr/>
@@ -15391,34 +15428,57 @@
           </p:sp>
         </p:grpSp>
       </p:grpSp>
+      <p:sp>
+        <p:nvSpPr>
+          <p:cNvPr id="3" name="Espace réservé de la date 2"/>
+          <p:cNvSpPr>
+            <a:spLocks noGrp="1"/>
+          </p:cNvSpPr>
+          <p:nvPr>
+            <p:ph type="dt" sz="half" idx="10"/>
+          </p:nvPr>
+        </p:nvSpPr>
+        <p:spPr/>
+        <p:txBody>
+          <a:bodyPr/>
+          <a:lstStyle/>
+          <a:p>
+            <a:r>
+              <a:rPr lang="fr-FR" smtClean="0"/>
+              <a:t>03/09/2021</a:t>
+            </a:r>
+            <a:endParaRPr lang="fr-BE"/>
+          </a:p>
+        </p:txBody>
+      </p:sp>
       <p:pic>
         <p:nvPicPr>
-          <p:cNvPr id="18" name="Image 17"/>
-          <p:cNvPicPr/>
+          <p:cNvPr id="9" name="Image 8"/>
+          <p:cNvPicPr>
+            <a:picLocks noChangeAspect="1"/>
+          </p:cNvPicPr>
           <p:nvPr/>
         </p:nvPicPr>
         <p:blipFill>
-          <a:blip r:embed="rId2" cstate="print"/>
-          <a:srcRect/>
+          <a:blip r:embed="rId2">
+            <a:extLst>
+              <a:ext uri="{28A0092B-C50C-407E-A947-70E740481C1C}">
+                <a14:useLocalDpi xmlns:a14="http://schemas.microsoft.com/office/drawing/2010/main" val="0"/>
+              </a:ext>
+            </a:extLst>
+          </a:blip>
           <a:stretch>
             <a:fillRect/>
           </a:stretch>
         </p:blipFill>
-        <p:spPr bwMode="auto">
+        <p:spPr>
           <a:xfrm>
-            <a:off x="142844" y="928670"/>
-            <a:ext cx="6500858" cy="5000660"/>
+            <a:off x="77891" y="1068146"/>
+            <a:ext cx="6587708" cy="4588818"/>
           </a:xfrm>
           <a:prstGeom prst="rect">
             <a:avLst/>
           </a:prstGeom>
-          <a:noFill/>
-          <a:ln w="9525">
-            <a:noFill/>
-            <a:miter lim="800000"/>
-            <a:headEnd/>
-            <a:tailEnd/>
-          </a:ln>
         </p:spPr>
       </p:pic>
     </p:spTree>
@@ -15456,30 +15516,6 @@
           <a:chExt cx="0" cy="0"/>
         </a:xfrm>
       </p:grpSpPr>
-      <p:sp>
-        <p:nvSpPr>
-          <p:cNvPr id="2" name="Espace réservé de la date 1"/>
-          <p:cNvSpPr>
-            <a:spLocks noGrp="1"/>
-          </p:cNvSpPr>
-          <p:nvPr>
-            <p:ph type="dt" sz="half" idx="10"/>
-          </p:nvPr>
-        </p:nvSpPr>
-        <p:spPr/>
-        <p:txBody>
-          <a:bodyPr/>
-          <a:lstStyle/>
-          <a:p>
-            <a:fld id="{C6A2E666-D67F-4037-A3A7-C889B3054A2D}" type="datetime1">
-              <a:rPr lang="fr-FR" smtClean="0"/>
-              <a:pPr/>
-              <a:t>16/08/2021</a:t>
-            </a:fld>
-            <a:endParaRPr lang="fr-BE"/>
-          </a:p>
-        </p:txBody>
-      </p:sp>
       <p:sp>
         <p:nvSpPr>
           <p:cNvPr id="3" name="Ellipse 2"/>
@@ -16120,36 +16156,6 @@
           </a:p>
         </p:txBody>
       </p:sp>
-      <p:pic>
-        <p:nvPicPr>
-          <p:cNvPr id="23" name="Image 22"/>
-          <p:cNvPicPr/>
-          <p:nvPr/>
-        </p:nvPicPr>
-        <p:blipFill>
-          <a:blip r:embed="rId3" cstate="print"/>
-          <a:srcRect/>
-          <a:stretch>
-            <a:fillRect/>
-          </a:stretch>
-        </p:blipFill>
-        <p:spPr bwMode="auto">
-          <a:xfrm>
-            <a:off x="428596" y="928670"/>
-            <a:ext cx="5760720" cy="4919211"/>
-          </a:xfrm>
-          <a:prstGeom prst="rect">
-            <a:avLst/>
-          </a:prstGeom>
-          <a:noFill/>
-          <a:ln w="9525">
-            <a:noFill/>
-            <a:miter lim="800000"/>
-            <a:headEnd/>
-            <a:tailEnd/>
-          </a:ln>
-        </p:spPr>
-      </p:pic>
       <p:sp>
         <p:nvSpPr>
           <p:cNvPr id="27" name="Ellipse 26"/>
@@ -16196,36 +16202,6 @@
           </a:p>
         </p:txBody>
       </p:sp>
-      <p:pic>
-        <p:nvPicPr>
-          <p:cNvPr id="29" name="Image 28"/>
-          <p:cNvPicPr/>
-          <p:nvPr/>
-        </p:nvPicPr>
-        <p:blipFill>
-          <a:blip r:embed="rId4"/>
-          <a:srcRect/>
-          <a:stretch>
-            <a:fillRect/>
-          </a:stretch>
-        </p:blipFill>
-        <p:spPr bwMode="auto">
-          <a:xfrm>
-            <a:off x="428596" y="785794"/>
-            <a:ext cx="5832158" cy="5143536"/>
-          </a:xfrm>
-          <a:prstGeom prst="rect">
-            <a:avLst/>
-          </a:prstGeom>
-          <a:noFill/>
-          <a:ln w="9525">
-            <a:noFill/>
-            <a:miter lim="800000"/>
-            <a:headEnd/>
-            <a:tailEnd/>
-          </a:ln>
-        </p:spPr>
-      </p:pic>
       <p:sp>
         <p:nvSpPr>
           <p:cNvPr id="33" name="Ellipse 32"/>
@@ -16318,36 +16294,6 @@
           </a:p>
         </p:txBody>
       </p:sp>
-      <p:pic>
-        <p:nvPicPr>
-          <p:cNvPr id="38" name="Image 37"/>
-          <p:cNvPicPr/>
-          <p:nvPr/>
-        </p:nvPicPr>
-        <p:blipFill>
-          <a:blip r:embed="rId5"/>
-          <a:srcRect/>
-          <a:stretch>
-            <a:fillRect/>
-          </a:stretch>
-        </p:blipFill>
-        <p:spPr bwMode="auto">
-          <a:xfrm>
-            <a:off x="428596" y="785794"/>
-            <a:ext cx="6143668" cy="5143536"/>
-          </a:xfrm>
-          <a:prstGeom prst="rect">
-            <a:avLst/>
-          </a:prstGeom>
-          <a:noFill/>
-          <a:ln w="9525">
-            <a:noFill/>
-            <a:miter lim="800000"/>
-            <a:headEnd/>
-            <a:tailEnd/>
-          </a:ln>
-        </p:spPr>
-      </p:pic>
       <p:sp>
         <p:nvSpPr>
           <p:cNvPr id="45" name="Ellipse 44"/>
@@ -16440,6 +16386,59 @@
           </a:p>
         </p:txBody>
       </p:sp>
+      <p:sp>
+        <p:nvSpPr>
+          <p:cNvPr id="14" name="Espace réservé de la date 13"/>
+          <p:cNvSpPr>
+            <a:spLocks noGrp="1"/>
+          </p:cNvSpPr>
+          <p:nvPr>
+            <p:ph type="dt" sz="half" idx="10"/>
+          </p:nvPr>
+        </p:nvSpPr>
+        <p:spPr/>
+        <p:txBody>
+          <a:bodyPr/>
+          <a:lstStyle/>
+          <a:p>
+            <a:r>
+              <a:rPr lang="fr-FR" smtClean="0"/>
+              <a:t>03/09/2021</a:t>
+            </a:r>
+            <a:endParaRPr lang="fr-BE"/>
+          </a:p>
+        </p:txBody>
+      </p:sp>
+      <p:pic>
+        <p:nvPicPr>
+          <p:cNvPr id="15" name="Image 14"/>
+          <p:cNvPicPr>
+            <a:picLocks noChangeAspect="1"/>
+          </p:cNvPicPr>
+          <p:nvPr/>
+        </p:nvPicPr>
+        <p:blipFill>
+          <a:blip r:embed="rId3">
+            <a:extLst>
+              <a:ext uri="{28A0092B-C50C-407E-A947-70E740481C1C}">
+                <a14:useLocalDpi xmlns:a14="http://schemas.microsoft.com/office/drawing/2010/main" val="0"/>
+              </a:ext>
+            </a:extLst>
+          </a:blip>
+          <a:stretch>
+            <a:fillRect/>
+          </a:stretch>
+        </p:blipFill>
+        <p:spPr>
+          <a:xfrm>
+            <a:off x="35147" y="1054204"/>
+            <a:ext cx="6679993" cy="4892467"/>
+          </a:xfrm>
+          <a:prstGeom prst="rect">
+            <a:avLst/>
+          </a:prstGeom>
+        </p:spPr>
+      </p:pic>
     </p:spTree>
   </p:cSld>
   <p:clrMapOvr>
@@ -16466,7 +16465,7 @@
                             </p:stCondLst>
                             <p:childTnLst>
                               <p:par>
-                                <p:cTn id="5" presetID="10" presetClass="entr" presetSubtype="0" fill="hold" nodeType="clickEffect">
+                                <p:cTn id="5" presetID="53" presetClass="entr" presetSubtype="0" fill="hold" grpId="0" nodeType="clickEffect">
                                   <p:stCondLst>
                                     <p:cond delay="0"/>
                                   </p:stCondLst>
@@ -16474,59 +16473,6 @@
                                     <p:set>
                                       <p:cBhvr>
                                         <p:cTn id="6" dur="1" fill="hold">
-                                          <p:stCondLst>
-                                            <p:cond delay="0"/>
-                                          </p:stCondLst>
-                                        </p:cTn>
-                                        <p:tgtEl>
-                                          <p:spTgt spid="23"/>
-                                        </p:tgtEl>
-                                        <p:attrNameLst>
-                                          <p:attrName>style.visibility</p:attrName>
-                                        </p:attrNameLst>
-                                      </p:cBhvr>
-                                      <p:to>
-                                        <p:strVal val="visible"/>
-                                      </p:to>
-                                    </p:set>
-                                    <p:animEffect transition="in" filter="fade">
-                                      <p:cBhvr>
-                                        <p:cTn id="7" dur="2000"/>
-                                        <p:tgtEl>
-                                          <p:spTgt spid="23"/>
-                                        </p:tgtEl>
-                                      </p:cBhvr>
-                                    </p:animEffect>
-                                  </p:childTnLst>
-                                </p:cTn>
-                              </p:par>
-                            </p:childTnLst>
-                          </p:cTn>
-                        </p:par>
-                      </p:childTnLst>
-                    </p:cTn>
-                  </p:par>
-                  <p:par>
-                    <p:cTn id="8" fill="hold">
-                      <p:stCondLst>
-                        <p:cond delay="indefinite"/>
-                      </p:stCondLst>
-                      <p:childTnLst>
-                        <p:par>
-                          <p:cTn id="9" fill="hold">
-                            <p:stCondLst>
-                              <p:cond delay="0"/>
-                            </p:stCondLst>
-                            <p:childTnLst>
-                              <p:par>
-                                <p:cTn id="10" presetID="53" presetClass="entr" presetSubtype="0" fill="hold" grpId="0" nodeType="clickEffect">
-                                  <p:stCondLst>
-                                    <p:cond delay="0"/>
-                                  </p:stCondLst>
-                                  <p:childTnLst>
-                                    <p:set>
-                                      <p:cBhvr>
-                                        <p:cTn id="11" dur="1" fill="hold">
                                           <p:stCondLst>
                                             <p:cond delay="0"/>
                                           </p:stCondLst>
@@ -16544,7 +16490,7 @@
                                     </p:set>
                                     <p:anim calcmode="lin" valueType="num">
                                       <p:cBhvr>
-                                        <p:cTn id="12" dur="500" fill="hold"/>
+                                        <p:cTn id="7" dur="500" fill="hold"/>
                                         <p:tgtEl>
                                           <p:spTgt spid="27"/>
                                         </p:tgtEl>
@@ -16567,7 +16513,7 @@
                                     </p:anim>
                                     <p:anim calcmode="lin" valueType="num">
                                       <p:cBhvr>
-                                        <p:cTn id="13" dur="500" fill="hold"/>
+                                        <p:cTn id="8" dur="500" fill="hold"/>
                                         <p:tgtEl>
                                           <p:spTgt spid="27"/>
                                         </p:tgtEl>
@@ -16590,9 +16536,62 @@
                                     </p:anim>
                                     <p:animEffect transition="in" filter="fade">
                                       <p:cBhvr>
+                                        <p:cTn id="9" dur="500"/>
+                                        <p:tgtEl>
+                                          <p:spTgt spid="27"/>
+                                        </p:tgtEl>
+                                      </p:cBhvr>
+                                    </p:animEffect>
+                                  </p:childTnLst>
+                                </p:cTn>
+                              </p:par>
+                            </p:childTnLst>
+                          </p:cTn>
+                        </p:par>
+                      </p:childTnLst>
+                    </p:cTn>
+                  </p:par>
+                  <p:par>
+                    <p:cTn id="10" fill="hold">
+                      <p:stCondLst>
+                        <p:cond delay="indefinite"/>
+                      </p:stCondLst>
+                      <p:childTnLst>
+                        <p:par>
+                          <p:cTn id="11" fill="hold">
+                            <p:stCondLst>
+                              <p:cond delay="0"/>
+                            </p:stCondLst>
+                            <p:childTnLst>
+                              <p:par>
+                                <p:cTn id="12" presetID="4" presetClass="entr" presetSubtype="16" fill="hold" grpId="0" nodeType="clickEffect">
+                                  <p:stCondLst>
+                                    <p:cond delay="0"/>
+                                  </p:stCondLst>
+                                  <p:childTnLst>
+                                    <p:set>
+                                      <p:cBhvr>
+                                        <p:cTn id="13" dur="1" fill="hold">
+                                          <p:stCondLst>
+                                            <p:cond delay="0"/>
+                                          </p:stCondLst>
+                                        </p:cTn>
+                                        <p:tgtEl>
+                                          <p:spTgt spid="33"/>
+                                        </p:tgtEl>
+                                        <p:attrNameLst>
+                                          <p:attrName>style.visibility</p:attrName>
+                                        </p:attrNameLst>
+                                      </p:cBhvr>
+                                      <p:to>
+                                        <p:strVal val="visible"/>
+                                      </p:to>
+                                    </p:set>
+                                    <p:animEffect transition="in" filter="box(in)">
+                                      <p:cBhvr>
                                         <p:cTn id="14" dur="500"/>
                                         <p:tgtEl>
-                                          <p:spTgt spid="27"/>
+                                          <p:spTgt spid="33"/>
                                         </p:tgtEl>
                                       </p:cBhvr>
                                     </p:animEffect>
@@ -16618,7 +16617,7 @@
                             </p:stCondLst>
                             <p:childTnLst>
                               <p:par>
-                                <p:cTn id="17" presetID="2" presetClass="entr" presetSubtype="9" fill="hold" nodeType="clickEffect">
+                                <p:cTn id="17" presetID="4" presetClass="entr" presetSubtype="16" fill="hold" grpId="0" nodeType="clickEffect">
                                   <p:stCondLst>
                                     <p:cond delay="0"/>
                                   </p:stCondLst>
@@ -16626,150 +16625,6 @@
                                     <p:set>
                                       <p:cBhvr>
                                         <p:cTn id="18" dur="1" fill="hold">
-                                          <p:stCondLst>
-                                            <p:cond delay="0"/>
-                                          </p:stCondLst>
-                                        </p:cTn>
-                                        <p:tgtEl>
-                                          <p:spTgt spid="29"/>
-                                        </p:tgtEl>
-                                        <p:attrNameLst>
-                                          <p:attrName>style.visibility</p:attrName>
-                                        </p:attrNameLst>
-                                      </p:cBhvr>
-                                      <p:to>
-                                        <p:strVal val="visible"/>
-                                      </p:to>
-                                    </p:set>
-                                    <p:anim calcmode="lin" valueType="num">
-                                      <p:cBhvr additive="base">
-                                        <p:cTn id="19" dur="500" fill="hold"/>
-                                        <p:tgtEl>
-                                          <p:spTgt spid="29"/>
-                                        </p:tgtEl>
-                                        <p:attrNameLst>
-                                          <p:attrName>ppt_x</p:attrName>
-                                        </p:attrNameLst>
-                                      </p:cBhvr>
-                                      <p:tavLst>
-                                        <p:tav tm="0">
-                                          <p:val>
-                                            <p:strVal val="0-#ppt_w/2"/>
-                                          </p:val>
-                                        </p:tav>
-                                        <p:tav tm="100000">
-                                          <p:val>
-                                            <p:strVal val="#ppt_x"/>
-                                          </p:val>
-                                        </p:tav>
-                                      </p:tavLst>
-                                    </p:anim>
-                                    <p:anim calcmode="lin" valueType="num">
-                                      <p:cBhvr additive="base">
-                                        <p:cTn id="20" dur="500" fill="hold"/>
-                                        <p:tgtEl>
-                                          <p:spTgt spid="29"/>
-                                        </p:tgtEl>
-                                        <p:attrNameLst>
-                                          <p:attrName>ppt_y</p:attrName>
-                                        </p:attrNameLst>
-                                      </p:cBhvr>
-                                      <p:tavLst>
-                                        <p:tav tm="0">
-                                          <p:val>
-                                            <p:strVal val="0-#ppt_h/2"/>
-                                          </p:val>
-                                        </p:tav>
-                                        <p:tav tm="100000">
-                                          <p:val>
-                                            <p:strVal val="#ppt_y"/>
-                                          </p:val>
-                                        </p:tav>
-                                      </p:tavLst>
-                                    </p:anim>
-                                  </p:childTnLst>
-                                </p:cTn>
-                              </p:par>
-                            </p:childTnLst>
-                          </p:cTn>
-                        </p:par>
-                      </p:childTnLst>
-                    </p:cTn>
-                  </p:par>
-                  <p:par>
-                    <p:cTn id="21" fill="hold">
-                      <p:stCondLst>
-                        <p:cond delay="indefinite"/>
-                      </p:stCondLst>
-                      <p:childTnLst>
-                        <p:par>
-                          <p:cTn id="22" fill="hold">
-                            <p:stCondLst>
-                              <p:cond delay="0"/>
-                            </p:stCondLst>
-                            <p:childTnLst>
-                              <p:par>
-                                <p:cTn id="23" presetID="4" presetClass="entr" presetSubtype="16" fill="hold" grpId="0" nodeType="clickEffect">
-                                  <p:stCondLst>
-                                    <p:cond delay="0"/>
-                                  </p:stCondLst>
-                                  <p:childTnLst>
-                                    <p:set>
-                                      <p:cBhvr>
-                                        <p:cTn id="24" dur="1" fill="hold">
-                                          <p:stCondLst>
-                                            <p:cond delay="0"/>
-                                          </p:stCondLst>
-                                        </p:cTn>
-                                        <p:tgtEl>
-                                          <p:spTgt spid="33"/>
-                                        </p:tgtEl>
-                                        <p:attrNameLst>
-                                          <p:attrName>style.visibility</p:attrName>
-                                        </p:attrNameLst>
-                                      </p:cBhvr>
-                                      <p:to>
-                                        <p:strVal val="visible"/>
-                                      </p:to>
-                                    </p:set>
-                                    <p:animEffect transition="in" filter="box(in)">
-                                      <p:cBhvr>
-                                        <p:cTn id="25" dur="500"/>
-                                        <p:tgtEl>
-                                          <p:spTgt spid="33"/>
-                                        </p:tgtEl>
-                                      </p:cBhvr>
-                                    </p:animEffect>
-                                  </p:childTnLst>
-                                </p:cTn>
-                              </p:par>
-                            </p:childTnLst>
-                          </p:cTn>
-                        </p:par>
-                      </p:childTnLst>
-                    </p:cTn>
-                  </p:par>
-                  <p:par>
-                    <p:cTn id="26" fill="hold">
-                      <p:stCondLst>
-                        <p:cond delay="indefinite"/>
-                      </p:stCondLst>
-                      <p:childTnLst>
-                        <p:par>
-                          <p:cTn id="27" fill="hold">
-                            <p:stCondLst>
-                              <p:cond delay="0"/>
-                            </p:stCondLst>
-                            <p:childTnLst>
-                              <p:par>
-                                <p:cTn id="28" presetID="4" presetClass="entr" presetSubtype="16" fill="hold" grpId="0" nodeType="clickEffect">
-                                  <p:stCondLst>
-                                    <p:cond delay="0"/>
-                                  </p:stCondLst>
-                                  <p:childTnLst>
-                                    <p:set>
-                                      <p:cBhvr>
-                                        <p:cTn id="29" dur="1" fill="hold">
                                           <p:stCondLst>
                                             <p:cond delay="0"/>
                                           </p:stCondLst>
@@ -16787,7 +16642,7 @@
                                     </p:set>
                                     <p:animEffect transition="in" filter="box(in)">
                                       <p:cBhvr>
-                                        <p:cTn id="30" dur="500"/>
+                                        <p:cTn id="19" dur="500"/>
                                         <p:tgtEl>
                                           <p:spTgt spid="34"/>
                                         </p:tgtEl>
@@ -16803,117 +16658,26 @@
                     </p:cTn>
                   </p:par>
                   <p:par>
-                    <p:cTn id="31" fill="hold">
+                    <p:cTn id="20" fill="hold">
                       <p:stCondLst>
                         <p:cond delay="indefinite"/>
                       </p:stCondLst>
                       <p:childTnLst>
                         <p:par>
-                          <p:cTn id="32" fill="hold">
+                          <p:cTn id="21" fill="hold">
                             <p:stCondLst>
                               <p:cond delay="0"/>
                             </p:stCondLst>
                             <p:childTnLst>
                               <p:par>
-                                <p:cTn id="33" presetID="2" presetClass="entr" presetSubtype="3" fill="hold" nodeType="clickEffect">
+                                <p:cTn id="22" presetID="4" presetClass="entr" presetSubtype="16" fill="hold" grpId="0" nodeType="clickEffect">
                                   <p:stCondLst>
                                     <p:cond delay="0"/>
                                   </p:stCondLst>
                                   <p:childTnLst>
                                     <p:set>
                                       <p:cBhvr>
-                                        <p:cTn id="34" dur="1" fill="hold">
-                                          <p:stCondLst>
-                                            <p:cond delay="0"/>
-                                          </p:stCondLst>
-                                        </p:cTn>
-                                        <p:tgtEl>
-                                          <p:spTgt spid="38"/>
-                                        </p:tgtEl>
-                                        <p:attrNameLst>
-                                          <p:attrName>style.visibility</p:attrName>
-                                        </p:attrNameLst>
-                                      </p:cBhvr>
-                                      <p:to>
-                                        <p:strVal val="visible"/>
-                                      </p:to>
-                                    </p:set>
-                                    <p:anim calcmode="lin" valueType="num">
-                                      <p:cBhvr additive="base">
-                                        <p:cTn id="35" dur="500" fill="hold"/>
-                                        <p:tgtEl>
-                                          <p:spTgt spid="38"/>
-                                        </p:tgtEl>
-                                        <p:attrNameLst>
-                                          <p:attrName>ppt_x</p:attrName>
-                                        </p:attrNameLst>
-                                      </p:cBhvr>
-                                      <p:tavLst>
-                                        <p:tav tm="0">
-                                          <p:val>
-                                            <p:strVal val="1+#ppt_w/2"/>
-                                          </p:val>
-                                        </p:tav>
-                                        <p:tav tm="100000">
-                                          <p:val>
-                                            <p:strVal val="#ppt_x"/>
-                                          </p:val>
-                                        </p:tav>
-                                      </p:tavLst>
-                                    </p:anim>
-                                    <p:anim calcmode="lin" valueType="num">
-                                      <p:cBhvr additive="base">
-                                        <p:cTn id="36" dur="500" fill="hold"/>
-                                        <p:tgtEl>
-                                          <p:spTgt spid="38"/>
-                                        </p:tgtEl>
-                                        <p:attrNameLst>
-                                          <p:attrName>ppt_y</p:attrName>
-                                        </p:attrNameLst>
-                                      </p:cBhvr>
-                                      <p:tavLst>
-                                        <p:tav tm="0">
-                                          <p:val>
-                                            <p:strVal val="0-#ppt_h/2"/>
-                                          </p:val>
-                                        </p:tav>
-                                        <p:tav tm="100000">
-                                          <p:val>
-                                            <p:strVal val="#ppt_y"/>
-                                          </p:val>
-                                        </p:tav>
-                                      </p:tavLst>
-                                    </p:anim>
-                                  </p:childTnLst>
-                                </p:cTn>
-                              </p:par>
-                            </p:childTnLst>
-                          </p:cTn>
-                        </p:par>
-                      </p:childTnLst>
-                    </p:cTn>
-                  </p:par>
-                  <p:par>
-                    <p:cTn id="37" fill="hold">
-                      <p:stCondLst>
-                        <p:cond delay="indefinite"/>
-                      </p:stCondLst>
-                      <p:childTnLst>
-                        <p:par>
-                          <p:cTn id="38" fill="hold">
-                            <p:stCondLst>
-                              <p:cond delay="0"/>
-                            </p:stCondLst>
-                            <p:childTnLst>
-                              <p:par>
-                                <p:cTn id="39" presetID="4" presetClass="entr" presetSubtype="16" fill="hold" grpId="0" nodeType="clickEffect">
-                                  <p:stCondLst>
-                                    <p:cond delay="0"/>
-                                  </p:stCondLst>
-                                  <p:childTnLst>
-                                    <p:set>
-                                      <p:cBhvr>
-                                        <p:cTn id="40" dur="1" fill="hold">
+                                        <p:cTn id="23" dur="1" fill="hold">
                                           <p:stCondLst>
                                             <p:cond delay="0"/>
                                           </p:stCondLst>
@@ -16931,7 +16695,7 @@
                                     </p:set>
                                     <p:animEffect transition="in" filter="box(in)">
                                       <p:cBhvr>
-                                        <p:cTn id="41" dur="500"/>
+                                        <p:cTn id="24" dur="500"/>
                                         <p:tgtEl>
                                           <p:spTgt spid="45"/>
                                         </p:tgtEl>
@@ -16947,26 +16711,26 @@
                     </p:cTn>
                   </p:par>
                   <p:par>
-                    <p:cTn id="42" fill="hold">
+                    <p:cTn id="25" fill="hold">
                       <p:stCondLst>
                         <p:cond delay="indefinite"/>
                       </p:stCondLst>
                       <p:childTnLst>
                         <p:par>
-                          <p:cTn id="43" fill="hold">
+                          <p:cTn id="26" fill="hold">
                             <p:stCondLst>
                               <p:cond delay="0"/>
                             </p:stCondLst>
                             <p:childTnLst>
                               <p:par>
-                                <p:cTn id="44" presetID="4" presetClass="entr" presetSubtype="16" fill="hold" grpId="0" nodeType="clickEffect">
+                                <p:cTn id="27" presetID="4" presetClass="entr" presetSubtype="16" fill="hold" grpId="0" nodeType="clickEffect">
                                   <p:stCondLst>
                                     <p:cond delay="0"/>
                                   </p:stCondLst>
                                   <p:childTnLst>
                                     <p:set>
                                       <p:cBhvr>
-                                        <p:cTn id="45" dur="1" fill="hold">
+                                        <p:cTn id="28" dur="1" fill="hold">
                                           <p:stCondLst>
                                             <p:cond delay="0"/>
                                           </p:stCondLst>
@@ -16984,7 +16748,7 @@
                                     </p:set>
                                     <p:animEffect transition="in" filter="box(in)">
                                       <p:cBhvr>
-                                        <p:cTn id="46" dur="500"/>
+                                        <p:cTn id="29" dur="500"/>
                                         <p:tgtEl>
                                           <p:spTgt spid="46"/>
                                         </p:tgtEl>
@@ -17048,30 +16812,6 @@
           <a:chExt cx="0" cy="0"/>
         </a:xfrm>
       </p:grpSpPr>
-      <p:sp>
-        <p:nvSpPr>
-          <p:cNvPr id="2" name="Espace réservé de la date 1"/>
-          <p:cNvSpPr>
-            <a:spLocks noGrp="1"/>
-          </p:cNvSpPr>
-          <p:nvPr>
-            <p:ph type="dt" sz="half" idx="10"/>
-          </p:nvPr>
-        </p:nvSpPr>
-        <p:spPr/>
-        <p:txBody>
-          <a:bodyPr/>
-          <a:lstStyle/>
-          <a:p>
-            <a:fld id="{C6A2E666-D67F-4037-A3A7-C889B3054A2D}" type="datetime1">
-              <a:rPr lang="fr-FR" smtClean="0"/>
-              <a:pPr/>
-              <a:t>16/08/2021</a:t>
-            </a:fld>
-            <a:endParaRPr lang="fr-BE"/>
-          </a:p>
-        </p:txBody>
-      </p:sp>
       <p:sp>
         <p:nvSpPr>
           <p:cNvPr id="3" name="Ellipse 2"/>
@@ -17708,131 +17448,59 @@
           </a:p>
         </p:txBody>
       </p:sp>
+      <p:sp>
+        <p:nvSpPr>
+          <p:cNvPr id="14" name="Espace réservé de la date 13"/>
+          <p:cNvSpPr>
+            <a:spLocks noGrp="1"/>
+          </p:cNvSpPr>
+          <p:nvPr>
+            <p:ph type="dt" sz="half" idx="10"/>
+          </p:nvPr>
+        </p:nvSpPr>
+        <p:spPr/>
+        <p:txBody>
+          <a:bodyPr/>
+          <a:lstStyle/>
+          <a:p>
+            <a:r>
+              <a:rPr lang="fr-FR" smtClean="0"/>
+              <a:t>03/09/2021</a:t>
+            </a:r>
+            <a:endParaRPr lang="fr-BE"/>
+          </a:p>
+        </p:txBody>
+      </p:sp>
       <p:pic>
         <p:nvPicPr>
-          <p:cNvPr id="2050" name="Picture 2"/>
+          <p:cNvPr id="16" name="Image 15"/>
           <p:cNvPicPr>
-            <a:picLocks noChangeAspect="1" noChangeArrowheads="1"/>
+            <a:picLocks noChangeAspect="1"/>
           </p:cNvPicPr>
           <p:nvPr/>
         </p:nvPicPr>
         <p:blipFill>
-          <a:blip r:embed="rId2"/>
-          <a:srcRect/>
+          <a:blip r:embed="rId2">
+            <a:extLst>
+              <a:ext uri="{28A0092B-C50C-407E-A947-70E740481C1C}">
+                <a14:useLocalDpi xmlns:a14="http://schemas.microsoft.com/office/drawing/2010/main" val="0"/>
+              </a:ext>
+            </a:extLst>
+          </a:blip>
           <a:stretch>
             <a:fillRect/>
           </a:stretch>
         </p:blipFill>
-        <p:spPr bwMode="auto">
+        <p:spPr>
           <a:xfrm>
-            <a:off x="214283" y="1500174"/>
-            <a:ext cx="6500858" cy="3243272"/>
+            <a:off x="0" y="1154906"/>
+            <a:ext cx="6608555" cy="4866382"/>
           </a:xfrm>
           <a:prstGeom prst="rect">
             <a:avLst/>
           </a:prstGeom>
-          <a:noFill/>
-          <a:ln w="9525">
-            <a:noFill/>
-            <a:miter lim="800000"/>
-            <a:headEnd/>
-            <a:tailEnd/>
-          </a:ln>
-          <a:effectLst/>
         </p:spPr>
       </p:pic>
-      <p:sp>
-        <p:nvSpPr>
-          <p:cNvPr id="27" name="Ellipse 26"/>
-          <p:cNvSpPr/>
-          <p:nvPr/>
-        </p:nvSpPr>
-        <p:spPr>
-          <a:xfrm>
-            <a:off x="1571604" y="3857628"/>
-            <a:ext cx="928694" cy="357190"/>
-          </a:xfrm>
-          <a:prstGeom prst="ellipse">
-            <a:avLst/>
-          </a:prstGeom>
-          <a:noFill/>
-          <a:ln>
-            <a:solidFill>
-              <a:srgbClr val="FF0000"/>
-            </a:solidFill>
-          </a:ln>
-        </p:spPr>
-        <p:style>
-          <a:lnRef idx="2">
-            <a:schemeClr val="accent1">
-              <a:shade val="50000"/>
-            </a:schemeClr>
-          </a:lnRef>
-          <a:fillRef idx="1">
-            <a:schemeClr val="accent1"/>
-          </a:fillRef>
-          <a:effectRef idx="0">
-            <a:schemeClr val="accent1"/>
-          </a:effectRef>
-          <a:fontRef idx="minor">
-            <a:schemeClr val="lt1"/>
-          </a:fontRef>
-        </p:style>
-        <p:txBody>
-          <a:bodyPr rtlCol="0" anchor="ctr"/>
-          <a:lstStyle/>
-          <a:p>
-            <a:pPr algn="ctr"/>
-            <a:endParaRPr lang="fr-FR"/>
-          </a:p>
-        </p:txBody>
-      </p:sp>
-      <p:sp>
-        <p:nvSpPr>
-          <p:cNvPr id="28" name="Ellipse 27"/>
-          <p:cNvSpPr/>
-          <p:nvPr/>
-        </p:nvSpPr>
-        <p:spPr>
-          <a:xfrm>
-            <a:off x="3000364" y="4429132"/>
-            <a:ext cx="857256" cy="285752"/>
-          </a:xfrm>
-          <a:prstGeom prst="ellipse">
-            <a:avLst/>
-          </a:prstGeom>
-          <a:noFill/>
-          <a:ln>
-            <a:solidFill>
-              <a:srgbClr val="FF0000"/>
-            </a:solidFill>
-          </a:ln>
-        </p:spPr>
-        <p:style>
-          <a:lnRef idx="2">
-            <a:schemeClr val="accent1">
-              <a:shade val="50000"/>
-            </a:schemeClr>
-          </a:lnRef>
-          <a:fillRef idx="1">
-            <a:schemeClr val="accent1"/>
-          </a:fillRef>
-          <a:effectRef idx="0">
-            <a:schemeClr val="accent1"/>
-          </a:effectRef>
-          <a:fontRef idx="minor">
-            <a:schemeClr val="lt1"/>
-          </a:fontRef>
-        </p:style>
-        <p:txBody>
-          <a:bodyPr rtlCol="0" anchor="ctr"/>
-          <a:lstStyle/>
-          <a:p>
-            <a:pPr algn="ctr"/>
-            <a:endParaRPr lang="fr-FR"/>
-          </a:p>
-        </p:txBody>
-      </p:sp>
     </p:spTree>
   </p:cSld>
   <p:clrMapOvr>
@@ -17841,234 +17509,9 @@
   <p:timing>
     <p:tnLst>
       <p:par>
-        <p:cTn id="1" dur="indefinite" restart="never" nodeType="tmRoot">
-          <p:childTnLst>
-            <p:seq concurrent="1" nextAc="seek">
-              <p:cTn id="2" dur="indefinite" nodeType="mainSeq">
-                <p:childTnLst>
-                  <p:par>
-                    <p:cTn id="3" fill="hold">
-                      <p:stCondLst>
-                        <p:cond delay="indefinite"/>
-                      </p:stCondLst>
-                      <p:childTnLst>
-                        <p:par>
-                          <p:cTn id="4" fill="hold">
-                            <p:stCondLst>
-                              <p:cond delay="0"/>
-                            </p:stCondLst>
-                            <p:childTnLst>
-                              <p:par>
-                                <p:cTn id="5" presetID="53" presetClass="entr" presetSubtype="0" fill="hold" grpId="0" nodeType="clickEffect">
-                                  <p:stCondLst>
-                                    <p:cond delay="0"/>
-                                  </p:stCondLst>
-                                  <p:childTnLst>
-                                    <p:set>
-                                      <p:cBhvr>
-                                        <p:cTn id="6" dur="1" fill="hold">
-                                          <p:stCondLst>
-                                            <p:cond delay="0"/>
-                                          </p:stCondLst>
-                                        </p:cTn>
-                                        <p:tgtEl>
-                                          <p:spTgt spid="27"/>
-                                        </p:tgtEl>
-                                        <p:attrNameLst>
-                                          <p:attrName>style.visibility</p:attrName>
-                                        </p:attrNameLst>
-                                      </p:cBhvr>
-                                      <p:to>
-                                        <p:strVal val="visible"/>
-                                      </p:to>
-                                    </p:set>
-                                    <p:anim calcmode="lin" valueType="num">
-                                      <p:cBhvr>
-                                        <p:cTn id="7" dur="500" fill="hold"/>
-                                        <p:tgtEl>
-                                          <p:spTgt spid="27"/>
-                                        </p:tgtEl>
-                                        <p:attrNameLst>
-                                          <p:attrName>ppt_w</p:attrName>
-                                        </p:attrNameLst>
-                                      </p:cBhvr>
-                                      <p:tavLst>
-                                        <p:tav tm="0">
-                                          <p:val>
-                                            <p:fltVal val="0"/>
-                                          </p:val>
-                                        </p:tav>
-                                        <p:tav tm="100000">
-                                          <p:val>
-                                            <p:strVal val="#ppt_w"/>
-                                          </p:val>
-                                        </p:tav>
-                                      </p:tavLst>
-                                    </p:anim>
-                                    <p:anim calcmode="lin" valueType="num">
-                                      <p:cBhvr>
-                                        <p:cTn id="8" dur="500" fill="hold"/>
-                                        <p:tgtEl>
-                                          <p:spTgt spid="27"/>
-                                        </p:tgtEl>
-                                        <p:attrNameLst>
-                                          <p:attrName>ppt_h</p:attrName>
-                                        </p:attrNameLst>
-                                      </p:cBhvr>
-                                      <p:tavLst>
-                                        <p:tav tm="0">
-                                          <p:val>
-                                            <p:fltVal val="0"/>
-                                          </p:val>
-                                        </p:tav>
-                                        <p:tav tm="100000">
-                                          <p:val>
-                                            <p:strVal val="#ppt_h"/>
-                                          </p:val>
-                                        </p:tav>
-                                      </p:tavLst>
-                                    </p:anim>
-                                    <p:animEffect transition="in" filter="fade">
-                                      <p:cBhvr>
-                                        <p:cTn id="9" dur="500"/>
-                                        <p:tgtEl>
-                                          <p:spTgt spid="27"/>
-                                        </p:tgtEl>
-                                      </p:cBhvr>
-                                    </p:animEffect>
-                                  </p:childTnLst>
-                                </p:cTn>
-                              </p:par>
-                            </p:childTnLst>
-                          </p:cTn>
-                        </p:par>
-                      </p:childTnLst>
-                    </p:cTn>
-                  </p:par>
-                  <p:par>
-                    <p:cTn id="10" fill="hold">
-                      <p:stCondLst>
-                        <p:cond delay="indefinite"/>
-                      </p:stCondLst>
-                      <p:childTnLst>
-                        <p:par>
-                          <p:cTn id="11" fill="hold">
-                            <p:stCondLst>
-                              <p:cond delay="0"/>
-                            </p:stCondLst>
-                            <p:childTnLst>
-                              <p:par>
-                                <p:cTn id="12" presetID="53" presetClass="entr" presetSubtype="0" fill="hold" grpId="0" nodeType="clickEffect">
-                                  <p:stCondLst>
-                                    <p:cond delay="0"/>
-                                  </p:stCondLst>
-                                  <p:childTnLst>
-                                    <p:set>
-                                      <p:cBhvr>
-                                        <p:cTn id="13" dur="1" fill="hold">
-                                          <p:stCondLst>
-                                            <p:cond delay="0"/>
-                                          </p:stCondLst>
-                                        </p:cTn>
-                                        <p:tgtEl>
-                                          <p:spTgt spid="28"/>
-                                        </p:tgtEl>
-                                        <p:attrNameLst>
-                                          <p:attrName>style.visibility</p:attrName>
-                                        </p:attrNameLst>
-                                      </p:cBhvr>
-                                      <p:to>
-                                        <p:strVal val="visible"/>
-                                      </p:to>
-                                    </p:set>
-                                    <p:anim calcmode="lin" valueType="num">
-                                      <p:cBhvr>
-                                        <p:cTn id="14" dur="500" fill="hold"/>
-                                        <p:tgtEl>
-                                          <p:spTgt spid="28"/>
-                                        </p:tgtEl>
-                                        <p:attrNameLst>
-                                          <p:attrName>ppt_w</p:attrName>
-                                        </p:attrNameLst>
-                                      </p:cBhvr>
-                                      <p:tavLst>
-                                        <p:tav tm="0">
-                                          <p:val>
-                                            <p:fltVal val="0"/>
-                                          </p:val>
-                                        </p:tav>
-                                        <p:tav tm="100000">
-                                          <p:val>
-                                            <p:strVal val="#ppt_w"/>
-                                          </p:val>
-                                        </p:tav>
-                                      </p:tavLst>
-                                    </p:anim>
-                                    <p:anim calcmode="lin" valueType="num">
-                                      <p:cBhvr>
-                                        <p:cTn id="15" dur="500" fill="hold"/>
-                                        <p:tgtEl>
-                                          <p:spTgt spid="28"/>
-                                        </p:tgtEl>
-                                        <p:attrNameLst>
-                                          <p:attrName>ppt_h</p:attrName>
-                                        </p:attrNameLst>
-                                      </p:cBhvr>
-                                      <p:tavLst>
-                                        <p:tav tm="0">
-                                          <p:val>
-                                            <p:fltVal val="0"/>
-                                          </p:val>
-                                        </p:tav>
-                                        <p:tav tm="100000">
-                                          <p:val>
-                                            <p:strVal val="#ppt_h"/>
-                                          </p:val>
-                                        </p:tav>
-                                      </p:tavLst>
-                                    </p:anim>
-                                    <p:animEffect transition="in" filter="fade">
-                                      <p:cBhvr>
-                                        <p:cTn id="16" dur="500"/>
-                                        <p:tgtEl>
-                                          <p:spTgt spid="28"/>
-                                        </p:tgtEl>
-                                      </p:cBhvr>
-                                    </p:animEffect>
-                                  </p:childTnLst>
-                                </p:cTn>
-                              </p:par>
-                            </p:childTnLst>
-                          </p:cTn>
-                        </p:par>
-                      </p:childTnLst>
-                    </p:cTn>
-                  </p:par>
-                </p:childTnLst>
-              </p:cTn>
-              <p:prevCondLst>
-                <p:cond evt="onPrev" delay="0">
-                  <p:tgtEl>
-                    <p:sldTgt/>
-                  </p:tgtEl>
-                </p:cond>
-              </p:prevCondLst>
-              <p:nextCondLst>
-                <p:cond evt="onNext" delay="0">
-                  <p:tgtEl>
-                    <p:sldTgt/>
-                  </p:tgtEl>
-                </p:cond>
-              </p:nextCondLst>
-            </p:seq>
-          </p:childTnLst>
-        </p:cTn>
+        <p:cTn id="1" dur="indefinite" restart="never" nodeType="tmRoot"/>
       </p:par>
     </p:tnLst>
-    <p:bldLst>
-      <p:bldP spid="27" grpId="0" animBg="1"/>
-      <p:bldP spid="28" grpId="0" animBg="1"/>
-    </p:bldLst>
   </p:timing>
 </p:sld>
 </file>
@@ -18090,30 +17533,6 @@
           <a:chExt cx="0" cy="0"/>
         </a:xfrm>
       </p:grpSpPr>
-      <p:sp>
-        <p:nvSpPr>
-          <p:cNvPr id="2" name="Espace réservé de la date 1"/>
-          <p:cNvSpPr>
-            <a:spLocks noGrp="1"/>
-          </p:cNvSpPr>
-          <p:nvPr>
-            <p:ph type="dt" sz="half" idx="10"/>
-          </p:nvPr>
-        </p:nvSpPr>
-        <p:spPr/>
-        <p:txBody>
-          <a:bodyPr/>
-          <a:lstStyle/>
-          <a:p>
-            <a:fld id="{2CAF00AE-65EB-4093-8BE8-65E43D2B27FA}" type="datetime1">
-              <a:rPr lang="fr-FR" smtClean="0"/>
-              <a:pPr/>
-              <a:t>16/08/2021</a:t>
-            </a:fld>
-            <a:endParaRPr lang="fr-BE"/>
-          </a:p>
-        </p:txBody>
-      </p:sp>
       <p:sp>
         <p:nvSpPr>
           <p:cNvPr id="4" name="Ellipse 3"/>
@@ -18750,84 +18169,59 @@
           </p:sp>
         </p:grpSp>
       </p:grpSp>
+      <p:sp>
+        <p:nvSpPr>
+          <p:cNvPr id="3" name="Espace réservé de la date 2"/>
+          <p:cNvSpPr>
+            <a:spLocks noGrp="1"/>
+          </p:cNvSpPr>
+          <p:nvPr>
+            <p:ph type="dt" sz="half" idx="10"/>
+          </p:nvPr>
+        </p:nvSpPr>
+        <p:spPr/>
+        <p:txBody>
+          <a:bodyPr/>
+          <a:lstStyle/>
+          <a:p>
+            <a:r>
+              <a:rPr lang="fr-FR" smtClean="0"/>
+              <a:t>03/09/2021</a:t>
+            </a:r>
+            <a:endParaRPr lang="fr-BE"/>
+          </a:p>
+        </p:txBody>
+      </p:sp>
       <p:pic>
         <p:nvPicPr>
-          <p:cNvPr id="22" name="Image 21"/>
-          <p:cNvPicPr/>
+          <p:cNvPr id="10" name="Image 9"/>
+          <p:cNvPicPr>
+            <a:picLocks noChangeAspect="1"/>
+          </p:cNvPicPr>
           <p:nvPr/>
         </p:nvPicPr>
         <p:blipFill>
-          <a:blip r:embed="rId2" cstate="print"/>
-          <a:srcRect/>
+          <a:blip r:embed="rId2">
+            <a:extLst>
+              <a:ext uri="{28A0092B-C50C-407E-A947-70E740481C1C}">
+                <a14:useLocalDpi xmlns:a14="http://schemas.microsoft.com/office/drawing/2010/main" val="0"/>
+              </a:ext>
+            </a:extLst>
+          </a:blip>
           <a:stretch>
             <a:fillRect/>
           </a:stretch>
         </p:blipFill>
-        <p:spPr bwMode="auto">
+        <p:spPr>
           <a:xfrm>
-            <a:off x="357158" y="928670"/>
-            <a:ext cx="6215106" cy="4214842"/>
+            <a:off x="86068" y="1410516"/>
+            <a:ext cx="6502156" cy="3602660"/>
           </a:xfrm>
           <a:prstGeom prst="rect">
             <a:avLst/>
           </a:prstGeom>
-          <a:noFill/>
-          <a:ln w="9525">
-            <a:solidFill>
-              <a:schemeClr val="tx1"/>
-            </a:solidFill>
-            <a:miter lim="800000"/>
-            <a:headEnd/>
-            <a:tailEnd/>
-          </a:ln>
         </p:spPr>
       </p:pic>
-      <p:sp>
-        <p:nvSpPr>
-          <p:cNvPr id="23" name="Ellipse 22"/>
-          <p:cNvSpPr/>
-          <p:nvPr/>
-        </p:nvSpPr>
-        <p:spPr>
-          <a:xfrm>
-            <a:off x="4929190" y="2857496"/>
-            <a:ext cx="1214446" cy="642942"/>
-          </a:xfrm>
-          <a:prstGeom prst="ellipse">
-            <a:avLst/>
-          </a:prstGeom>
-          <a:noFill/>
-          <a:ln>
-            <a:solidFill>
-              <a:srgbClr val="FF0000"/>
-            </a:solidFill>
-          </a:ln>
-        </p:spPr>
-        <p:style>
-          <a:lnRef idx="2">
-            <a:schemeClr val="accent1">
-              <a:shade val="50000"/>
-            </a:schemeClr>
-          </a:lnRef>
-          <a:fillRef idx="1">
-            <a:schemeClr val="accent1"/>
-          </a:fillRef>
-          <a:effectRef idx="0">
-            <a:schemeClr val="accent1"/>
-          </a:effectRef>
-          <a:fontRef idx="minor">
-            <a:schemeClr val="lt1"/>
-          </a:fontRef>
-        </p:style>
-        <p:txBody>
-          <a:bodyPr rtlCol="0" anchor="ctr"/>
-          <a:lstStyle/>
-          <a:p>
-            <a:pPr algn="ctr"/>
-            <a:endParaRPr lang="fr-FR"/>
-          </a:p>
-        </p:txBody>
-      </p:sp>
     </p:spTree>
   </p:cSld>
   <p:clrMapOvr>
@@ -18839,134 +18233,9 @@
   <p:timing>
     <p:tnLst>
       <p:par>
-        <p:cTn id="1" dur="indefinite" restart="never" nodeType="tmRoot">
-          <p:childTnLst>
-            <p:seq concurrent="1" nextAc="seek">
-              <p:cTn id="2" dur="indefinite" nodeType="mainSeq">
-                <p:childTnLst>
-                  <p:par>
-                    <p:cTn id="3" fill="hold">
-                      <p:stCondLst>
-                        <p:cond delay="indefinite"/>
-                      </p:stCondLst>
-                      <p:childTnLst>
-                        <p:par>
-                          <p:cTn id="4" fill="hold">
-                            <p:stCondLst>
-                              <p:cond delay="0"/>
-                            </p:stCondLst>
-                            <p:childTnLst>
-                              <p:par>
-                                <p:cTn id="5" presetID="53" presetClass="entr" presetSubtype="0" fill="hold" grpId="0" nodeType="clickEffect">
-                                  <p:stCondLst>
-                                    <p:cond delay="0"/>
-                                  </p:stCondLst>
-                                  <p:childTnLst>
-                                    <p:set>
-                                      <p:cBhvr>
-                                        <p:cTn id="6" dur="1" fill="hold">
-                                          <p:stCondLst>
-                                            <p:cond delay="0"/>
-                                          </p:stCondLst>
-                                        </p:cTn>
-                                        <p:tgtEl>
-                                          <p:spTgt spid="23"/>
-                                        </p:tgtEl>
-                                        <p:attrNameLst>
-                                          <p:attrName>style.visibility</p:attrName>
-                                        </p:attrNameLst>
-                                      </p:cBhvr>
-                                      <p:to>
-                                        <p:strVal val="visible"/>
-                                      </p:to>
-                                    </p:set>
-                                    <p:anim calcmode="lin" valueType="num">
-                                      <p:cBhvr>
-                                        <p:cTn id="7" dur="500" fill="hold"/>
-                                        <p:tgtEl>
-                                          <p:spTgt spid="23"/>
-                                        </p:tgtEl>
-                                        <p:attrNameLst>
-                                          <p:attrName>ppt_w</p:attrName>
-                                        </p:attrNameLst>
-                                      </p:cBhvr>
-                                      <p:tavLst>
-                                        <p:tav tm="0">
-                                          <p:val>
-                                            <p:fltVal val="0"/>
-                                          </p:val>
-                                        </p:tav>
-                                        <p:tav tm="100000">
-                                          <p:val>
-                                            <p:strVal val="#ppt_w"/>
-                                          </p:val>
-                                        </p:tav>
-                                      </p:tavLst>
-                                    </p:anim>
-                                    <p:anim calcmode="lin" valueType="num">
-                                      <p:cBhvr>
-                                        <p:cTn id="8" dur="500" fill="hold"/>
-                                        <p:tgtEl>
-                                          <p:spTgt spid="23"/>
-                                        </p:tgtEl>
-                                        <p:attrNameLst>
-                                          <p:attrName>ppt_h</p:attrName>
-                                        </p:attrNameLst>
-                                      </p:cBhvr>
-                                      <p:tavLst>
-                                        <p:tav tm="0">
-                                          <p:val>
-                                            <p:fltVal val="0"/>
-                                          </p:val>
-                                        </p:tav>
-                                        <p:tav tm="100000">
-                                          <p:val>
-                                            <p:strVal val="#ppt_h"/>
-                                          </p:val>
-                                        </p:tav>
-                                      </p:tavLst>
-                                    </p:anim>
-                                    <p:animEffect transition="in" filter="fade">
-                                      <p:cBhvr>
-                                        <p:cTn id="9" dur="500"/>
-                                        <p:tgtEl>
-                                          <p:spTgt spid="23"/>
-                                        </p:tgtEl>
-                                      </p:cBhvr>
-                                    </p:animEffect>
-                                  </p:childTnLst>
-                                </p:cTn>
-                              </p:par>
-                            </p:childTnLst>
-                          </p:cTn>
-                        </p:par>
-                      </p:childTnLst>
-                    </p:cTn>
-                  </p:par>
-                </p:childTnLst>
-              </p:cTn>
-              <p:prevCondLst>
-                <p:cond evt="onPrev" delay="0">
-                  <p:tgtEl>
-                    <p:sldTgt/>
-                  </p:tgtEl>
-                </p:cond>
-              </p:prevCondLst>
-              <p:nextCondLst>
-                <p:cond evt="onNext" delay="0">
-                  <p:tgtEl>
-                    <p:sldTgt/>
-                  </p:tgtEl>
-                </p:cond>
-              </p:nextCondLst>
-            </p:seq>
-          </p:childTnLst>
-        </p:cTn>
+        <p:cTn id="1" dur="indefinite" restart="never" nodeType="tmRoot"/>
       </p:par>
     </p:tnLst>
-    <p:bldLst>
-      <p:bldP spid="23" grpId="0" animBg="1"/>
-    </p:bldLst>
   </p:timing>
 </p:sld>
 </file>
@@ -18988,30 +18257,6 @@
           <a:chExt cx="0" cy="0"/>
         </a:xfrm>
       </p:grpSpPr>
-      <p:sp>
-        <p:nvSpPr>
-          <p:cNvPr id="2" name="Espace réservé de la date 1"/>
-          <p:cNvSpPr>
-            <a:spLocks noGrp="1"/>
-          </p:cNvSpPr>
-          <p:nvPr>
-            <p:ph type="dt" sz="half" idx="10"/>
-          </p:nvPr>
-        </p:nvSpPr>
-        <p:spPr/>
-        <p:txBody>
-          <a:bodyPr/>
-          <a:lstStyle/>
-          <a:p>
-            <a:fld id="{C6A2E666-D67F-4037-A3A7-C889B3054A2D}" type="datetime1">
-              <a:rPr lang="fr-FR" smtClean="0"/>
-              <a:pPr/>
-              <a:t>16/08/2021</a:t>
-            </a:fld>
-            <a:endParaRPr lang="fr-BE"/>
-          </a:p>
-        </p:txBody>
-      </p:sp>
       <p:sp>
         <p:nvSpPr>
           <p:cNvPr id="3" name="Espace réservé de la date 1"/>
@@ -19084,7 +18329,7 @@
                 <a:tabLst/>
                 <a:defRPr/>
               </a:pPr>
-              <a:t>16/08/2021</a:t>
+              <a:t>03/09/2021</a:t>
             </a:fld>
             <a:endParaRPr kumimoji="0" lang="fr-BE" sz="1200" b="0" i="0" u="none" strike="noStrike" kern="1200" cap="none" spc="0" normalizeH="0" baseline="0" noProof="0">
               <a:ln>
@@ -19741,34 +18986,57 @@
           </p:sp>
         </p:grpSp>
       </p:grpSp>
+      <p:sp>
+        <p:nvSpPr>
+          <p:cNvPr id="16" name="Espace réservé de la date 15"/>
+          <p:cNvSpPr>
+            <a:spLocks noGrp="1"/>
+          </p:cNvSpPr>
+          <p:nvPr>
+            <p:ph type="dt" sz="half" idx="10"/>
+          </p:nvPr>
+        </p:nvSpPr>
+        <p:spPr/>
+        <p:txBody>
+          <a:bodyPr/>
+          <a:lstStyle/>
+          <a:p>
+            <a:r>
+              <a:rPr lang="fr-FR" smtClean="0"/>
+              <a:t>03/09/2021</a:t>
+            </a:r>
+            <a:endParaRPr lang="fr-BE"/>
+          </a:p>
+        </p:txBody>
+      </p:sp>
       <p:pic>
         <p:nvPicPr>
-          <p:cNvPr id="19" name="Image 18"/>
-          <p:cNvPicPr/>
+          <p:cNvPr id="18" name="Image 17"/>
+          <p:cNvPicPr>
+            <a:picLocks noChangeAspect="1"/>
+          </p:cNvPicPr>
           <p:nvPr/>
         </p:nvPicPr>
         <p:blipFill>
-          <a:blip r:embed="rId2"/>
-          <a:srcRect/>
+          <a:blip r:embed="rId2">
+            <a:extLst>
+              <a:ext uri="{28A0092B-C50C-407E-A947-70E740481C1C}">
+                <a14:useLocalDpi xmlns:a14="http://schemas.microsoft.com/office/drawing/2010/main" val="0"/>
+              </a:ext>
+            </a:extLst>
+          </a:blip>
           <a:stretch>
             <a:fillRect/>
           </a:stretch>
         </p:blipFill>
-        <p:spPr bwMode="auto">
+        <p:spPr>
           <a:xfrm>
-            <a:off x="285720" y="1071546"/>
-            <a:ext cx="6357982" cy="4714908"/>
+            <a:off x="19950" y="1227835"/>
+            <a:ext cx="6568274" cy="4248472"/>
           </a:xfrm>
           <a:prstGeom prst="rect">
             <a:avLst/>
           </a:prstGeom>
-          <a:noFill/>
-          <a:ln w="9525">
-            <a:noFill/>
-            <a:miter lim="800000"/>
-            <a:headEnd/>
-            <a:tailEnd/>
-          </a:ln>
         </p:spPr>
       </p:pic>
     </p:spTree>
@@ -19803,30 +19071,6 @@
           <a:chExt cx="0" cy="0"/>
         </a:xfrm>
       </p:grpSpPr>
-      <p:sp>
-        <p:nvSpPr>
-          <p:cNvPr id="2" name="Espace réservé de la date 1"/>
-          <p:cNvSpPr>
-            <a:spLocks noGrp="1"/>
-          </p:cNvSpPr>
-          <p:nvPr>
-            <p:ph type="dt" sz="half" idx="10"/>
-          </p:nvPr>
-        </p:nvSpPr>
-        <p:spPr/>
-        <p:txBody>
-          <a:bodyPr/>
-          <a:lstStyle/>
-          <a:p>
-            <a:fld id="{DD4917A4-A5A1-4549-A6D3-A68BF8FE67E7}" type="datetime1">
-              <a:rPr lang="fr-FR" smtClean="0"/>
-              <a:pPr/>
-              <a:t>16/08/2021</a:t>
-            </a:fld>
-            <a:endParaRPr lang="fr-BE"/>
-          </a:p>
-        </p:txBody>
-      </p:sp>
       <p:sp>
         <p:nvSpPr>
           <p:cNvPr id="4" name="Rectangle à coins arrondis 3"/>
@@ -20463,34 +19707,57 @@
           </p:sp>
         </p:grpSp>
       </p:grpSp>
+      <p:sp>
+        <p:nvSpPr>
+          <p:cNvPr id="3" name="Espace réservé de la date 2"/>
+          <p:cNvSpPr>
+            <a:spLocks noGrp="1"/>
+          </p:cNvSpPr>
+          <p:nvPr>
+            <p:ph type="dt" sz="half" idx="10"/>
+          </p:nvPr>
+        </p:nvSpPr>
+        <p:spPr/>
+        <p:txBody>
+          <a:bodyPr/>
+          <a:lstStyle/>
+          <a:p>
+            <a:r>
+              <a:rPr lang="fr-FR" smtClean="0"/>
+              <a:t>03/09/2021</a:t>
+            </a:r>
+            <a:endParaRPr lang="fr-BE"/>
+          </a:p>
+        </p:txBody>
+      </p:sp>
       <p:pic>
         <p:nvPicPr>
-          <p:cNvPr id="18" name="Image 17"/>
-          <p:cNvPicPr/>
+          <p:cNvPr id="10" name="Image 9"/>
+          <p:cNvPicPr>
+            <a:picLocks noChangeAspect="1"/>
+          </p:cNvPicPr>
           <p:nvPr/>
         </p:nvPicPr>
         <p:blipFill>
-          <a:blip r:embed="rId2"/>
-          <a:srcRect/>
+          <a:blip r:embed="rId2">
+            <a:extLst>
+              <a:ext uri="{28A0092B-C50C-407E-A947-70E740481C1C}">
+                <a14:useLocalDpi xmlns:a14="http://schemas.microsoft.com/office/drawing/2010/main" val="0"/>
+              </a:ext>
+            </a:extLst>
+          </a:blip>
           <a:stretch>
             <a:fillRect/>
           </a:stretch>
         </p:blipFill>
-        <p:spPr bwMode="auto">
+        <p:spPr>
           <a:xfrm>
-            <a:off x="142844" y="928670"/>
-            <a:ext cx="6500858" cy="5500726"/>
+            <a:off x="0" y="1256837"/>
+            <a:ext cx="6715140" cy="4337536"/>
           </a:xfrm>
           <a:prstGeom prst="rect">
             <a:avLst/>
           </a:prstGeom>
-          <a:noFill/>
-          <a:ln w="9525">
-            <a:noFill/>
-            <a:miter lim="800000"/>
-            <a:headEnd/>
-            <a:tailEnd/>
-          </a:ln>
         </p:spPr>
       </p:pic>
     </p:spTree>
@@ -20528,30 +19795,6 @@
           <a:chExt cx="0" cy="0"/>
         </a:xfrm>
       </p:grpSpPr>
-      <p:sp>
-        <p:nvSpPr>
-          <p:cNvPr id="2" name="Espace réservé de la date 1"/>
-          <p:cNvSpPr>
-            <a:spLocks noGrp="1"/>
-          </p:cNvSpPr>
-          <p:nvPr>
-            <p:ph type="dt" sz="half" idx="10"/>
-          </p:nvPr>
-        </p:nvSpPr>
-        <p:spPr/>
-        <p:txBody>
-          <a:bodyPr/>
-          <a:lstStyle/>
-          <a:p>
-            <a:fld id="{325AA38F-836A-4772-A503-90E33F316070}" type="datetime1">
-              <a:rPr lang="fr-FR" smtClean="0"/>
-              <a:pPr/>
-              <a:t>16/08/2021</a:t>
-            </a:fld>
-            <a:endParaRPr lang="fr-BE"/>
-          </a:p>
-        </p:txBody>
-      </p:sp>
       <p:sp>
         <p:nvSpPr>
           <p:cNvPr id="4" name="Rectangle à coins arrondis 3"/>
@@ -21192,34 +20435,57 @@
           </p:sp>
         </p:grpSp>
       </p:grpSp>
+      <p:sp>
+        <p:nvSpPr>
+          <p:cNvPr id="3" name="Espace réservé de la date 2"/>
+          <p:cNvSpPr>
+            <a:spLocks noGrp="1"/>
+          </p:cNvSpPr>
+          <p:nvPr>
+            <p:ph type="dt" sz="half" idx="10"/>
+          </p:nvPr>
+        </p:nvSpPr>
+        <p:spPr/>
+        <p:txBody>
+          <a:bodyPr/>
+          <a:lstStyle/>
+          <a:p>
+            <a:r>
+              <a:rPr lang="fr-FR" smtClean="0"/>
+              <a:t>03/09/2021</a:t>
+            </a:r>
+            <a:endParaRPr lang="fr-BE"/>
+          </a:p>
+        </p:txBody>
+      </p:sp>
       <p:pic>
         <p:nvPicPr>
-          <p:cNvPr id="18" name="Image 17"/>
-          <p:cNvPicPr/>
+          <p:cNvPr id="10" name="Image 9"/>
+          <p:cNvPicPr>
+            <a:picLocks noChangeAspect="1"/>
+          </p:cNvPicPr>
           <p:nvPr/>
         </p:nvPicPr>
         <p:blipFill>
-          <a:blip r:embed="rId2"/>
-          <a:srcRect/>
+          <a:blip r:embed="rId2">
+            <a:extLst>
+              <a:ext uri="{28A0092B-C50C-407E-A947-70E740481C1C}">
+                <a14:useLocalDpi xmlns:a14="http://schemas.microsoft.com/office/drawing/2010/main" val="0"/>
+              </a:ext>
+            </a:extLst>
+          </a:blip>
           <a:stretch>
             <a:fillRect/>
           </a:stretch>
         </p:blipFill>
-        <p:spPr bwMode="auto">
+        <p:spPr>
           <a:xfrm>
-            <a:off x="214282" y="857232"/>
-            <a:ext cx="6429420" cy="5643602"/>
+            <a:off x="427132" y="865299"/>
+            <a:ext cx="6252861" cy="5572350"/>
           </a:xfrm>
           <a:prstGeom prst="rect">
             <a:avLst/>
           </a:prstGeom>
-          <a:noFill/>
-          <a:ln w="9525">
-            <a:noFill/>
-            <a:miter lim="800000"/>
-            <a:headEnd/>
-            <a:tailEnd/>
-          </a:ln>
         </p:spPr>
       </p:pic>
     </p:spTree>
@@ -21257,30 +20523,6 @@
           <a:chExt cx="0" cy="0"/>
         </a:xfrm>
       </p:grpSpPr>
-      <p:sp>
-        <p:nvSpPr>
-          <p:cNvPr id="2" name="Espace réservé de la date 1"/>
-          <p:cNvSpPr>
-            <a:spLocks noGrp="1"/>
-          </p:cNvSpPr>
-          <p:nvPr>
-            <p:ph type="dt" sz="half" idx="10"/>
-          </p:nvPr>
-        </p:nvSpPr>
-        <p:spPr/>
-        <p:txBody>
-          <a:bodyPr/>
-          <a:lstStyle/>
-          <a:p>
-            <a:fld id="{8A68CAD1-1FF8-4DC1-B393-7FD0BA048963}" type="datetime1">
-              <a:rPr lang="fr-FR" smtClean="0"/>
-              <a:pPr/>
-              <a:t>16/08/2021</a:t>
-            </a:fld>
-            <a:endParaRPr lang="fr-BE"/>
-          </a:p>
-        </p:txBody>
-      </p:sp>
       <p:sp>
         <p:nvSpPr>
           <p:cNvPr id="4" name="Rectangle à coins arrondis 3"/>
@@ -21917,37 +21159,57 @@
           </p:sp>
         </p:grpSp>
       </p:grpSp>
+      <p:sp>
+        <p:nvSpPr>
+          <p:cNvPr id="3" name="Espace réservé de la date 2"/>
+          <p:cNvSpPr>
+            <a:spLocks noGrp="1"/>
+          </p:cNvSpPr>
+          <p:nvPr>
+            <p:ph type="dt" sz="half" idx="10"/>
+          </p:nvPr>
+        </p:nvSpPr>
+        <p:spPr/>
+        <p:txBody>
+          <a:bodyPr/>
+          <a:lstStyle/>
+          <a:p>
+            <a:r>
+              <a:rPr lang="fr-FR" smtClean="0"/>
+              <a:t>03/09/2021</a:t>
+            </a:r>
+            <a:endParaRPr lang="fr-BE"/>
+          </a:p>
+        </p:txBody>
+      </p:sp>
       <p:pic>
         <p:nvPicPr>
-          <p:cNvPr id="1026" name="Picture 2"/>
+          <p:cNvPr id="10" name="Image 9"/>
           <p:cNvPicPr>
-            <a:picLocks noChangeAspect="1" noChangeArrowheads="1"/>
+            <a:picLocks noChangeAspect="1"/>
           </p:cNvPicPr>
           <p:nvPr/>
         </p:nvPicPr>
         <p:blipFill>
-          <a:blip r:embed="rId2"/>
-          <a:srcRect/>
+          <a:blip r:embed="rId2">
+            <a:extLst>
+              <a:ext uri="{28A0092B-C50C-407E-A947-70E740481C1C}">
+                <a14:useLocalDpi xmlns:a14="http://schemas.microsoft.com/office/drawing/2010/main" val="0"/>
+              </a:ext>
+            </a:extLst>
+          </a:blip>
           <a:stretch>
             <a:fillRect/>
           </a:stretch>
         </p:blipFill>
-        <p:spPr bwMode="auto">
+        <p:spPr>
           <a:xfrm>
-            <a:off x="214282" y="1000108"/>
-            <a:ext cx="6432890" cy="4786346"/>
+            <a:off x="0" y="1035099"/>
+            <a:ext cx="6647172" cy="4842173"/>
           </a:xfrm>
           <a:prstGeom prst="rect">
             <a:avLst/>
           </a:prstGeom>
-          <a:noFill/>
-          <a:ln w="9525">
-            <a:noFill/>
-            <a:miter lim="800000"/>
-            <a:headEnd/>
-            <a:tailEnd/>
-          </a:ln>
-          <a:effectLst/>
         </p:spPr>
       </p:pic>
     </p:spTree>
@@ -21985,60 +21247,6 @@
           <a:chExt cx="0" cy="0"/>
         </a:xfrm>
       </p:grpSpPr>
-      <p:sp>
-        <p:nvSpPr>
-          <p:cNvPr id="2" name="Espace réservé de la date 1"/>
-          <p:cNvSpPr>
-            <a:spLocks noGrp="1"/>
-          </p:cNvSpPr>
-          <p:nvPr>
-            <p:ph type="dt" sz="half" idx="10"/>
-          </p:nvPr>
-        </p:nvSpPr>
-        <p:spPr/>
-        <p:txBody>
-          <a:bodyPr/>
-          <a:lstStyle/>
-          <a:p>
-            <a:fld id="{C6A2E666-D67F-4037-A3A7-C889B3054A2D}" type="datetime1">
-              <a:rPr lang="fr-FR" smtClean="0"/>
-              <a:pPr/>
-              <a:t>16/08/2021</a:t>
-            </a:fld>
-            <a:endParaRPr lang="fr-BE"/>
-          </a:p>
-        </p:txBody>
-      </p:sp>
-      <p:pic>
-        <p:nvPicPr>
-          <p:cNvPr id="3" name="Image 2"/>
-          <p:cNvPicPr/>
-          <p:nvPr/>
-        </p:nvPicPr>
-        <p:blipFill>
-          <a:blip r:embed="rId2"/>
-          <a:srcRect/>
-          <a:stretch>
-            <a:fillRect/>
-          </a:stretch>
-        </p:blipFill>
-        <p:spPr bwMode="auto">
-          <a:xfrm>
-            <a:off x="285720" y="1285860"/>
-            <a:ext cx="6357982" cy="4572032"/>
-          </a:xfrm>
-          <a:prstGeom prst="rect">
-            <a:avLst/>
-          </a:prstGeom>
-          <a:noFill/>
-          <a:ln w="9525">
-            <a:noFill/>
-            <a:miter lim="800000"/>
-            <a:headEnd/>
-            <a:tailEnd/>
-          </a:ln>
-        </p:spPr>
-      </p:pic>
       <p:sp>
         <p:nvSpPr>
           <p:cNvPr id="4" name="Ellipse 3"/>
@@ -22675,6 +21883,59 @@
           </a:p>
         </p:txBody>
       </p:sp>
+      <p:sp>
+        <p:nvSpPr>
+          <p:cNvPr id="15" name="Espace réservé de la date 14"/>
+          <p:cNvSpPr>
+            <a:spLocks noGrp="1"/>
+          </p:cNvSpPr>
+          <p:nvPr>
+            <p:ph type="dt" sz="half" idx="10"/>
+          </p:nvPr>
+        </p:nvSpPr>
+        <p:spPr/>
+        <p:txBody>
+          <a:bodyPr/>
+          <a:lstStyle/>
+          <a:p>
+            <a:r>
+              <a:rPr lang="fr-FR" smtClean="0"/>
+              <a:t>03/09/2021</a:t>
+            </a:r>
+            <a:endParaRPr lang="fr-BE"/>
+          </a:p>
+        </p:txBody>
+      </p:sp>
+      <p:pic>
+        <p:nvPicPr>
+          <p:cNvPr id="16" name="Image 15"/>
+          <p:cNvPicPr>
+            <a:picLocks noChangeAspect="1"/>
+          </p:cNvPicPr>
+          <p:nvPr/>
+        </p:nvPicPr>
+        <p:blipFill>
+          <a:blip r:embed="rId2">
+            <a:extLst>
+              <a:ext uri="{28A0092B-C50C-407E-A947-70E740481C1C}">
+                <a14:useLocalDpi xmlns:a14="http://schemas.microsoft.com/office/drawing/2010/main" val="0"/>
+              </a:ext>
+            </a:extLst>
+          </a:blip>
+          <a:stretch>
+            <a:fillRect/>
+          </a:stretch>
+        </p:blipFill>
+        <p:spPr>
+          <a:xfrm>
+            <a:off x="150497" y="896956"/>
+            <a:ext cx="6408487" cy="5531149"/>
+          </a:xfrm>
+          <a:prstGeom prst="rect">
+            <a:avLst/>
+          </a:prstGeom>
+        </p:spPr>
+      </p:pic>
     </p:spTree>
   </p:cSld>
   <p:clrMapOvr>
@@ -22707,30 +21968,6 @@
           <a:chExt cx="0" cy="0"/>
         </a:xfrm>
       </p:grpSpPr>
-      <p:sp>
-        <p:nvSpPr>
-          <p:cNvPr id="2" name="Espace réservé de la date 1"/>
-          <p:cNvSpPr>
-            <a:spLocks noGrp="1"/>
-          </p:cNvSpPr>
-          <p:nvPr>
-            <p:ph type="dt" sz="half" idx="10"/>
-          </p:nvPr>
-        </p:nvSpPr>
-        <p:spPr/>
-        <p:txBody>
-          <a:bodyPr/>
-          <a:lstStyle/>
-          <a:p>
-            <a:fld id="{D3F4BBE7-13A9-47C4-8502-6073B06E5919}" type="datetime1">
-              <a:rPr lang="fr-FR" smtClean="0"/>
-              <a:pPr/>
-              <a:t>16/08/2021</a:t>
-            </a:fld>
-            <a:endParaRPr lang="fr-BE"/>
-          </a:p>
-        </p:txBody>
-      </p:sp>
       <p:grpSp>
         <p:nvGrpSpPr>
           <p:cNvPr id="5" name="Group 3"/>
@@ -23078,6 +22315,29 @@
           </a:p>
         </p:txBody>
       </p:sp>
+      <p:sp>
+        <p:nvSpPr>
+          <p:cNvPr id="3" name="Espace réservé de la date 2"/>
+          <p:cNvSpPr>
+            <a:spLocks noGrp="1"/>
+          </p:cNvSpPr>
+          <p:nvPr>
+            <p:ph type="dt" sz="half" idx="10"/>
+          </p:nvPr>
+        </p:nvSpPr>
+        <p:spPr/>
+        <p:txBody>
+          <a:bodyPr/>
+          <a:lstStyle/>
+          <a:p>
+            <a:r>
+              <a:rPr lang="fr-FR" smtClean="0"/>
+              <a:t>03/09/2021</a:t>
+            </a:r>
+            <a:endParaRPr lang="fr-BE"/>
+          </a:p>
+        </p:txBody>
+      </p:sp>
     </p:spTree>
   </p:cSld>
   <p:clrMapOvr>
@@ -23230,30 +22490,6 @@
           <a:lstStyle/>
           <a:p>
             <a:endParaRPr lang="fr-FR" dirty="0"/>
-          </a:p>
-        </p:txBody>
-      </p:sp>
-      <p:sp>
-        <p:nvSpPr>
-          <p:cNvPr id="4" name="Espace réservé de la date 3"/>
-          <p:cNvSpPr>
-            <a:spLocks noGrp="1"/>
-          </p:cNvSpPr>
-          <p:nvPr>
-            <p:ph type="dt" sz="half" idx="10"/>
-          </p:nvPr>
-        </p:nvSpPr>
-        <p:spPr/>
-        <p:txBody>
-          <a:bodyPr/>
-          <a:lstStyle/>
-          <a:p>
-            <a:fld id="{C6A1DF09-FDB1-43EA-B608-B9B77C46A355}" type="datetime1">
-              <a:rPr lang="fr-FR" smtClean="0"/>
-              <a:pPr/>
-              <a:t>16/08/2021</a:t>
-            </a:fld>
-            <a:endParaRPr lang="fr-BE"/>
           </a:p>
         </p:txBody>
       </p:sp>
@@ -23604,6 +22840,29 @@
           </p:sp>
         </p:grpSp>
       </p:grpSp>
+      <p:sp>
+        <p:nvSpPr>
+          <p:cNvPr id="5" name="Espace réservé de la date 4"/>
+          <p:cNvSpPr>
+            <a:spLocks noGrp="1"/>
+          </p:cNvSpPr>
+          <p:nvPr>
+            <p:ph type="dt" sz="half" idx="10"/>
+          </p:nvPr>
+        </p:nvSpPr>
+        <p:spPr/>
+        <p:txBody>
+          <a:bodyPr/>
+          <a:lstStyle/>
+          <a:p>
+            <a:r>
+              <a:rPr lang="fr-FR" smtClean="0"/>
+              <a:t>03/09/2021</a:t>
+            </a:r>
+            <a:endParaRPr lang="fr-BE"/>
+          </a:p>
+        </p:txBody>
+      </p:sp>
     </p:spTree>
   </p:cSld>
   <p:clrMapOvr>
@@ -23731,30 +22990,6 @@
       </p:grpSpPr>
       <p:sp>
         <p:nvSpPr>
-          <p:cNvPr id="2" name="Espace réservé de la date 1"/>
-          <p:cNvSpPr>
-            <a:spLocks noGrp="1"/>
-          </p:cNvSpPr>
-          <p:nvPr>
-            <p:ph type="dt" sz="half" idx="10"/>
-          </p:nvPr>
-        </p:nvSpPr>
-        <p:spPr/>
-        <p:txBody>
-          <a:bodyPr/>
-          <a:lstStyle/>
-          <a:p>
-            <a:fld id="{195B4AF7-4BC3-4FDD-A072-72C45F1CCC2B}" type="datetime1">
-              <a:rPr lang="fr-FR" smtClean="0"/>
-              <a:pPr/>
-              <a:t>16/08/2021</a:t>
-            </a:fld>
-            <a:endParaRPr lang="fr-BE"/>
-          </a:p>
-        </p:txBody>
-      </p:sp>
-      <p:sp>
-        <p:nvSpPr>
           <p:cNvPr id="6" name="Espace réservé du contenu 5"/>
           <p:cNvSpPr>
             <a:spLocks noGrp="1"/>
@@ -23777,7 +23012,15 @@
           <a:p>
             <a:r>
               <a:rPr lang="fr-FR" dirty="0" smtClean="0"/>
-              <a:t>Dans ce site nous avons essayé de répondre aux besoins des acheteurs d’une part et aux besoins de client d’autre part et comme perspectives de ce travail, nous voyons la possibilité d’enrichir notre travail dans le futur avec un module de paiement sécurisé en ligne.</a:t>
+              <a:t>Dans ce site nous avons essayé de répondre aux besoins des acheteurs d’une part et aux besoins </a:t>
+            </a:r>
+            <a:r>
+              <a:rPr lang="fr-FR" dirty="0" smtClean="0"/>
+              <a:t>des clients </a:t>
+            </a:r>
+            <a:r>
+              <a:rPr lang="fr-FR" dirty="0" smtClean="0"/>
+              <a:t>d’autre part et comme perspectives de ce travail, nous voyons la possibilité d’enrichir notre travail dans le futur avec un module de paiement sécurisé en ligne.</a:t>
             </a:r>
           </a:p>
           <a:p>
@@ -24489,6 +23732,29 @@
           </p:sp>
         </p:grpSp>
       </p:grpSp>
+      <p:sp>
+        <p:nvSpPr>
+          <p:cNvPr id="3" name="Espace réservé de la date 2"/>
+          <p:cNvSpPr>
+            <a:spLocks noGrp="1"/>
+          </p:cNvSpPr>
+          <p:nvPr>
+            <p:ph type="dt" sz="half" idx="10"/>
+          </p:nvPr>
+        </p:nvSpPr>
+        <p:spPr/>
+        <p:txBody>
+          <a:bodyPr/>
+          <a:lstStyle/>
+          <a:p>
+            <a:r>
+              <a:rPr lang="fr-FR" smtClean="0"/>
+              <a:t>03/09/2021</a:t>
+            </a:r>
+            <a:endParaRPr lang="fr-BE"/>
+          </a:p>
+        </p:txBody>
+      </p:sp>
     </p:spTree>
   </p:cSld>
   <p:clrMapOvr>
@@ -24916,30 +24182,6 @@
           <a:chExt cx="0" cy="0"/>
         </a:xfrm>
       </p:grpSpPr>
-      <p:sp>
-        <p:nvSpPr>
-          <p:cNvPr id="2" name="Espace réservé de la date 1"/>
-          <p:cNvSpPr>
-            <a:spLocks noGrp="1"/>
-          </p:cNvSpPr>
-          <p:nvPr>
-            <p:ph type="dt" sz="half" idx="10"/>
-          </p:nvPr>
-        </p:nvSpPr>
-        <p:spPr/>
-        <p:txBody>
-          <a:bodyPr/>
-          <a:lstStyle/>
-          <a:p>
-            <a:fld id="{135D9D18-F76E-49B7-AA7E-E3EFB5F5AEEA}" type="datetime1">
-              <a:rPr lang="fr-FR" smtClean="0"/>
-              <a:pPr/>
-              <a:t>16/08/2021</a:t>
-            </a:fld>
-            <a:endParaRPr lang="fr-BE" dirty="0"/>
-          </a:p>
-        </p:txBody>
-      </p:sp>
       <p:grpSp>
         <p:nvGrpSpPr>
           <p:cNvPr id="15" name="Group 3"/>
@@ -25439,6 +24681,29 @@
           <a:noFill/>
         </p:spPr>
       </p:pic>
+      <p:sp>
+        <p:nvSpPr>
+          <p:cNvPr id="3" name="Espace réservé de la date 2"/>
+          <p:cNvSpPr>
+            <a:spLocks noGrp="1"/>
+          </p:cNvSpPr>
+          <p:nvPr>
+            <p:ph type="dt" sz="half" idx="10"/>
+          </p:nvPr>
+        </p:nvSpPr>
+        <p:spPr/>
+        <p:txBody>
+          <a:bodyPr/>
+          <a:lstStyle/>
+          <a:p>
+            <a:r>
+              <a:rPr lang="fr-FR" smtClean="0"/>
+              <a:t>03/09/2021</a:t>
+            </a:r>
+            <a:endParaRPr lang="fr-BE"/>
+          </a:p>
+        </p:txBody>
+      </p:sp>
     </p:spTree>
   </p:cSld>
   <p:clrMapOvr>
@@ -25684,13 +24949,8 @@
             </a:pPr>
             <a:r>
               <a:rPr lang="fr-FR" dirty="0" smtClean="0"/>
-              <a:t>        Cadre de projet</a:t>
-            </a:r>
-            <a:r>
-              <a:rPr lang="fr-FR" dirty="0" smtClean="0"/>
-              <a:t>.</a:t>
-            </a:r>
-            <a:endParaRPr lang="fr-FR" dirty="0" smtClean="0"/>
+              <a:t>        Cadre de projet.</a:t>
+            </a:r>
           </a:p>
           <a:p>
             <a:pPr>
@@ -25700,7 +24960,6 @@
               <a:rPr lang="fr-FR" dirty="0" smtClean="0"/>
               <a:t>	</a:t>
             </a:r>
-            <a:endParaRPr lang="fr-FR" dirty="0" smtClean="0"/>
           </a:p>
           <a:p>
             <a:pPr>
@@ -25714,13 +24973,8 @@
             </a:pPr>
             <a:r>
               <a:rPr lang="fr-FR" dirty="0" smtClean="0"/>
-              <a:t>        Date de création: </a:t>
-            </a:r>
-            <a:r>
-              <a:rPr lang="fr-FR" dirty="0" smtClean="0"/>
-              <a:t>2021</a:t>
-            </a:r>
-            <a:endParaRPr lang="fr-FR" dirty="0" smtClean="0"/>
+              <a:t>        Date de création: 2021</a:t>
+            </a:r>
           </a:p>
           <a:p>
             <a:pPr>
@@ -25760,30 +25014,6 @@
               <a:buNone/>
             </a:pPr>
             <a:endParaRPr lang="fr-FR" dirty="0" smtClean="0"/>
-          </a:p>
-        </p:txBody>
-      </p:sp>
-      <p:sp>
-        <p:nvSpPr>
-          <p:cNvPr id="4" name="Espace réservé de la date 3"/>
-          <p:cNvSpPr>
-            <a:spLocks noGrp="1"/>
-          </p:cNvSpPr>
-          <p:nvPr>
-            <p:ph type="dt" sz="half" idx="10"/>
-          </p:nvPr>
-        </p:nvSpPr>
-        <p:spPr/>
-        <p:txBody>
-          <a:bodyPr/>
-          <a:lstStyle/>
-          <a:p>
-            <a:fld id="{001FEE40-7AD9-4E0D-BF6E-2A106B3C7D18}" type="datetime1">
-              <a:rPr lang="fr-FR" smtClean="0"/>
-              <a:pPr/>
-              <a:t>16/08/2021</a:t>
-            </a:fld>
-            <a:endParaRPr lang="fr-BE"/>
           </a:p>
         </p:txBody>
       </p:sp>
@@ -26684,6 +25914,29 @@
               <a:t>Web Dynamique</a:t>
             </a:r>
             <a:endParaRPr lang="fr-FR" dirty="0"/>
+          </a:p>
+        </p:txBody>
+      </p:sp>
+      <p:sp>
+        <p:nvSpPr>
+          <p:cNvPr id="2" name="Espace réservé de la date 1"/>
+          <p:cNvSpPr>
+            <a:spLocks noGrp="1"/>
+          </p:cNvSpPr>
+          <p:nvPr>
+            <p:ph type="dt" sz="half" idx="10"/>
+          </p:nvPr>
+        </p:nvSpPr>
+        <p:spPr/>
+        <p:txBody>
+          <a:bodyPr/>
+          <a:lstStyle/>
+          <a:p>
+            <a:r>
+              <a:rPr lang="fr-FR" smtClean="0"/>
+              <a:t>03/09/2021</a:t>
+            </a:r>
+            <a:endParaRPr lang="fr-BE"/>
           </a:p>
         </p:txBody>
       </p:sp>
@@ -27103,31 +26356,12 @@
           </a:bodyPr>
           <a:lstStyle/>
           <a:p>
+            <a:pPr algn="ctr"/>
+            <a:r>
+              <a:rPr lang="fr-FR" dirty="0" smtClean="0"/>
+              <a:t>Problématique</a:t>
+            </a:r>
             <a:endParaRPr lang="fr-FR" dirty="0"/>
-          </a:p>
-        </p:txBody>
-      </p:sp>
-      <p:sp>
-        <p:nvSpPr>
-          <p:cNvPr id="4" name="Espace réservé de la date 3"/>
-          <p:cNvSpPr>
-            <a:spLocks noGrp="1"/>
-          </p:cNvSpPr>
-          <p:nvPr>
-            <p:ph type="dt" sz="half" idx="10"/>
-          </p:nvPr>
-        </p:nvSpPr>
-        <p:spPr/>
-        <p:txBody>
-          <a:bodyPr/>
-          <a:lstStyle/>
-          <a:p>
-            <a:fld id="{8475F0BC-52F1-43C6-8458-1F5CAF5DC625}" type="datetime1">
-              <a:rPr lang="fr-FR" smtClean="0"/>
-              <a:pPr/>
-              <a:t>16/08/2021</a:t>
-            </a:fld>
-            <a:endParaRPr lang="fr-BE"/>
           </a:p>
         </p:txBody>
       </p:sp>
@@ -27416,25 +26650,35 @@
           </p:sp>
         </p:grpSp>
       </p:grpSp>
-      <p:sp>
-        <p:nvSpPr>
-          <p:cNvPr id="13" name="Espace réservé du contenu 12"/>
-          <p:cNvSpPr>
-            <a:spLocks noGrp="1"/>
-          </p:cNvSpPr>
+      <p:pic>
+        <p:nvPicPr>
+          <p:cNvPr id="5" name="Espace réservé du contenu 4"/>
+          <p:cNvPicPr>
+            <a:picLocks noGrp="1" noChangeAspect="1"/>
+          </p:cNvPicPr>
           <p:nvPr>
             <p:ph idx="1"/>
           </p:nvPr>
-        </p:nvSpPr>
-        <p:spPr/>
-        <p:txBody>
-          <a:bodyPr/>
-          <a:lstStyle/>
-          <a:p>
-            <a:endParaRPr lang="fr-FR" dirty="0"/>
-          </a:p>
-        </p:txBody>
-      </p:sp>
+        </p:nvPicPr>
+        <p:blipFill>
+          <a:blip r:embed="rId2" cstate="print">
+            <a:extLst>
+              <a:ext uri="{28A0092B-C50C-407E-A947-70E740481C1C}">
+                <a14:useLocalDpi xmlns:a14="http://schemas.microsoft.com/office/drawing/2010/main" val="0"/>
+              </a:ext>
+            </a:extLst>
+          </a:blip>
+          <a:stretch>
+            <a:fillRect/>
+          </a:stretch>
+        </p:blipFill>
+        <p:spPr>
+          <a:xfrm>
+            <a:off x="1280565" y="1935163"/>
+            <a:ext cx="6582869" cy="4389437"/>
+          </a:xfrm>
+        </p:spPr>
+      </p:pic>
       <p:sp>
         <p:nvSpPr>
           <p:cNvPr id="14" name="Ellipse 13"/>
@@ -27443,7 +26687,7 @@
         </p:nvSpPr>
         <p:spPr>
           <a:xfrm>
-            <a:off x="2714612" y="2357430"/>
+            <a:off x="2713292" y="2060848"/>
             <a:ext cx="3857652" cy="1285884"/>
           </a:xfrm>
           <a:prstGeom prst="ellipse">
@@ -27494,6 +26738,29 @@
               <a:t>Etude de l’existant</a:t>
             </a:r>
             <a:endParaRPr lang="fr-FR" sz="4000" dirty="0"/>
+          </a:p>
+        </p:txBody>
+      </p:sp>
+      <p:sp>
+        <p:nvSpPr>
+          <p:cNvPr id="3" name="Espace réservé de la date 2"/>
+          <p:cNvSpPr>
+            <a:spLocks noGrp="1"/>
+          </p:cNvSpPr>
+          <p:nvPr>
+            <p:ph type="dt" sz="half" idx="10"/>
+          </p:nvPr>
+        </p:nvSpPr>
+        <p:spPr/>
+        <p:txBody>
+          <a:bodyPr/>
+          <a:lstStyle/>
+          <a:p>
+            <a:r>
+              <a:rPr lang="fr-FR" smtClean="0"/>
+              <a:t>03/09/2021</a:t>
+            </a:r>
+            <a:endParaRPr lang="fr-BE"/>
           </a:p>
         </p:txBody>
       </p:sp>
@@ -27614,30 +26881,6 @@
           <a:chExt cx="0" cy="0"/>
         </a:xfrm>
       </p:grpSpPr>
-      <p:sp>
-        <p:nvSpPr>
-          <p:cNvPr id="4" name="Espace réservé de la date 3"/>
-          <p:cNvSpPr>
-            <a:spLocks noGrp="1"/>
-          </p:cNvSpPr>
-          <p:nvPr>
-            <p:ph type="dt" sz="half" idx="10"/>
-          </p:nvPr>
-        </p:nvSpPr>
-        <p:spPr/>
-        <p:txBody>
-          <a:bodyPr/>
-          <a:lstStyle/>
-          <a:p>
-            <a:fld id="{8784ECF9-6822-47C3-B8DA-E1B80404B954}" type="datetime1">
-              <a:rPr lang="fr-FR" smtClean="0"/>
-              <a:pPr/>
-              <a:t>16/08/2021</a:t>
-            </a:fld>
-            <a:endParaRPr lang="fr-BE"/>
-          </a:p>
-        </p:txBody>
-      </p:sp>
       <p:sp>
         <p:nvSpPr>
           <p:cNvPr id="6" name="Ellipse 5"/>
@@ -28662,6 +27905,29 @@
           </a:ln>
         </p:spPr>
       </p:pic>
+      <p:sp>
+        <p:nvSpPr>
+          <p:cNvPr id="2" name="Espace réservé de la date 1"/>
+          <p:cNvSpPr>
+            <a:spLocks noGrp="1"/>
+          </p:cNvSpPr>
+          <p:nvPr>
+            <p:ph type="dt" sz="half" idx="10"/>
+          </p:nvPr>
+        </p:nvSpPr>
+        <p:spPr/>
+        <p:txBody>
+          <a:bodyPr/>
+          <a:lstStyle/>
+          <a:p>
+            <a:r>
+              <a:rPr lang="fr-FR" smtClean="0"/>
+              <a:t>03/09/2021</a:t>
+            </a:r>
+            <a:endParaRPr lang="fr-BE"/>
+          </a:p>
+        </p:txBody>
+      </p:sp>
     </p:spTree>
   </p:cSld>
   <p:clrMapOvr>
@@ -29421,30 +28687,6 @@
       </p:grpSpPr>
       <p:sp>
         <p:nvSpPr>
-          <p:cNvPr id="2" name="Espace réservé de la date 1"/>
-          <p:cNvSpPr>
-            <a:spLocks noGrp="1"/>
-          </p:cNvSpPr>
-          <p:nvPr>
-            <p:ph type="dt" sz="half" idx="10"/>
-          </p:nvPr>
-        </p:nvSpPr>
-        <p:spPr/>
-        <p:txBody>
-          <a:bodyPr/>
-          <a:lstStyle/>
-          <a:p>
-            <a:fld id="{84EB1645-464B-408A-B104-47BC7983A117}" type="datetime1">
-              <a:rPr lang="fr-FR" smtClean="0"/>
-              <a:pPr/>
-              <a:t>16/08/2021</a:t>
-            </a:fld>
-            <a:endParaRPr lang="fr-BE"/>
-          </a:p>
-        </p:txBody>
-      </p:sp>
-      <p:sp>
-        <p:nvSpPr>
           <p:cNvPr id="12" name="Espace réservé du contenu 11"/>
           <p:cNvSpPr>
             <a:spLocks noGrp="1"/>
@@ -30601,6 +29843,29 @@
           </a:ln>
         </p:spPr>
       </p:pic>
+      <p:sp>
+        <p:nvSpPr>
+          <p:cNvPr id="3" name="Espace réservé de la date 2"/>
+          <p:cNvSpPr>
+            <a:spLocks noGrp="1"/>
+          </p:cNvSpPr>
+          <p:nvPr>
+            <p:ph type="dt" sz="half" idx="10"/>
+          </p:nvPr>
+        </p:nvSpPr>
+        <p:spPr/>
+        <p:txBody>
+          <a:bodyPr/>
+          <a:lstStyle/>
+          <a:p>
+            <a:r>
+              <a:rPr lang="fr-FR" smtClean="0"/>
+              <a:t>03/09/2021</a:t>
+            </a:r>
+            <a:endParaRPr lang="fr-BE"/>
+          </a:p>
+        </p:txBody>
+      </p:sp>
     </p:spTree>
   </p:cSld>
   <p:clrMapOvr>
@@ -31576,30 +30841,6 @@
           <a:chExt cx="0" cy="0"/>
         </a:xfrm>
       </p:grpSpPr>
-      <p:sp>
-        <p:nvSpPr>
-          <p:cNvPr id="2" name="Espace réservé de la date 1"/>
-          <p:cNvSpPr>
-            <a:spLocks noGrp="1"/>
-          </p:cNvSpPr>
-          <p:nvPr>
-            <p:ph type="dt" sz="half" idx="10"/>
-          </p:nvPr>
-        </p:nvSpPr>
-        <p:spPr/>
-        <p:txBody>
-          <a:bodyPr/>
-          <a:lstStyle/>
-          <a:p>
-            <a:fld id="{5F9C979D-F0EC-4530-A03A-4F96E012196F}" type="datetime1">
-              <a:rPr lang="fr-FR" smtClean="0"/>
-              <a:pPr/>
-              <a:t>16/08/2021</a:t>
-            </a:fld>
-            <a:endParaRPr lang="fr-BE"/>
-          </a:p>
-        </p:txBody>
-      </p:sp>
       <p:grpSp>
         <p:nvGrpSpPr>
           <p:cNvPr id="5" name="Group 3"/>
@@ -31951,6 +31192,29 @@
           </a:p>
         </p:txBody>
       </p:sp>
+      <p:sp>
+        <p:nvSpPr>
+          <p:cNvPr id="3" name="Espace réservé de la date 2"/>
+          <p:cNvSpPr>
+            <a:spLocks noGrp="1"/>
+          </p:cNvSpPr>
+          <p:nvPr>
+            <p:ph type="dt" sz="half" idx="10"/>
+          </p:nvPr>
+        </p:nvSpPr>
+        <p:spPr/>
+        <p:txBody>
+          <a:bodyPr/>
+          <a:lstStyle/>
+          <a:p>
+            <a:r>
+              <a:rPr lang="fr-FR" smtClean="0"/>
+              <a:t>03/09/2021</a:t>
+            </a:r>
+            <a:endParaRPr lang="fr-BE"/>
+          </a:p>
+        </p:txBody>
+      </p:sp>
     </p:spTree>
   </p:cSld>
   <p:clrMapOvr>
@@ -32068,30 +31332,6 @@
           <a:chExt cx="0" cy="0"/>
         </a:xfrm>
       </p:grpSpPr>
-      <p:sp>
-        <p:nvSpPr>
-          <p:cNvPr id="2" name="Espace réservé de la date 1"/>
-          <p:cNvSpPr>
-            <a:spLocks noGrp="1"/>
-          </p:cNvSpPr>
-          <p:nvPr>
-            <p:ph type="dt" sz="half" idx="10"/>
-          </p:nvPr>
-        </p:nvSpPr>
-        <p:spPr/>
-        <p:txBody>
-          <a:bodyPr/>
-          <a:lstStyle/>
-          <a:p>
-            <a:fld id="{D57E58F0-3BD9-4B23-B098-0E0C39CCCC46}" type="datetime1">
-              <a:rPr lang="fr-FR" smtClean="0"/>
-              <a:pPr/>
-              <a:t>16/08/2021</a:t>
-            </a:fld>
-            <a:endParaRPr lang="fr-BE" dirty="0"/>
-          </a:p>
-        </p:txBody>
-      </p:sp>
       <p:sp>
         <p:nvSpPr>
           <p:cNvPr id="4" name="Ellipse 3"/>
@@ -33180,6 +32420,29 @@
               <a:rPr lang="fr-FR" dirty="0" smtClean="0"/>
               <a:t> Administrateur</a:t>
             </a:r>
+          </a:p>
+        </p:txBody>
+      </p:sp>
+      <p:sp>
+        <p:nvSpPr>
+          <p:cNvPr id="3" name="Espace réservé de la date 2"/>
+          <p:cNvSpPr>
+            <a:spLocks noGrp="1"/>
+          </p:cNvSpPr>
+          <p:nvPr>
+            <p:ph type="dt" sz="half" idx="10"/>
+          </p:nvPr>
+        </p:nvSpPr>
+        <p:spPr/>
+        <p:txBody>
+          <a:bodyPr/>
+          <a:lstStyle/>
+          <a:p>
+            <a:r>
+              <a:rPr lang="fr-FR" smtClean="0"/>
+              <a:t>03/09/2021</a:t>
+            </a:r>
+            <a:endParaRPr lang="fr-BE"/>
           </a:p>
         </p:txBody>
       </p:sp>

--- a/conception/Rapport/présentation soutenance Pfe_Bad_Afpa.pptx
+++ b/conception/Rapport/présentation soutenance Pfe_Bad_Afpa.pptx
@@ -5,7 +5,7 @@
     <p:sldMasterId id="2147483660" r:id="rId1"/>
   </p:sldMasterIdLst>
   <p:notesMasterIdLst>
-    <p:notesMasterId r:id="rId33"/>
+    <p:notesMasterId r:id="rId35"/>
   </p:notesMasterIdLst>
   <p:sldIdLst>
     <p:sldId id="256" r:id="rId2"/>
@@ -17,28 +17,30 @@
     <p:sldId id="263" r:id="rId8"/>
     <p:sldId id="264" r:id="rId9"/>
     <p:sldId id="265" r:id="rId10"/>
-    <p:sldId id="266" r:id="rId11"/>
-    <p:sldId id="267" r:id="rId12"/>
-    <p:sldId id="268" r:id="rId13"/>
-    <p:sldId id="270" r:id="rId14"/>
-    <p:sldId id="269" r:id="rId15"/>
-    <p:sldId id="272" r:id="rId16"/>
-    <p:sldId id="289" r:id="rId17"/>
-    <p:sldId id="273" r:id="rId18"/>
-    <p:sldId id="274" r:id="rId19"/>
-    <p:sldId id="275" r:id="rId20"/>
-    <p:sldId id="276" r:id="rId21"/>
-    <p:sldId id="286" r:id="rId22"/>
-    <p:sldId id="287" r:id="rId23"/>
-    <p:sldId id="277" r:id="rId24"/>
-    <p:sldId id="288" r:id="rId25"/>
-    <p:sldId id="278" r:id="rId26"/>
-    <p:sldId id="279" r:id="rId27"/>
-    <p:sldId id="280" r:id="rId28"/>
-    <p:sldId id="290" r:id="rId29"/>
-    <p:sldId id="281" r:id="rId30"/>
-    <p:sldId id="282" r:id="rId31"/>
-    <p:sldId id="283" r:id="rId32"/>
+    <p:sldId id="291" r:id="rId11"/>
+    <p:sldId id="292" r:id="rId12"/>
+    <p:sldId id="266" r:id="rId13"/>
+    <p:sldId id="267" r:id="rId14"/>
+    <p:sldId id="268" r:id="rId15"/>
+    <p:sldId id="270" r:id="rId16"/>
+    <p:sldId id="269" r:id="rId17"/>
+    <p:sldId id="272" r:id="rId18"/>
+    <p:sldId id="289" r:id="rId19"/>
+    <p:sldId id="273" r:id="rId20"/>
+    <p:sldId id="274" r:id="rId21"/>
+    <p:sldId id="275" r:id="rId22"/>
+    <p:sldId id="276" r:id="rId23"/>
+    <p:sldId id="286" r:id="rId24"/>
+    <p:sldId id="287" r:id="rId25"/>
+    <p:sldId id="277" r:id="rId26"/>
+    <p:sldId id="288" r:id="rId27"/>
+    <p:sldId id="278" r:id="rId28"/>
+    <p:sldId id="279" r:id="rId29"/>
+    <p:sldId id="280" r:id="rId30"/>
+    <p:sldId id="290" r:id="rId31"/>
+    <p:sldId id="281" r:id="rId32"/>
+    <p:sldId id="282" r:id="rId33"/>
+    <p:sldId id="283" r:id="rId34"/>
   </p:sldIdLst>
   <p:sldSz cx="9144000" cy="6858000" type="screen4x3"/>
   <p:notesSz cx="6858000" cy="9144000"/>
@@ -653,7 +655,7 @@
             <a:fld id="{3DF68130-EDB3-4001-A5EC-0CFCE1A8B91D}" type="slidenum">
               <a:rPr lang="fr-FR" smtClean="0"/>
               <a:pPr/>
-              <a:t>19</a:t>
+              <a:t>21</a:t>
             </a:fld>
             <a:endParaRPr lang="fr-FR"/>
           </a:p>
@@ -740,7 +742,7 @@
             <a:fld id="{3DF68130-EDB3-4001-A5EC-0CFCE1A8B91D}" type="slidenum">
               <a:rPr lang="fr-FR" smtClean="0"/>
               <a:pPr/>
-              <a:t>21</a:t>
+              <a:t>23</a:t>
             </a:fld>
             <a:endParaRPr lang="fr-FR"/>
           </a:p>
@@ -4692,15 +4694,7 @@
                   <a:schemeClr val="bg1"/>
                 </a:solidFill>
               </a:rPr>
-              <a:t>Projet </a:t>
-            </a:r>
-            <a:r>
-              <a:rPr lang="fr-FR" sz="3900" dirty="0" smtClean="0">
-                <a:solidFill>
-                  <a:schemeClr val="bg1"/>
-                </a:solidFill>
-              </a:rPr>
-              <a:t>de fin d’études</a:t>
+              <a:t>Projet de fin d’études</a:t>
             </a:r>
           </a:p>
           <a:p>
@@ -4945,23 +4939,7 @@
                   </a:outerShdw>
                 </a:effectLst>
               </a:rPr>
-              <a:t>Elaboré par</a:t>
-            </a:r>
-            <a:r>
-              <a:rPr lang="fr-FR" sz="2400" b="1" dirty="0" smtClean="0">
-                <a:solidFill>
-                  <a:schemeClr val="bg1">
-                    <a:lumMod val="50000"/>
-                    <a:lumOff val="50000"/>
-                  </a:schemeClr>
-                </a:solidFill>
-                <a:effectLst>
-                  <a:outerShdw blurRad="38100" dist="38100" dir="2700000" algn="tl">
-                    <a:srgbClr val="000000"/>
-                  </a:outerShdw>
-                </a:effectLst>
-              </a:rPr>
-              <a:t>:</a:t>
+              <a:t>Elaboré par:</a:t>
             </a:r>
             <a:endParaRPr lang="fr-FR" sz="2400" b="1" dirty="0">
               <a:solidFill>
@@ -5684,6 +5662,97 @@
       </p:grpSpPr>
       <p:sp>
         <p:nvSpPr>
+          <p:cNvPr id="2" name="Titre 1"/>
+          <p:cNvSpPr>
+            <a:spLocks noGrp="1"/>
+          </p:cNvSpPr>
+          <p:nvPr>
+            <p:ph type="title"/>
+          </p:nvPr>
+        </p:nvSpPr>
+        <p:spPr/>
+        <p:txBody>
+          <a:bodyPr/>
+          <a:lstStyle/>
+          <a:p>
+            <a:endParaRPr lang="fr-FR"/>
+          </a:p>
+        </p:txBody>
+      </p:sp>
+      <p:sp>
+        <p:nvSpPr>
+          <p:cNvPr id="3" name="Espace réservé du contenu 2"/>
+          <p:cNvSpPr>
+            <a:spLocks noGrp="1"/>
+          </p:cNvSpPr>
+          <p:nvPr>
+            <p:ph idx="1"/>
+          </p:nvPr>
+        </p:nvSpPr>
+        <p:spPr/>
+        <p:txBody>
+          <a:bodyPr/>
+          <a:lstStyle/>
+          <a:p>
+            <a:endParaRPr lang="fr-FR" dirty="0"/>
+          </a:p>
+        </p:txBody>
+      </p:sp>
+      <p:sp>
+        <p:nvSpPr>
+          <p:cNvPr id="4" name="Espace réservé de la date 3"/>
+          <p:cNvSpPr>
+            <a:spLocks noGrp="1"/>
+          </p:cNvSpPr>
+          <p:nvPr>
+            <p:ph type="dt" sz="half" idx="10"/>
+          </p:nvPr>
+        </p:nvSpPr>
+        <p:spPr/>
+        <p:txBody>
+          <a:bodyPr/>
+          <a:lstStyle/>
+          <a:p>
+            <a:r>
+              <a:rPr lang="fr-FR" smtClean="0"/>
+              <a:t>03/09/2021</a:t>
+            </a:r>
+            <a:endParaRPr lang="fr-BE"/>
+          </a:p>
+        </p:txBody>
+      </p:sp>
+    </p:spTree>
+    <p:extLst>
+      <p:ext uri="{BB962C8B-B14F-4D97-AF65-F5344CB8AC3E}">
+        <p14:creationId xmlns:p14="http://schemas.microsoft.com/office/powerpoint/2010/main" val="4203050358"/>
+      </p:ext>
+    </p:extLst>
+  </p:cSld>
+  <p:clrMapOvr>
+    <a:masterClrMapping/>
+  </p:clrMapOvr>
+</p:sld>
+</file>
+
+<file path=ppt/slides/slide11.xml><?xml version="1.0" encoding="utf-8"?>
+<p:sld xmlns:a="http://schemas.openxmlformats.org/drawingml/2006/main" xmlns:r="http://schemas.openxmlformats.org/officeDocument/2006/relationships" xmlns:p="http://schemas.openxmlformats.org/presentationml/2006/main">
+  <p:cSld>
+    <p:spTree>
+      <p:nvGrpSpPr>
+        <p:cNvPr id="1" name=""/>
+        <p:cNvGrpSpPr/>
+        <p:nvPr/>
+      </p:nvGrpSpPr>
+      <p:grpSpPr>
+        <a:xfrm>
+          <a:off x="0" y="0"/>
+          <a:ext cx="0" cy="0"/>
+          <a:chOff x="0" y="0"/>
+          <a:chExt cx="0" cy="0"/>
+        </a:xfrm>
+      </p:grpSpPr>
+      <p:sp>
+        <p:nvSpPr>
           <p:cNvPr id="14" name="Titre 13"/>
           <p:cNvSpPr>
             <a:spLocks noGrp="1"/>
@@ -6446,7 +6515,7 @@
         </p:blipFill>
         <p:spPr bwMode="auto">
           <a:xfrm>
-            <a:off x="285720" y="837568"/>
+            <a:off x="357158" y="807282"/>
             <a:ext cx="6429420" cy="5954273"/>
           </a:xfrm>
           <a:prstGeom prst="rect">
@@ -6479,6 +6548,11 @@
         </p:txBody>
       </p:sp>
     </p:spTree>
+    <p:extLst>
+      <p:ext uri="{BB962C8B-B14F-4D97-AF65-F5344CB8AC3E}">
+        <p14:creationId xmlns:p14="http://schemas.microsoft.com/office/powerpoint/2010/main" val="2861282754"/>
+      </p:ext>
+    </p:extLst>
   </p:cSld>
   <p:clrMapOvr>
     <a:masterClrMapping/>
@@ -6496,7 +6570,838 @@
 </p:sld>
 </file>
 
-<file path=ppt/slides/slide11.xml><?xml version="1.0" encoding="utf-8"?>
+<file path=ppt/slides/slide12.xml><?xml version="1.0" encoding="utf-8"?>
+<p:sld xmlns:a="http://schemas.openxmlformats.org/drawingml/2006/main" xmlns:r="http://schemas.openxmlformats.org/officeDocument/2006/relationships" xmlns:p="http://schemas.openxmlformats.org/presentationml/2006/main">
+  <p:cSld>
+    <p:spTree>
+      <p:nvGrpSpPr>
+        <p:cNvPr id="1" name=""/>
+        <p:cNvGrpSpPr/>
+        <p:nvPr/>
+      </p:nvGrpSpPr>
+      <p:grpSpPr>
+        <a:xfrm>
+          <a:off x="0" y="0"/>
+          <a:ext cx="0" cy="0"/>
+          <a:chOff x="0" y="0"/>
+          <a:chExt cx="0" cy="0"/>
+        </a:xfrm>
+      </p:grpSpPr>
+      <p:sp>
+        <p:nvSpPr>
+          <p:cNvPr id="14" name="Titre 13"/>
+          <p:cNvSpPr>
+            <a:spLocks noGrp="1"/>
+          </p:cNvSpPr>
+          <p:nvPr>
+            <p:ph type="title"/>
+          </p:nvPr>
+        </p:nvSpPr>
+        <p:spPr>
+          <a:xfrm>
+            <a:off x="457200" y="0"/>
+            <a:ext cx="8229600" cy="45719"/>
+          </a:xfrm>
+        </p:spPr>
+        <p:txBody>
+          <a:bodyPr>
+            <a:normAutofit fontScale="90000"/>
+          </a:bodyPr>
+          <a:lstStyle/>
+          <a:p>
+            <a:endParaRPr lang="fr-FR" dirty="0"/>
+          </a:p>
+        </p:txBody>
+      </p:sp>
+      <p:sp>
+        <p:nvSpPr>
+          <p:cNvPr id="15" name="Espace réservé du contenu 14"/>
+          <p:cNvSpPr>
+            <a:spLocks noGrp="1"/>
+          </p:cNvSpPr>
+          <p:nvPr>
+            <p:ph idx="1"/>
+          </p:nvPr>
+        </p:nvSpPr>
+        <p:spPr>
+          <a:xfrm>
+            <a:off x="0" y="785794"/>
+            <a:ext cx="8072462" cy="5857916"/>
+          </a:xfrm>
+        </p:spPr>
+        <p:txBody>
+          <a:bodyPr/>
+          <a:lstStyle/>
+          <a:p>
+            <a:pPr marL="0">
+              <a:buNone/>
+              <a:defRPr/>
+            </a:pPr>
+            <a:r>
+              <a:rPr lang="fr-FR" dirty="0" smtClean="0">
+                <a:latin typeface="Monotype Corsiva" pitchFamily="66" charset="0"/>
+              </a:rPr>
+              <a:t>   Côté administrateur:</a:t>
+            </a:r>
+            <a:endParaRPr lang="fr-FR" sz="1800" b="1" dirty="0" smtClean="0">
+              <a:ln w="10541" cmpd="sng">
+                <a:solidFill>
+                  <a:srgbClr val="7D7D7D">
+                    <a:tint val="100000"/>
+                    <a:shade val="100000"/>
+                    <a:satMod val="110000"/>
+                  </a:srgbClr>
+                </a:solidFill>
+                <a:prstDash val="solid"/>
+              </a:ln>
+              <a:latin typeface="Monotype Corsiva" pitchFamily="66" charset="0"/>
+            </a:endParaRPr>
+          </a:p>
+        </p:txBody>
+      </p:sp>
+      <p:sp>
+        <p:nvSpPr>
+          <p:cNvPr id="4" name="Rectangle à coins arrondis 3"/>
+          <p:cNvSpPr/>
+          <p:nvPr/>
+        </p:nvSpPr>
+        <p:spPr>
+          <a:xfrm>
+            <a:off x="500034" y="214290"/>
+            <a:ext cx="3786214" cy="571504"/>
+          </a:xfrm>
+          <a:prstGeom prst="roundRect">
+            <a:avLst/>
+          </a:prstGeom>
+          <a:solidFill>
+            <a:srgbClr val="7030A0"/>
+          </a:solidFill>
+          <a:ln>
+            <a:solidFill>
+              <a:schemeClr val="bg1"/>
+            </a:solidFill>
+          </a:ln>
+        </p:spPr>
+        <p:style>
+          <a:lnRef idx="2">
+            <a:schemeClr val="accent1">
+              <a:shade val="50000"/>
+            </a:schemeClr>
+          </a:lnRef>
+          <a:fillRef idx="1">
+            <a:schemeClr val="accent1"/>
+          </a:fillRef>
+          <a:effectRef idx="0">
+            <a:schemeClr val="accent1"/>
+          </a:effectRef>
+          <a:fontRef idx="minor">
+            <a:schemeClr val="lt1"/>
+          </a:fontRef>
+        </p:style>
+        <p:txBody>
+          <a:bodyPr rtlCol="0" anchor="ctr"/>
+          <a:lstStyle/>
+          <a:p>
+            <a:pPr algn="ctr"/>
+            <a:r>
+              <a:rPr lang="fr-FR" dirty="0" smtClean="0"/>
+              <a:t>Le diagramme de cas d’utilisation</a:t>
+            </a:r>
+          </a:p>
+        </p:txBody>
+      </p:sp>
+      <p:sp>
+        <p:nvSpPr>
+          <p:cNvPr id="5" name="Ellipse 4"/>
+          <p:cNvSpPr/>
+          <p:nvPr/>
+        </p:nvSpPr>
+        <p:spPr>
+          <a:xfrm>
+            <a:off x="6786578" y="785794"/>
+            <a:ext cx="2357422" cy="428628"/>
+          </a:xfrm>
+          <a:prstGeom prst="ellipse">
+            <a:avLst/>
+          </a:prstGeom>
+          <a:solidFill>
+            <a:schemeClr val="accent2">
+              <a:lumMod val="60000"/>
+              <a:lumOff val="40000"/>
+            </a:schemeClr>
+          </a:solidFill>
+          <a:ln>
+            <a:noFill/>
+          </a:ln>
+        </p:spPr>
+        <p:style>
+          <a:lnRef idx="1">
+            <a:schemeClr val="accent2"/>
+          </a:lnRef>
+          <a:fillRef idx="3">
+            <a:schemeClr val="accent2"/>
+          </a:fillRef>
+          <a:effectRef idx="2">
+            <a:schemeClr val="accent2"/>
+          </a:effectRef>
+          <a:fontRef idx="minor">
+            <a:schemeClr val="lt1"/>
+          </a:fontRef>
+        </p:style>
+        <p:txBody>
+          <a:bodyPr vert="horz" rtlCol="0" anchor="ctr">
+            <a:normAutofit/>
+          </a:bodyPr>
+          <a:lstStyle/>
+          <a:p>
+            <a:pPr indent="-274320" algn="ctr">
+              <a:lnSpc>
+                <a:spcPct val="90000"/>
+              </a:lnSpc>
+              <a:spcBef>
+                <a:spcPct val="20000"/>
+              </a:spcBef>
+              <a:buClr>
+                <a:schemeClr val="accent3"/>
+              </a:buClr>
+              <a:buSzPct val="95000"/>
+            </a:pPr>
+            <a:r>
+              <a:rPr lang="fr-FR" sz="1500" dirty="0" smtClean="0"/>
+              <a:t>Introduction</a:t>
+            </a:r>
+            <a:endParaRPr lang="fr-FR" sz="1500" dirty="0"/>
+          </a:p>
+        </p:txBody>
+      </p:sp>
+      <p:sp>
+        <p:nvSpPr>
+          <p:cNvPr id="6" name="Ellipse 5"/>
+          <p:cNvSpPr/>
+          <p:nvPr/>
+        </p:nvSpPr>
+        <p:spPr>
+          <a:xfrm>
+            <a:off x="6715140" y="1500174"/>
+            <a:ext cx="2428860" cy="500066"/>
+          </a:xfrm>
+          <a:prstGeom prst="ellipse">
+            <a:avLst/>
+          </a:prstGeom>
+          <a:solidFill>
+            <a:schemeClr val="accent2">
+              <a:lumMod val="60000"/>
+              <a:lumOff val="40000"/>
+            </a:schemeClr>
+          </a:solidFill>
+          <a:ln>
+            <a:noFill/>
+          </a:ln>
+        </p:spPr>
+        <p:style>
+          <a:lnRef idx="1">
+            <a:schemeClr val="accent2"/>
+          </a:lnRef>
+          <a:fillRef idx="3">
+            <a:schemeClr val="accent2"/>
+          </a:fillRef>
+          <a:effectRef idx="2">
+            <a:schemeClr val="accent2"/>
+          </a:effectRef>
+          <a:fontRef idx="minor">
+            <a:schemeClr val="lt1"/>
+          </a:fontRef>
+        </p:style>
+        <p:txBody>
+          <a:bodyPr vert="horz" rtlCol="0" anchor="ctr">
+            <a:normAutofit/>
+          </a:bodyPr>
+          <a:lstStyle/>
+          <a:p>
+            <a:pPr indent="-274320" algn="ctr">
+              <a:lnSpc>
+                <a:spcPct val="90000"/>
+              </a:lnSpc>
+              <a:spcBef>
+                <a:spcPct val="20000"/>
+              </a:spcBef>
+              <a:buClr>
+                <a:schemeClr val="accent3"/>
+              </a:buClr>
+              <a:buSzPct val="95000"/>
+            </a:pPr>
+            <a:r>
+              <a:rPr lang="fr-FR" sz="1500" dirty="0" smtClean="0"/>
+              <a:t>Etude de l’existant</a:t>
+            </a:r>
+          </a:p>
+        </p:txBody>
+      </p:sp>
+      <p:sp>
+        <p:nvSpPr>
+          <p:cNvPr id="7" name="Ellipse 6"/>
+          <p:cNvSpPr/>
+          <p:nvPr/>
+        </p:nvSpPr>
+        <p:spPr>
+          <a:xfrm>
+            <a:off x="6786578" y="2285992"/>
+            <a:ext cx="2357422" cy="428628"/>
+          </a:xfrm>
+          <a:prstGeom prst="ellipse">
+            <a:avLst/>
+          </a:prstGeom>
+          <a:solidFill>
+            <a:srgbClr val="7030A0"/>
+          </a:solidFill>
+          <a:ln/>
+        </p:spPr>
+        <p:style>
+          <a:lnRef idx="3">
+            <a:schemeClr val="lt1"/>
+          </a:lnRef>
+          <a:fillRef idx="1">
+            <a:schemeClr val="dk1"/>
+          </a:fillRef>
+          <a:effectRef idx="1">
+            <a:schemeClr val="dk1"/>
+          </a:effectRef>
+          <a:fontRef idx="minor">
+            <a:schemeClr val="lt1"/>
+          </a:fontRef>
+        </p:style>
+        <p:txBody>
+          <a:bodyPr rtlCol="0" anchor="ctr"/>
+          <a:lstStyle/>
+          <a:p>
+            <a:pPr algn="ctr"/>
+            <a:r>
+              <a:rPr lang="fr-FR" sz="1600" dirty="0" smtClean="0"/>
+              <a:t>Conception</a:t>
+            </a:r>
+            <a:endParaRPr lang="fr-FR" sz="1600" dirty="0"/>
+          </a:p>
+        </p:txBody>
+      </p:sp>
+      <p:sp>
+        <p:nvSpPr>
+          <p:cNvPr id="8" name="Ellipse 7"/>
+          <p:cNvSpPr/>
+          <p:nvPr/>
+        </p:nvSpPr>
+        <p:spPr>
+          <a:xfrm>
+            <a:off x="6786578" y="2928934"/>
+            <a:ext cx="2357422" cy="500066"/>
+          </a:xfrm>
+          <a:prstGeom prst="ellipse">
+            <a:avLst/>
+          </a:prstGeom>
+          <a:solidFill>
+            <a:schemeClr val="accent2">
+              <a:lumMod val="60000"/>
+              <a:lumOff val="40000"/>
+            </a:schemeClr>
+          </a:solidFill>
+          <a:ln>
+            <a:noFill/>
+          </a:ln>
+        </p:spPr>
+        <p:style>
+          <a:lnRef idx="1">
+            <a:schemeClr val="accent2"/>
+          </a:lnRef>
+          <a:fillRef idx="3">
+            <a:schemeClr val="accent2"/>
+          </a:fillRef>
+          <a:effectRef idx="2">
+            <a:schemeClr val="accent2"/>
+          </a:effectRef>
+          <a:fontRef idx="minor">
+            <a:schemeClr val="lt1"/>
+          </a:fontRef>
+        </p:style>
+        <p:txBody>
+          <a:bodyPr vert="horz" rtlCol="0" anchor="ctr">
+            <a:normAutofit/>
+          </a:bodyPr>
+          <a:lstStyle/>
+          <a:p>
+            <a:pPr indent="-274320" algn="ctr">
+              <a:lnSpc>
+                <a:spcPct val="90000"/>
+              </a:lnSpc>
+              <a:spcBef>
+                <a:spcPct val="20000"/>
+              </a:spcBef>
+              <a:buClr>
+                <a:schemeClr val="accent3"/>
+              </a:buClr>
+              <a:buSzPct val="95000"/>
+            </a:pPr>
+            <a:r>
+              <a:rPr lang="fr-FR" sz="1500" dirty="0" smtClean="0"/>
+              <a:t>Réalisation</a:t>
+            </a:r>
+            <a:endParaRPr lang="fr-FR" sz="1500" dirty="0"/>
+          </a:p>
+        </p:txBody>
+      </p:sp>
+      <p:sp>
+        <p:nvSpPr>
+          <p:cNvPr id="9" name="Ellipse 8"/>
+          <p:cNvSpPr/>
+          <p:nvPr/>
+        </p:nvSpPr>
+        <p:spPr>
+          <a:xfrm>
+            <a:off x="6786578" y="3714752"/>
+            <a:ext cx="2357422" cy="500066"/>
+          </a:xfrm>
+          <a:prstGeom prst="ellipse">
+            <a:avLst/>
+          </a:prstGeom>
+          <a:solidFill>
+            <a:schemeClr val="accent2">
+              <a:lumMod val="60000"/>
+              <a:lumOff val="40000"/>
+            </a:schemeClr>
+          </a:solidFill>
+          <a:ln>
+            <a:noFill/>
+          </a:ln>
+        </p:spPr>
+        <p:style>
+          <a:lnRef idx="1">
+            <a:schemeClr val="accent2"/>
+          </a:lnRef>
+          <a:fillRef idx="3">
+            <a:schemeClr val="accent2"/>
+          </a:fillRef>
+          <a:effectRef idx="2">
+            <a:schemeClr val="accent2"/>
+          </a:effectRef>
+          <a:fontRef idx="minor">
+            <a:schemeClr val="lt1"/>
+          </a:fontRef>
+        </p:style>
+        <p:txBody>
+          <a:bodyPr vert="horz" rtlCol="0" anchor="ctr">
+            <a:normAutofit/>
+          </a:bodyPr>
+          <a:lstStyle/>
+          <a:p>
+            <a:pPr indent="-274320" algn="ctr">
+              <a:lnSpc>
+                <a:spcPct val="90000"/>
+              </a:lnSpc>
+              <a:spcBef>
+                <a:spcPct val="20000"/>
+              </a:spcBef>
+              <a:buClr>
+                <a:schemeClr val="accent3"/>
+              </a:buClr>
+              <a:buSzPct val="95000"/>
+            </a:pPr>
+            <a:r>
+              <a:rPr lang="fr-FR" sz="1500" dirty="0" smtClean="0"/>
+              <a:t>Conclusion</a:t>
+            </a:r>
+            <a:endParaRPr lang="fr-FR" sz="1500" dirty="0"/>
+          </a:p>
+        </p:txBody>
+      </p:sp>
+      <p:grpSp>
+        <p:nvGrpSpPr>
+          <p:cNvPr id="105" name="Group 3"/>
+          <p:cNvGrpSpPr>
+            <a:grpSpLocks noChangeAspect="1"/>
+          </p:cNvGrpSpPr>
+          <p:nvPr/>
+        </p:nvGrpSpPr>
+        <p:grpSpPr bwMode="auto">
+          <a:xfrm rot="5400000" flipV="1">
+            <a:off x="6734969" y="4448969"/>
+            <a:ext cx="1335088" cy="3482975"/>
+            <a:chOff x="5531" y="1258"/>
+            <a:chExt cx="5291" cy="13813"/>
+          </a:xfrm>
+        </p:grpSpPr>
+        <p:cxnSp>
+          <p:nvCxnSpPr>
+            <p:cNvPr id="106" name="AutoShape 4"/>
+            <p:cNvCxnSpPr>
+              <a:cxnSpLocks noChangeAspect="1" noChangeShapeType="1"/>
+            </p:cNvCxnSpPr>
+            <p:nvPr/>
+          </p:nvCxnSpPr>
+          <p:spPr bwMode="auto">
+            <a:xfrm flipH="1">
+              <a:off x="6519" y="1258"/>
+              <a:ext cx="4303" cy="10040"/>
+            </a:xfrm>
+            <a:prstGeom prst="straightConnector1">
+              <a:avLst/>
+            </a:prstGeom>
+            <a:ln>
+              <a:headEnd/>
+              <a:tailEnd/>
+            </a:ln>
+          </p:spPr>
+          <p:style>
+            <a:lnRef idx="1">
+              <a:schemeClr val="accent3"/>
+            </a:lnRef>
+            <a:fillRef idx="3">
+              <a:schemeClr val="accent3"/>
+            </a:fillRef>
+            <a:effectRef idx="2">
+              <a:schemeClr val="accent3"/>
+            </a:effectRef>
+            <a:fontRef idx="minor">
+              <a:schemeClr val="lt1"/>
+            </a:fontRef>
+          </p:style>
+        </p:cxnSp>
+        <p:grpSp>
+          <p:nvGrpSpPr>
+            <p:cNvPr id="107" name="Group 5"/>
+            <p:cNvGrpSpPr>
+              <a:grpSpLocks noChangeAspect="1"/>
+            </p:cNvGrpSpPr>
+            <p:nvPr/>
+          </p:nvGrpSpPr>
+          <p:grpSpPr bwMode="auto">
+            <a:xfrm>
+              <a:off x="5531" y="9226"/>
+              <a:ext cx="5291" cy="5845"/>
+              <a:chOff x="5531" y="9226"/>
+              <a:chExt cx="5291" cy="5845"/>
+            </a:xfrm>
+          </p:grpSpPr>
+          <p:sp>
+            <p:nvSpPr>
+              <p:cNvPr id="108" name="Freeform 6"/>
+              <p:cNvSpPr>
+                <a:spLocks noChangeAspect="1"/>
+              </p:cNvSpPr>
+              <p:nvPr/>
+            </p:nvSpPr>
+            <p:spPr bwMode="auto">
+              <a:xfrm>
+                <a:off x="5531" y="9226"/>
+                <a:ext cx="5291" cy="5845"/>
+              </a:xfrm>
+              <a:custGeom>
+                <a:avLst/>
+                <a:gdLst/>
+                <a:ahLst/>
+                <a:cxnLst>
+                  <a:cxn ang="0">
+                    <a:pos x="6418" y="1185"/>
+                  </a:cxn>
+                  <a:cxn ang="0">
+                    <a:pos x="6418" y="6670"/>
+                  </a:cxn>
+                  <a:cxn ang="0">
+                    <a:pos x="1809" y="6669"/>
+                  </a:cxn>
+                  <a:cxn ang="0">
+                    <a:pos x="1407" y="1987"/>
+                  </a:cxn>
+                  <a:cxn ang="0">
+                    <a:pos x="6418" y="1185"/>
+                  </a:cxn>
+                </a:cxnLst>
+                <a:rect l="0" t="0" r="r" b="b"/>
+                <a:pathLst>
+                  <a:path w="6418" h="6670">
+                    <a:moveTo>
+                      <a:pt x="6418" y="1185"/>
+                    </a:moveTo>
+                    <a:lnTo>
+                      <a:pt x="6418" y="6670"/>
+                    </a:lnTo>
+                    <a:lnTo>
+                      <a:pt x="1809" y="6669"/>
+                    </a:lnTo>
+                    <a:cubicBezTo>
+                      <a:pt x="974" y="5889"/>
+                      <a:pt x="0" y="3958"/>
+                      <a:pt x="1407" y="1987"/>
+                    </a:cubicBezTo>
+                    <a:cubicBezTo>
+                      <a:pt x="2830" y="0"/>
+                      <a:pt x="5591" y="411"/>
+                      <a:pt x="6418" y="1185"/>
+                    </a:cubicBezTo>
+                    <a:close/>
+                  </a:path>
+                </a:pathLst>
+              </a:custGeom>
+              <a:ln>
+                <a:headEnd/>
+                <a:tailEnd/>
+              </a:ln>
+            </p:spPr>
+            <p:style>
+              <a:lnRef idx="1">
+                <a:schemeClr val="accent3"/>
+              </a:lnRef>
+              <a:fillRef idx="3">
+                <a:schemeClr val="accent3"/>
+              </a:fillRef>
+              <a:effectRef idx="2">
+                <a:schemeClr val="accent3"/>
+              </a:effectRef>
+              <a:fontRef idx="minor">
+                <a:schemeClr val="lt1"/>
+              </a:fontRef>
+            </p:style>
+            <p:txBody>
+              <a:bodyPr vert="horz" wrap="square" lIns="91440" tIns="45720" rIns="91440" bIns="45720" numCol="1" anchor="t" anchorCtr="0" compatLnSpc="1">
+                <a:prstTxWarp prst="textNoShape">
+                  <a:avLst/>
+                </a:prstTxWarp>
+              </a:bodyPr>
+              <a:lstStyle/>
+              <a:p>
+                <a:endParaRPr lang="fr-FR"/>
+              </a:p>
+            </p:txBody>
+          </p:sp>
+          <p:sp>
+            <p:nvSpPr>
+              <p:cNvPr id="109" name="Oval 7"/>
+              <p:cNvSpPr>
+                <a:spLocks noChangeAspect="1" noChangeArrowheads="1"/>
+              </p:cNvSpPr>
+              <p:nvPr/>
+            </p:nvSpPr>
+            <p:spPr bwMode="auto">
+              <a:xfrm rot="5327714" flipV="1">
+                <a:off x="6117" y="10212"/>
+                <a:ext cx="4526" cy="4258"/>
+              </a:xfrm>
+              <a:prstGeom prst="ellipse">
+                <a:avLst/>
+              </a:prstGeom>
+              <a:ln>
+                <a:headEnd/>
+                <a:tailEnd/>
+              </a:ln>
+            </p:spPr>
+            <p:style>
+              <a:lnRef idx="1">
+                <a:schemeClr val="accent3"/>
+              </a:lnRef>
+              <a:fillRef idx="3">
+                <a:schemeClr val="accent3"/>
+              </a:fillRef>
+              <a:effectRef idx="2">
+                <a:schemeClr val="accent3"/>
+              </a:effectRef>
+              <a:fontRef idx="minor">
+                <a:schemeClr val="lt1"/>
+              </a:fontRef>
+            </p:style>
+            <p:txBody>
+              <a:bodyPr vert="horz" wrap="square" lIns="91440" tIns="45720" rIns="91440" bIns="45720" numCol="1" anchor="t" anchorCtr="0" compatLnSpc="1">
+                <a:prstTxWarp prst="textNoShape">
+                  <a:avLst/>
+                </a:prstTxWarp>
+              </a:bodyPr>
+              <a:lstStyle/>
+              <a:p>
+                <a:endParaRPr lang="fr-FR"/>
+              </a:p>
+            </p:txBody>
+          </p:sp>
+          <p:sp>
+            <p:nvSpPr>
+              <p:cNvPr id="110" name="Oval 8"/>
+              <p:cNvSpPr>
+                <a:spLocks noChangeAspect="1" noChangeArrowheads="1"/>
+              </p:cNvSpPr>
+              <p:nvPr/>
+            </p:nvSpPr>
+            <p:spPr bwMode="auto">
+              <a:xfrm rot="5327714" flipV="1">
+                <a:off x="6226" y="10673"/>
+                <a:ext cx="3424" cy="3221"/>
+              </a:xfrm>
+              <a:prstGeom prst="ellipse">
+                <a:avLst/>
+              </a:prstGeom>
+              <a:ln>
+                <a:headEnd/>
+                <a:tailEnd/>
+              </a:ln>
+            </p:spPr>
+            <p:style>
+              <a:lnRef idx="1">
+                <a:schemeClr val="accent3"/>
+              </a:lnRef>
+              <a:fillRef idx="3">
+                <a:schemeClr val="accent3"/>
+              </a:fillRef>
+              <a:effectRef idx="2">
+                <a:schemeClr val="accent3"/>
+              </a:effectRef>
+              <a:fontRef idx="minor">
+                <a:schemeClr val="lt1"/>
+              </a:fontRef>
+            </p:style>
+            <p:txBody>
+              <a:bodyPr vert="horz" wrap="square" lIns="0" tIns="0" rIns="0" bIns="0" numCol="1" anchor="ctr" anchorCtr="0" compatLnSpc="1">
+                <a:prstTxWarp prst="textNoShape">
+                  <a:avLst/>
+                </a:prstTxWarp>
+              </a:bodyPr>
+              <a:lstStyle/>
+              <a:p>
+                <a:pPr marL="0" marR="0" lvl="0" indent="0" algn="ctr" defTabSz="914400" rtl="0" eaLnBrk="1" fontAlgn="base" latinLnBrk="0" hangingPunct="1">
+                  <a:lnSpc>
+                    <a:spcPct val="100000"/>
+                  </a:lnSpc>
+                  <a:spcBef>
+                    <a:spcPct val="0"/>
+                  </a:spcBef>
+                  <a:spcAft>
+                    <a:spcPct val="0"/>
+                  </a:spcAft>
+                  <a:buClrTx/>
+                  <a:buSzTx/>
+                  <a:buFontTx/>
+                  <a:buNone/>
+                  <a:tabLst/>
+                </a:pPr>
+                <a:r>
+                  <a:rPr lang="fr-FR" sz="3600" b="1" dirty="0" smtClean="0">
+                    <a:latin typeface="Calibri" pitchFamily="34" charset="0"/>
+                    <a:cs typeface="Arial" pitchFamily="34" charset="0"/>
+                  </a:rPr>
+                  <a:t>10</a:t>
+                </a:r>
+                <a:endParaRPr kumimoji="0" lang="fr-FR" sz="6600" b="0" i="0" u="none" strike="noStrike" cap="none" normalizeH="0" dirty="0" smtClean="0">
+                  <a:ln>
+                    <a:noFill/>
+                  </a:ln>
+                  <a:effectLst/>
+                  <a:latin typeface="Arial" pitchFamily="34" charset="0"/>
+                  <a:cs typeface="Arial" pitchFamily="34" charset="0"/>
+                </a:endParaRPr>
+              </a:p>
+            </p:txBody>
+          </p:sp>
+        </p:grpSp>
+      </p:grpSp>
+      <p:sp>
+        <p:nvSpPr>
+          <p:cNvPr id="23554" name="Rectangle 2"/>
+          <p:cNvSpPr>
+            <a:spLocks noChangeArrowheads="1"/>
+          </p:cNvSpPr>
+          <p:nvPr/>
+        </p:nvSpPr>
+        <p:spPr bwMode="auto">
+          <a:xfrm>
+            <a:off x="0" y="0"/>
+            <a:ext cx="9144000" cy="457200"/>
+          </a:xfrm>
+          <a:prstGeom prst="rect">
+            <a:avLst/>
+          </a:prstGeom>
+          <a:noFill/>
+          <a:ln w="9525">
+            <a:noFill/>
+            <a:miter lim="800000"/>
+            <a:headEnd/>
+            <a:tailEnd/>
+          </a:ln>
+          <a:effectLst/>
+        </p:spPr>
+        <p:txBody>
+          <a:bodyPr vert="horz" wrap="none" lIns="91440" tIns="45720" rIns="91440" bIns="45720" numCol="1" anchor="ctr" anchorCtr="0" compatLnSpc="1">
+            <a:prstTxWarp prst="textNoShape">
+              <a:avLst/>
+            </a:prstTxWarp>
+            <a:spAutoFit/>
+          </a:bodyPr>
+          <a:lstStyle/>
+          <a:p>
+            <a:endParaRPr lang="fr-FR"/>
+          </a:p>
+        </p:txBody>
+      </p:sp>
+      <p:pic>
+        <p:nvPicPr>
+          <p:cNvPr id="23553" name="Image 1"/>
+          <p:cNvPicPr>
+            <a:picLocks noChangeAspect="1" noChangeArrowheads="1"/>
+          </p:cNvPicPr>
+          <p:nvPr/>
+        </p:nvPicPr>
+        <p:blipFill>
+          <a:blip r:embed="rId2"/>
+          <a:srcRect/>
+          <a:stretch>
+            <a:fillRect/>
+          </a:stretch>
+        </p:blipFill>
+        <p:spPr bwMode="auto">
+          <a:xfrm>
+            <a:off x="357158" y="807282"/>
+            <a:ext cx="6429420" cy="5954273"/>
+          </a:xfrm>
+          <a:prstGeom prst="rect">
+            <a:avLst/>
+          </a:prstGeom>
+          <a:noFill/>
+        </p:spPr>
+      </p:pic>
+      <p:sp>
+        <p:nvSpPr>
+          <p:cNvPr id="3" name="Espace réservé de la date 2"/>
+          <p:cNvSpPr>
+            <a:spLocks noGrp="1"/>
+          </p:cNvSpPr>
+          <p:nvPr>
+            <p:ph type="dt" sz="half" idx="10"/>
+          </p:nvPr>
+        </p:nvSpPr>
+        <p:spPr/>
+        <p:txBody>
+          <a:bodyPr/>
+          <a:lstStyle/>
+          <a:p>
+            <a:r>
+              <a:rPr lang="fr-FR" smtClean="0"/>
+              <a:t>03/09/2021</a:t>
+            </a:r>
+            <a:endParaRPr lang="fr-BE"/>
+          </a:p>
+        </p:txBody>
+      </p:sp>
+    </p:spTree>
+  </p:cSld>
+  <p:clrMapOvr>
+    <a:masterClrMapping/>
+  </p:clrMapOvr>
+  <p:transition>
+    <p:dissolve/>
+  </p:transition>
+  <p:timing>
+    <p:tnLst>
+      <p:par>
+        <p:cTn id="1" dur="indefinite" restart="never" nodeType="tmRoot"/>
+      </p:par>
+    </p:tnLst>
+  </p:timing>
+</p:sld>
+</file>
+
+<file path=ppt/slides/slide13.xml><?xml version="1.0" encoding="utf-8"?>
 <p:sld xmlns:a="http://schemas.openxmlformats.org/drawingml/2006/main" xmlns:r="http://schemas.openxmlformats.org/officeDocument/2006/relationships" xmlns:p="http://schemas.openxmlformats.org/presentationml/2006/main">
   <p:cSld>
     <p:spTree>
@@ -7285,7 +8190,7 @@
 </p:sld>
 </file>
 
-<file path=ppt/slides/slide12.xml><?xml version="1.0" encoding="utf-8"?>
+<file path=ppt/slides/slide14.xml><?xml version="1.0" encoding="utf-8"?>
 <p:sld xmlns:a="http://schemas.openxmlformats.org/drawingml/2006/main" xmlns:r="http://schemas.openxmlformats.org/officeDocument/2006/relationships" xmlns:p="http://schemas.openxmlformats.org/presentationml/2006/main">
   <p:cSld>
     <p:spTree>
@@ -8051,7 +8956,7 @@
 </p:sld>
 </file>
 
-<file path=ppt/slides/slide13.xml><?xml version="1.0" encoding="utf-8"?>
+<file path=ppt/slides/slide15.xml><?xml version="1.0" encoding="utf-8"?>
 <p:sld xmlns:a="http://schemas.openxmlformats.org/drawingml/2006/main" xmlns:r="http://schemas.openxmlformats.org/officeDocument/2006/relationships" xmlns:p="http://schemas.openxmlformats.org/presentationml/2006/main">
   <p:cSld>
     <p:spTree>
@@ -8777,7 +9682,7 @@
 </p:sld>
 </file>
 
-<file path=ppt/slides/slide14.xml><?xml version="1.0" encoding="utf-8"?>
+<file path=ppt/slides/slide16.xml><?xml version="1.0" encoding="utf-8"?>
 <p:sld xmlns:a="http://schemas.openxmlformats.org/drawingml/2006/main" xmlns:r="http://schemas.openxmlformats.org/officeDocument/2006/relationships" xmlns:p="http://schemas.openxmlformats.org/presentationml/2006/main">
   <p:cSld>
     <p:spTree>
@@ -9432,36 +10337,6 @@
           </p:sp>
         </p:grpSp>
       </p:grpSp>
-      <p:pic>
-        <p:nvPicPr>
-          <p:cNvPr id="20" name="Image 19"/>
-          <p:cNvPicPr/>
-          <p:nvPr/>
-        </p:nvPicPr>
-        <p:blipFill>
-          <a:blip r:embed="rId2" cstate="print"/>
-          <a:srcRect/>
-          <a:stretch>
-            <a:fillRect/>
-          </a:stretch>
-        </p:blipFill>
-        <p:spPr bwMode="auto">
-          <a:xfrm>
-            <a:off x="285720" y="1000108"/>
-            <a:ext cx="6357982" cy="5357850"/>
-          </a:xfrm>
-          <a:prstGeom prst="rect">
-            <a:avLst/>
-          </a:prstGeom>
-          <a:noFill/>
-          <a:ln w="9525">
-            <a:noFill/>
-            <a:miter lim="800000"/>
-            <a:headEnd/>
-            <a:tailEnd/>
-          </a:ln>
-        </p:spPr>
-      </p:pic>
       <p:sp>
         <p:nvSpPr>
           <p:cNvPr id="2" name="Espace réservé de la date 1"/>
@@ -9485,6 +10360,36 @@
           </a:p>
         </p:txBody>
       </p:sp>
+      <p:pic>
+        <p:nvPicPr>
+          <p:cNvPr id="3" name="Image 2"/>
+          <p:cNvPicPr>
+            <a:picLocks noChangeAspect="1"/>
+          </p:cNvPicPr>
+          <p:nvPr/>
+        </p:nvPicPr>
+        <p:blipFill>
+          <a:blip r:embed="rId2">
+            <a:extLst>
+              <a:ext uri="{28A0092B-C50C-407E-A947-70E740481C1C}">
+                <a14:useLocalDpi xmlns:a14="http://schemas.microsoft.com/office/drawing/2010/main" val="0"/>
+              </a:ext>
+            </a:extLst>
+          </a:blip>
+          <a:stretch>
+            <a:fillRect/>
+          </a:stretch>
+        </p:blipFill>
+        <p:spPr>
+          <a:xfrm>
+            <a:off x="37110" y="1000108"/>
+            <a:ext cx="6678030" cy="5545534"/>
+          </a:xfrm>
+          <a:prstGeom prst="rect">
+            <a:avLst/>
+          </a:prstGeom>
+        </p:spPr>
+      </p:pic>
     </p:spTree>
   </p:cSld>
   <p:clrMapOvr>
@@ -9503,7 +10408,7 @@
 </p:sld>
 </file>
 
-<file path=ppt/slides/slide15.xml><?xml version="1.0" encoding="utf-8"?>
+<file path=ppt/slides/slide17.xml><?xml version="1.0" encoding="utf-8"?>
 <p:sld xmlns:a="http://schemas.openxmlformats.org/drawingml/2006/main" xmlns:r="http://schemas.openxmlformats.org/officeDocument/2006/relationships" xmlns:p="http://schemas.openxmlformats.org/presentationml/2006/main">
   <p:cSld>
     <p:spTree>
@@ -9990,7 +10895,7 @@
 </p:sld>
 </file>
 
-<file path=ppt/slides/slide16.xml><?xml version="1.0" encoding="utf-8"?>
+<file path=ppt/slides/slide18.xml><?xml version="1.0" encoding="utf-8"?>
 <p:sld xmlns:a="http://schemas.openxmlformats.org/drawingml/2006/main" xmlns:r="http://schemas.openxmlformats.org/officeDocument/2006/relationships" xmlns:p="http://schemas.openxmlformats.org/presentationml/2006/main">
   <p:cSld>
     <p:spTree>
@@ -10836,7 +11741,6 @@
               <a:rPr lang="fr-FR" dirty="0" smtClean="0"/>
               <a:t>Plateforme XAMPP</a:t>
             </a:r>
-            <a:endParaRPr lang="fr-FR" dirty="0" smtClean="0"/>
           </a:p>
           <a:p>
             <a:endParaRPr lang="fr-FR" b="1" dirty="0" smtClean="0"/>
@@ -10854,7 +11758,6 @@
               <a:rPr lang="fr-FR" dirty="0" smtClean="0"/>
               <a:t>Editeur de code VS code</a:t>
             </a:r>
-            <a:endParaRPr lang="fr-FR" dirty="0" smtClean="0"/>
           </a:p>
           <a:p>
             <a:endParaRPr lang="fr-FR" b="1" dirty="0" smtClean="0"/>
@@ -10872,7 +11775,6 @@
               <a:rPr lang="fr-FR" dirty="0" smtClean="0"/>
               <a:t>Looping</a:t>
             </a:r>
-            <a:endParaRPr lang="fr-FR" dirty="0" smtClean="0"/>
           </a:p>
           <a:p>
             <a:endParaRPr lang="fr-FR" b="1" dirty="0" smtClean="0"/>
@@ -10884,13 +11786,8 @@
             </a:pPr>
             <a:r>
               <a:rPr lang="fr-FR" dirty="0" smtClean="0"/>
-              <a:t>  Microsoft Word </a:t>
+              <a:t>  Microsoft Word 2016</a:t>
             </a:r>
-            <a:r>
-              <a:rPr lang="fr-FR" dirty="0" smtClean="0"/>
-              <a:t>2016</a:t>
-            </a:r>
-            <a:endParaRPr lang="fr-FR" dirty="0" smtClean="0"/>
           </a:p>
           <a:p>
             <a:endParaRPr lang="fr-FR" b="1" dirty="0" smtClean="0"/>
@@ -11633,7 +12530,7 @@
 </p:sld>
 </file>
 
-<file path=ppt/slides/slide17.xml><?xml version="1.0" encoding="utf-8"?>
+<file path=ppt/slides/slide19.xml><?xml version="1.0" encoding="utf-8"?>
 <p:sld xmlns:a="http://schemas.openxmlformats.org/drawingml/2006/main" xmlns:r="http://schemas.openxmlformats.org/officeDocument/2006/relationships" xmlns:p="http://schemas.openxmlformats.org/presentationml/2006/main">
   <p:cSld>
     <p:spTree>
@@ -12337,1462 +13234,6 @@
           <a:xfrm>
             <a:off x="546886" y="865299"/>
             <a:ext cx="5957731" cy="5572164"/>
-          </a:xfrm>
-          <a:prstGeom prst="rect">
-            <a:avLst/>
-          </a:prstGeom>
-        </p:spPr>
-      </p:pic>
-    </p:spTree>
-  </p:cSld>
-  <p:clrMapOvr>
-    <a:masterClrMapping/>
-  </p:clrMapOvr>
-  <p:transition>
-    <p:dissolve/>
-  </p:transition>
-  <p:timing>
-    <p:tnLst>
-      <p:par>
-        <p:cTn id="1" dur="indefinite" restart="never" nodeType="tmRoot"/>
-      </p:par>
-    </p:tnLst>
-  </p:timing>
-</p:sld>
-</file>
-
-<file path=ppt/slides/slide18.xml><?xml version="1.0" encoding="utf-8"?>
-<p:sld xmlns:a="http://schemas.openxmlformats.org/drawingml/2006/main" xmlns:r="http://schemas.openxmlformats.org/officeDocument/2006/relationships" xmlns:p="http://schemas.openxmlformats.org/presentationml/2006/main">
-  <p:cSld>
-    <p:spTree>
-      <p:nvGrpSpPr>
-        <p:cNvPr id="1" name=""/>
-        <p:cNvGrpSpPr/>
-        <p:nvPr/>
-      </p:nvGrpSpPr>
-      <p:grpSpPr>
-        <a:xfrm>
-          <a:off x="0" y="0"/>
-          <a:ext cx="0" cy="0"/>
-          <a:chOff x="0" y="0"/>
-          <a:chExt cx="0" cy="0"/>
-        </a:xfrm>
-      </p:grpSpPr>
-      <p:sp>
-        <p:nvSpPr>
-          <p:cNvPr id="4" name="Ellipse 3"/>
-          <p:cNvSpPr/>
-          <p:nvPr/>
-        </p:nvSpPr>
-        <p:spPr>
-          <a:xfrm>
-            <a:off x="6786578" y="785794"/>
-            <a:ext cx="2357422" cy="428628"/>
-          </a:xfrm>
-          <a:prstGeom prst="ellipse">
-            <a:avLst/>
-          </a:prstGeom>
-          <a:solidFill>
-            <a:schemeClr val="accent2">
-              <a:lumMod val="60000"/>
-              <a:lumOff val="40000"/>
-            </a:schemeClr>
-          </a:solidFill>
-          <a:ln>
-            <a:noFill/>
-          </a:ln>
-        </p:spPr>
-        <p:style>
-          <a:lnRef idx="1">
-            <a:schemeClr val="accent2"/>
-          </a:lnRef>
-          <a:fillRef idx="3">
-            <a:schemeClr val="accent2"/>
-          </a:fillRef>
-          <a:effectRef idx="2">
-            <a:schemeClr val="accent2"/>
-          </a:effectRef>
-          <a:fontRef idx="minor">
-            <a:schemeClr val="lt1"/>
-          </a:fontRef>
-        </p:style>
-        <p:txBody>
-          <a:bodyPr vert="horz" rtlCol="0" anchor="ctr">
-            <a:normAutofit/>
-          </a:bodyPr>
-          <a:lstStyle/>
-          <a:p>
-            <a:pPr indent="-274320" algn="ctr">
-              <a:lnSpc>
-                <a:spcPct val="90000"/>
-              </a:lnSpc>
-              <a:spcBef>
-                <a:spcPct val="20000"/>
-              </a:spcBef>
-              <a:buClr>
-                <a:schemeClr val="accent3"/>
-              </a:buClr>
-              <a:buSzPct val="95000"/>
-            </a:pPr>
-            <a:r>
-              <a:rPr lang="fr-FR" sz="1500" dirty="0" smtClean="0"/>
-              <a:t>Introduction</a:t>
-            </a:r>
-            <a:endParaRPr lang="fr-FR" sz="1500" dirty="0"/>
-          </a:p>
-        </p:txBody>
-      </p:sp>
-      <p:sp>
-        <p:nvSpPr>
-          <p:cNvPr id="5" name="Ellipse 4"/>
-          <p:cNvSpPr/>
-          <p:nvPr/>
-        </p:nvSpPr>
-        <p:spPr>
-          <a:xfrm>
-            <a:off x="6715140" y="1500174"/>
-            <a:ext cx="2428860" cy="500066"/>
-          </a:xfrm>
-          <a:prstGeom prst="ellipse">
-            <a:avLst/>
-          </a:prstGeom>
-          <a:solidFill>
-            <a:schemeClr val="accent2">
-              <a:lumMod val="60000"/>
-              <a:lumOff val="40000"/>
-            </a:schemeClr>
-          </a:solidFill>
-          <a:ln>
-            <a:noFill/>
-          </a:ln>
-        </p:spPr>
-        <p:style>
-          <a:lnRef idx="1">
-            <a:schemeClr val="accent2"/>
-          </a:lnRef>
-          <a:fillRef idx="3">
-            <a:schemeClr val="accent2"/>
-          </a:fillRef>
-          <a:effectRef idx="2">
-            <a:schemeClr val="accent2"/>
-          </a:effectRef>
-          <a:fontRef idx="minor">
-            <a:schemeClr val="lt1"/>
-          </a:fontRef>
-        </p:style>
-        <p:txBody>
-          <a:bodyPr vert="horz" rtlCol="0" anchor="ctr">
-            <a:normAutofit/>
-          </a:bodyPr>
-          <a:lstStyle/>
-          <a:p>
-            <a:pPr indent="-274320" algn="ctr">
-              <a:lnSpc>
-                <a:spcPct val="90000"/>
-              </a:lnSpc>
-              <a:spcBef>
-                <a:spcPct val="20000"/>
-              </a:spcBef>
-              <a:buClr>
-                <a:schemeClr val="accent3"/>
-              </a:buClr>
-              <a:buSzPct val="95000"/>
-            </a:pPr>
-            <a:r>
-              <a:rPr lang="fr-FR" sz="1500" dirty="0" smtClean="0"/>
-              <a:t>Etude de l’existant</a:t>
-            </a:r>
-          </a:p>
-        </p:txBody>
-      </p:sp>
-      <p:sp>
-        <p:nvSpPr>
-          <p:cNvPr id="6" name="Ellipse 5"/>
-          <p:cNvSpPr/>
-          <p:nvPr/>
-        </p:nvSpPr>
-        <p:spPr>
-          <a:xfrm>
-            <a:off x="6786578" y="2285992"/>
-            <a:ext cx="2357422" cy="428628"/>
-          </a:xfrm>
-          <a:prstGeom prst="ellipse">
-            <a:avLst/>
-          </a:prstGeom>
-          <a:solidFill>
-            <a:schemeClr val="accent2">
-              <a:lumMod val="60000"/>
-              <a:lumOff val="40000"/>
-            </a:schemeClr>
-          </a:solidFill>
-          <a:ln>
-            <a:noFill/>
-          </a:ln>
-        </p:spPr>
-        <p:style>
-          <a:lnRef idx="1">
-            <a:schemeClr val="accent2"/>
-          </a:lnRef>
-          <a:fillRef idx="3">
-            <a:schemeClr val="accent2"/>
-          </a:fillRef>
-          <a:effectRef idx="2">
-            <a:schemeClr val="accent2"/>
-          </a:effectRef>
-          <a:fontRef idx="minor">
-            <a:schemeClr val="lt1"/>
-          </a:fontRef>
-        </p:style>
-        <p:txBody>
-          <a:bodyPr vert="horz" rtlCol="0" anchor="ctr">
-            <a:normAutofit/>
-          </a:bodyPr>
-          <a:lstStyle/>
-          <a:p>
-            <a:pPr indent="-274320" algn="ctr">
-              <a:lnSpc>
-                <a:spcPct val="90000"/>
-              </a:lnSpc>
-              <a:spcBef>
-                <a:spcPct val="20000"/>
-              </a:spcBef>
-              <a:buClr>
-                <a:schemeClr val="accent3"/>
-              </a:buClr>
-              <a:buSzPct val="95000"/>
-            </a:pPr>
-            <a:r>
-              <a:rPr lang="fr-FR" sz="1500" dirty="0" smtClean="0"/>
-              <a:t>Conception</a:t>
-            </a:r>
-          </a:p>
-        </p:txBody>
-      </p:sp>
-      <p:sp>
-        <p:nvSpPr>
-          <p:cNvPr id="7" name="Ellipse 6"/>
-          <p:cNvSpPr/>
-          <p:nvPr/>
-        </p:nvSpPr>
-        <p:spPr>
-          <a:xfrm>
-            <a:off x="6786578" y="2928934"/>
-            <a:ext cx="2357422" cy="500066"/>
-          </a:xfrm>
-          <a:prstGeom prst="ellipse">
-            <a:avLst/>
-          </a:prstGeom>
-          <a:solidFill>
-            <a:srgbClr val="7030A0"/>
-          </a:solidFill>
-          <a:ln/>
-        </p:spPr>
-        <p:style>
-          <a:lnRef idx="3">
-            <a:schemeClr val="lt1"/>
-          </a:lnRef>
-          <a:fillRef idx="1">
-            <a:schemeClr val="dk1"/>
-          </a:fillRef>
-          <a:effectRef idx="1">
-            <a:schemeClr val="dk1"/>
-          </a:effectRef>
-          <a:fontRef idx="minor">
-            <a:schemeClr val="lt1"/>
-          </a:fontRef>
-        </p:style>
-        <p:txBody>
-          <a:bodyPr rtlCol="0" anchor="ctr"/>
-          <a:lstStyle/>
-          <a:p>
-            <a:pPr algn="ctr"/>
-            <a:r>
-              <a:rPr lang="fr-FR" sz="1600" dirty="0" smtClean="0"/>
-              <a:t>Réalisation</a:t>
-            </a:r>
-            <a:endParaRPr lang="fr-FR" sz="1600" dirty="0"/>
-          </a:p>
-        </p:txBody>
-      </p:sp>
-      <p:sp>
-        <p:nvSpPr>
-          <p:cNvPr id="8" name="Ellipse 7"/>
-          <p:cNvSpPr/>
-          <p:nvPr/>
-        </p:nvSpPr>
-        <p:spPr>
-          <a:xfrm>
-            <a:off x="6786578" y="3714752"/>
-            <a:ext cx="2357422" cy="500066"/>
-          </a:xfrm>
-          <a:prstGeom prst="ellipse">
-            <a:avLst/>
-          </a:prstGeom>
-          <a:solidFill>
-            <a:schemeClr val="accent2">
-              <a:lumMod val="60000"/>
-              <a:lumOff val="40000"/>
-            </a:schemeClr>
-          </a:solidFill>
-          <a:ln>
-            <a:noFill/>
-          </a:ln>
-        </p:spPr>
-        <p:style>
-          <a:lnRef idx="1">
-            <a:schemeClr val="accent2"/>
-          </a:lnRef>
-          <a:fillRef idx="3">
-            <a:schemeClr val="accent2"/>
-          </a:fillRef>
-          <a:effectRef idx="2">
-            <a:schemeClr val="accent2"/>
-          </a:effectRef>
-          <a:fontRef idx="minor">
-            <a:schemeClr val="lt1"/>
-          </a:fontRef>
-        </p:style>
-        <p:txBody>
-          <a:bodyPr vert="horz" rtlCol="0" anchor="ctr">
-            <a:normAutofit/>
-          </a:bodyPr>
-          <a:lstStyle/>
-          <a:p>
-            <a:pPr indent="-274320" algn="ctr">
-              <a:lnSpc>
-                <a:spcPct val="90000"/>
-              </a:lnSpc>
-              <a:spcBef>
-                <a:spcPct val="20000"/>
-              </a:spcBef>
-              <a:buClr>
-                <a:schemeClr val="accent3"/>
-              </a:buClr>
-              <a:buSzPct val="95000"/>
-            </a:pPr>
-            <a:r>
-              <a:rPr lang="fr-FR" sz="1500" dirty="0" smtClean="0"/>
-              <a:t>Conclusion</a:t>
-            </a:r>
-            <a:endParaRPr lang="fr-FR" sz="1500" dirty="0"/>
-          </a:p>
-        </p:txBody>
-      </p:sp>
-      <p:sp>
-        <p:nvSpPr>
-          <p:cNvPr id="11" name="Rectangle à coins arrondis 10"/>
-          <p:cNvSpPr/>
-          <p:nvPr/>
-        </p:nvSpPr>
-        <p:spPr>
-          <a:xfrm>
-            <a:off x="285720" y="214290"/>
-            <a:ext cx="2357454" cy="571504"/>
-          </a:xfrm>
-          <a:prstGeom prst="roundRect">
-            <a:avLst/>
-          </a:prstGeom>
-          <a:solidFill>
-            <a:srgbClr val="7030A0"/>
-          </a:solidFill>
-          <a:ln>
-            <a:solidFill>
-              <a:schemeClr val="bg1"/>
-            </a:solidFill>
-          </a:ln>
-        </p:spPr>
-        <p:style>
-          <a:lnRef idx="2">
-            <a:schemeClr val="accent1">
-              <a:shade val="50000"/>
-            </a:schemeClr>
-          </a:lnRef>
-          <a:fillRef idx="1">
-            <a:schemeClr val="accent1"/>
-          </a:fillRef>
-          <a:effectRef idx="0">
-            <a:schemeClr val="accent1"/>
-          </a:effectRef>
-          <a:fontRef idx="minor">
-            <a:schemeClr val="lt1"/>
-          </a:fontRef>
-        </p:style>
-        <p:txBody>
-          <a:bodyPr rtlCol="0" anchor="ctr"/>
-          <a:lstStyle/>
-          <a:p>
-            <a:pPr algn="ctr"/>
-            <a:r>
-              <a:rPr lang="fr-FR" dirty="0" smtClean="0"/>
-              <a:t>Page  inscription</a:t>
-            </a:r>
-          </a:p>
-        </p:txBody>
-      </p:sp>
-      <p:grpSp>
-        <p:nvGrpSpPr>
-          <p:cNvPr id="12" name="Group 3"/>
-          <p:cNvGrpSpPr>
-            <a:grpSpLocks noChangeAspect="1"/>
-          </p:cNvGrpSpPr>
-          <p:nvPr/>
-        </p:nvGrpSpPr>
-        <p:grpSpPr bwMode="auto">
-          <a:xfrm rot="5400000" flipV="1">
-            <a:off x="6734969" y="4448969"/>
-            <a:ext cx="1335088" cy="3482975"/>
-            <a:chOff x="5531" y="1258"/>
-            <a:chExt cx="5291" cy="13813"/>
-          </a:xfrm>
-        </p:grpSpPr>
-        <p:cxnSp>
-          <p:nvCxnSpPr>
-            <p:cNvPr id="13" name="AutoShape 4"/>
-            <p:cNvCxnSpPr>
-              <a:cxnSpLocks noChangeAspect="1" noChangeShapeType="1"/>
-            </p:cNvCxnSpPr>
-            <p:nvPr/>
-          </p:nvCxnSpPr>
-          <p:spPr bwMode="auto">
-            <a:xfrm flipH="1">
-              <a:off x="6519" y="1258"/>
-              <a:ext cx="4303" cy="10040"/>
-            </a:xfrm>
-            <a:prstGeom prst="straightConnector1">
-              <a:avLst/>
-            </a:prstGeom>
-            <a:ln>
-              <a:headEnd/>
-              <a:tailEnd/>
-            </a:ln>
-          </p:spPr>
-          <p:style>
-            <a:lnRef idx="1">
-              <a:schemeClr val="accent3"/>
-            </a:lnRef>
-            <a:fillRef idx="3">
-              <a:schemeClr val="accent3"/>
-            </a:fillRef>
-            <a:effectRef idx="2">
-              <a:schemeClr val="accent3"/>
-            </a:effectRef>
-            <a:fontRef idx="minor">
-              <a:schemeClr val="lt1"/>
-            </a:fontRef>
-          </p:style>
-        </p:cxnSp>
-        <p:grpSp>
-          <p:nvGrpSpPr>
-            <p:cNvPr id="14" name="Group 5"/>
-            <p:cNvGrpSpPr>
-              <a:grpSpLocks noChangeAspect="1"/>
-            </p:cNvGrpSpPr>
-            <p:nvPr/>
-          </p:nvGrpSpPr>
-          <p:grpSpPr bwMode="auto">
-            <a:xfrm>
-              <a:off x="5531" y="9226"/>
-              <a:ext cx="5291" cy="5845"/>
-              <a:chOff x="5531" y="9226"/>
-              <a:chExt cx="5291" cy="5845"/>
-            </a:xfrm>
-          </p:grpSpPr>
-          <p:sp>
-            <p:nvSpPr>
-              <p:cNvPr id="15" name="Freeform 6"/>
-              <p:cNvSpPr>
-                <a:spLocks noChangeAspect="1"/>
-              </p:cNvSpPr>
-              <p:nvPr/>
-            </p:nvSpPr>
-            <p:spPr bwMode="auto">
-              <a:xfrm>
-                <a:off x="5531" y="9226"/>
-                <a:ext cx="5291" cy="5845"/>
-              </a:xfrm>
-              <a:custGeom>
-                <a:avLst/>
-                <a:gdLst/>
-                <a:ahLst/>
-                <a:cxnLst>
-                  <a:cxn ang="0">
-                    <a:pos x="6418" y="1185"/>
-                  </a:cxn>
-                  <a:cxn ang="0">
-                    <a:pos x="6418" y="6670"/>
-                  </a:cxn>
-                  <a:cxn ang="0">
-                    <a:pos x="1809" y="6669"/>
-                  </a:cxn>
-                  <a:cxn ang="0">
-                    <a:pos x="1407" y="1987"/>
-                  </a:cxn>
-                  <a:cxn ang="0">
-                    <a:pos x="6418" y="1185"/>
-                  </a:cxn>
-                </a:cxnLst>
-                <a:rect l="0" t="0" r="r" b="b"/>
-                <a:pathLst>
-                  <a:path w="6418" h="6670">
-                    <a:moveTo>
-                      <a:pt x="6418" y="1185"/>
-                    </a:moveTo>
-                    <a:lnTo>
-                      <a:pt x="6418" y="6670"/>
-                    </a:lnTo>
-                    <a:lnTo>
-                      <a:pt x="1809" y="6669"/>
-                    </a:lnTo>
-                    <a:cubicBezTo>
-                      <a:pt x="974" y="5889"/>
-                      <a:pt x="0" y="3958"/>
-                      <a:pt x="1407" y="1987"/>
-                    </a:cubicBezTo>
-                    <a:cubicBezTo>
-                      <a:pt x="2830" y="0"/>
-                      <a:pt x="5591" y="411"/>
-                      <a:pt x="6418" y="1185"/>
-                    </a:cubicBezTo>
-                    <a:close/>
-                  </a:path>
-                </a:pathLst>
-              </a:custGeom>
-              <a:ln>
-                <a:headEnd/>
-                <a:tailEnd/>
-              </a:ln>
-            </p:spPr>
-            <p:style>
-              <a:lnRef idx="1">
-                <a:schemeClr val="accent3"/>
-              </a:lnRef>
-              <a:fillRef idx="3">
-                <a:schemeClr val="accent3"/>
-              </a:fillRef>
-              <a:effectRef idx="2">
-                <a:schemeClr val="accent3"/>
-              </a:effectRef>
-              <a:fontRef idx="minor">
-                <a:schemeClr val="lt1"/>
-              </a:fontRef>
-            </p:style>
-            <p:txBody>
-              <a:bodyPr vert="horz" wrap="square" lIns="91440" tIns="45720" rIns="91440" bIns="45720" numCol="1" anchor="t" anchorCtr="0" compatLnSpc="1">
-                <a:prstTxWarp prst="textNoShape">
-                  <a:avLst/>
-                </a:prstTxWarp>
-              </a:bodyPr>
-              <a:lstStyle/>
-              <a:p>
-                <a:endParaRPr lang="fr-FR"/>
-              </a:p>
-            </p:txBody>
-          </p:sp>
-          <p:sp>
-            <p:nvSpPr>
-              <p:cNvPr id="16" name="Oval 7"/>
-              <p:cNvSpPr>
-                <a:spLocks noChangeAspect="1" noChangeArrowheads="1"/>
-              </p:cNvSpPr>
-              <p:nvPr/>
-            </p:nvSpPr>
-            <p:spPr bwMode="auto">
-              <a:xfrm rot="5327714" flipV="1">
-                <a:off x="6117" y="10212"/>
-                <a:ext cx="4526" cy="4258"/>
-              </a:xfrm>
-              <a:prstGeom prst="ellipse">
-                <a:avLst/>
-              </a:prstGeom>
-              <a:ln>
-                <a:headEnd/>
-                <a:tailEnd/>
-              </a:ln>
-            </p:spPr>
-            <p:style>
-              <a:lnRef idx="1">
-                <a:schemeClr val="accent3"/>
-              </a:lnRef>
-              <a:fillRef idx="3">
-                <a:schemeClr val="accent3"/>
-              </a:fillRef>
-              <a:effectRef idx="2">
-                <a:schemeClr val="accent3"/>
-              </a:effectRef>
-              <a:fontRef idx="minor">
-                <a:schemeClr val="lt1"/>
-              </a:fontRef>
-            </p:style>
-            <p:txBody>
-              <a:bodyPr vert="horz" wrap="square" lIns="91440" tIns="45720" rIns="91440" bIns="45720" numCol="1" anchor="t" anchorCtr="0" compatLnSpc="1">
-                <a:prstTxWarp prst="textNoShape">
-                  <a:avLst/>
-                </a:prstTxWarp>
-              </a:bodyPr>
-              <a:lstStyle/>
-              <a:p>
-                <a:endParaRPr lang="fr-FR"/>
-              </a:p>
-            </p:txBody>
-          </p:sp>
-          <p:sp>
-            <p:nvSpPr>
-              <p:cNvPr id="17" name="Oval 8"/>
-              <p:cNvSpPr>
-                <a:spLocks noChangeAspect="1" noChangeArrowheads="1"/>
-              </p:cNvSpPr>
-              <p:nvPr/>
-            </p:nvSpPr>
-            <p:spPr bwMode="auto">
-              <a:xfrm rot="5327714" flipV="1">
-                <a:off x="6226" y="10673"/>
-                <a:ext cx="3424" cy="3221"/>
-              </a:xfrm>
-              <a:prstGeom prst="ellipse">
-                <a:avLst/>
-              </a:prstGeom>
-              <a:ln>
-                <a:headEnd/>
-                <a:tailEnd/>
-              </a:ln>
-            </p:spPr>
-            <p:style>
-              <a:lnRef idx="1">
-                <a:schemeClr val="accent3"/>
-              </a:lnRef>
-              <a:fillRef idx="3">
-                <a:schemeClr val="accent3"/>
-              </a:fillRef>
-              <a:effectRef idx="2">
-                <a:schemeClr val="accent3"/>
-              </a:effectRef>
-              <a:fontRef idx="minor">
-                <a:schemeClr val="lt1"/>
-              </a:fontRef>
-            </p:style>
-            <p:txBody>
-              <a:bodyPr vert="horz" wrap="square" lIns="0" tIns="0" rIns="0" bIns="0" numCol="1" anchor="ctr" anchorCtr="0" compatLnSpc="1">
-                <a:prstTxWarp prst="textNoShape">
-                  <a:avLst/>
-                </a:prstTxWarp>
-              </a:bodyPr>
-              <a:lstStyle/>
-              <a:p>
-                <a:pPr marL="0" marR="0" lvl="0" indent="0" algn="ctr" defTabSz="914400" rtl="0" eaLnBrk="1" fontAlgn="base" latinLnBrk="0" hangingPunct="1">
-                  <a:lnSpc>
-                    <a:spcPct val="100000"/>
-                  </a:lnSpc>
-                  <a:spcBef>
-                    <a:spcPct val="0"/>
-                  </a:spcBef>
-                  <a:spcAft>
-                    <a:spcPct val="0"/>
-                  </a:spcAft>
-                  <a:buClrTx/>
-                  <a:buSzTx/>
-                  <a:buFontTx/>
-                  <a:buNone/>
-                  <a:tabLst/>
-                </a:pPr>
-                <a:r>
-                  <a:rPr kumimoji="0" lang="fr-FR" sz="3600" b="1" i="0" u="none" strike="noStrike" cap="none" normalizeH="0" dirty="0" smtClean="0">
-                    <a:ln>
-                      <a:noFill/>
-                    </a:ln>
-                    <a:effectLst/>
-                    <a:latin typeface="Calibri" pitchFamily="34" charset="0"/>
-                    <a:cs typeface="Arial" pitchFamily="34" charset="0"/>
-                  </a:rPr>
-                  <a:t>17</a:t>
-                </a:r>
-                <a:endParaRPr kumimoji="0" lang="fr-FR" sz="6600" b="0" i="0" u="none" strike="noStrike" cap="none" normalizeH="0" dirty="0" smtClean="0">
-                  <a:ln>
-                    <a:noFill/>
-                  </a:ln>
-                  <a:effectLst/>
-                  <a:latin typeface="Arial" pitchFamily="34" charset="0"/>
-                  <a:cs typeface="Arial" pitchFamily="34" charset="0"/>
-                </a:endParaRPr>
-              </a:p>
-            </p:txBody>
-          </p:sp>
-        </p:grpSp>
-      </p:grpSp>
-      <p:sp>
-        <p:nvSpPr>
-          <p:cNvPr id="3" name="Espace réservé de la date 2"/>
-          <p:cNvSpPr>
-            <a:spLocks noGrp="1"/>
-          </p:cNvSpPr>
-          <p:nvPr>
-            <p:ph type="dt" sz="half" idx="10"/>
-          </p:nvPr>
-        </p:nvSpPr>
-        <p:spPr/>
-        <p:txBody>
-          <a:bodyPr/>
-          <a:lstStyle/>
-          <a:p>
-            <a:r>
-              <a:rPr lang="fr-FR" smtClean="0"/>
-              <a:t>03/09/2021</a:t>
-            </a:r>
-            <a:endParaRPr lang="fr-BE"/>
-          </a:p>
-        </p:txBody>
-      </p:sp>
-      <p:pic>
-        <p:nvPicPr>
-          <p:cNvPr id="9" name="Image 8"/>
-          <p:cNvPicPr>
-            <a:picLocks noChangeAspect="1"/>
-          </p:cNvPicPr>
-          <p:nvPr/>
-        </p:nvPicPr>
-        <p:blipFill>
-          <a:blip r:embed="rId2">
-            <a:extLst>
-              <a:ext uri="{28A0092B-C50C-407E-A947-70E740481C1C}">
-                <a14:useLocalDpi xmlns:a14="http://schemas.microsoft.com/office/drawing/2010/main" val="0"/>
-              </a:ext>
-            </a:extLst>
-          </a:blip>
-          <a:stretch>
-            <a:fillRect/>
-          </a:stretch>
-        </p:blipFill>
-        <p:spPr>
-          <a:xfrm>
-            <a:off x="285720" y="923951"/>
-            <a:ext cx="6344702" cy="5357850"/>
-          </a:xfrm>
-          <a:prstGeom prst="rect">
-            <a:avLst/>
-          </a:prstGeom>
-        </p:spPr>
-      </p:pic>
-    </p:spTree>
-  </p:cSld>
-  <p:clrMapOvr>
-    <a:masterClrMapping/>
-  </p:clrMapOvr>
-  <p:transition>
-    <p:dissolve/>
-  </p:transition>
-  <p:timing>
-    <p:tnLst>
-      <p:par>
-        <p:cTn id="1" dur="indefinite" restart="never" nodeType="tmRoot"/>
-      </p:par>
-    </p:tnLst>
-  </p:timing>
-</p:sld>
-</file>
-
-<file path=ppt/slides/slide19.xml><?xml version="1.0" encoding="utf-8"?>
-<p:sld xmlns:a="http://schemas.openxmlformats.org/drawingml/2006/main" xmlns:r="http://schemas.openxmlformats.org/officeDocument/2006/relationships" xmlns:p="http://schemas.openxmlformats.org/presentationml/2006/main">
-  <p:cSld>
-    <p:spTree>
-      <p:nvGrpSpPr>
-        <p:cNvPr id="1" name=""/>
-        <p:cNvGrpSpPr/>
-        <p:nvPr/>
-      </p:nvGrpSpPr>
-      <p:grpSpPr>
-        <a:xfrm>
-          <a:off x="0" y="0"/>
-          <a:ext cx="0" cy="0"/>
-          <a:chOff x="0" y="0"/>
-          <a:chExt cx="0" cy="0"/>
-        </a:xfrm>
-      </p:grpSpPr>
-      <p:sp>
-        <p:nvSpPr>
-          <p:cNvPr id="4" name="Ellipse 3"/>
-          <p:cNvSpPr/>
-          <p:nvPr/>
-        </p:nvSpPr>
-        <p:spPr>
-          <a:xfrm>
-            <a:off x="6715140" y="1500174"/>
-            <a:ext cx="2428860" cy="500066"/>
-          </a:xfrm>
-          <a:prstGeom prst="ellipse">
-            <a:avLst/>
-          </a:prstGeom>
-          <a:solidFill>
-            <a:schemeClr val="accent2">
-              <a:lumMod val="60000"/>
-              <a:lumOff val="40000"/>
-            </a:schemeClr>
-          </a:solidFill>
-          <a:ln>
-            <a:noFill/>
-          </a:ln>
-        </p:spPr>
-        <p:style>
-          <a:lnRef idx="1">
-            <a:schemeClr val="accent2"/>
-          </a:lnRef>
-          <a:fillRef idx="3">
-            <a:schemeClr val="accent2"/>
-          </a:fillRef>
-          <a:effectRef idx="2">
-            <a:schemeClr val="accent2"/>
-          </a:effectRef>
-          <a:fontRef idx="minor">
-            <a:schemeClr val="lt1"/>
-          </a:fontRef>
-        </p:style>
-        <p:txBody>
-          <a:bodyPr vert="horz" rtlCol="0" anchor="ctr">
-            <a:normAutofit/>
-          </a:bodyPr>
-          <a:lstStyle/>
-          <a:p>
-            <a:pPr indent="-274320" algn="ctr">
-              <a:lnSpc>
-                <a:spcPct val="90000"/>
-              </a:lnSpc>
-              <a:spcBef>
-                <a:spcPct val="20000"/>
-              </a:spcBef>
-              <a:buClr>
-                <a:schemeClr val="accent3"/>
-              </a:buClr>
-              <a:buSzPct val="95000"/>
-            </a:pPr>
-            <a:r>
-              <a:rPr lang="fr-FR" sz="1500" dirty="0" smtClean="0"/>
-              <a:t>Etude de l’existant</a:t>
-            </a:r>
-          </a:p>
-        </p:txBody>
-      </p:sp>
-      <p:sp>
-        <p:nvSpPr>
-          <p:cNvPr id="5" name="Ellipse 4"/>
-          <p:cNvSpPr/>
-          <p:nvPr/>
-        </p:nvSpPr>
-        <p:spPr>
-          <a:xfrm>
-            <a:off x="6786578" y="785794"/>
-            <a:ext cx="2357422" cy="428628"/>
-          </a:xfrm>
-          <a:prstGeom prst="ellipse">
-            <a:avLst/>
-          </a:prstGeom>
-          <a:solidFill>
-            <a:schemeClr val="accent2">
-              <a:lumMod val="60000"/>
-              <a:lumOff val="40000"/>
-            </a:schemeClr>
-          </a:solidFill>
-          <a:ln>
-            <a:noFill/>
-          </a:ln>
-        </p:spPr>
-        <p:style>
-          <a:lnRef idx="1">
-            <a:schemeClr val="accent2"/>
-          </a:lnRef>
-          <a:fillRef idx="3">
-            <a:schemeClr val="accent2"/>
-          </a:fillRef>
-          <a:effectRef idx="2">
-            <a:schemeClr val="accent2"/>
-          </a:effectRef>
-          <a:fontRef idx="minor">
-            <a:schemeClr val="lt1"/>
-          </a:fontRef>
-        </p:style>
-        <p:txBody>
-          <a:bodyPr vert="horz" rtlCol="0" anchor="ctr">
-            <a:normAutofit/>
-          </a:bodyPr>
-          <a:lstStyle/>
-          <a:p>
-            <a:pPr indent="-274320" algn="ctr">
-              <a:lnSpc>
-                <a:spcPct val="90000"/>
-              </a:lnSpc>
-              <a:spcBef>
-                <a:spcPct val="20000"/>
-              </a:spcBef>
-              <a:buClr>
-                <a:schemeClr val="accent3"/>
-              </a:buClr>
-              <a:buSzPct val="95000"/>
-            </a:pPr>
-            <a:r>
-              <a:rPr lang="fr-FR" sz="1500" dirty="0" smtClean="0"/>
-              <a:t>Introduction</a:t>
-            </a:r>
-            <a:endParaRPr lang="fr-FR" sz="1500" dirty="0"/>
-          </a:p>
-        </p:txBody>
-      </p:sp>
-      <p:sp>
-        <p:nvSpPr>
-          <p:cNvPr id="6" name="Ellipse 5"/>
-          <p:cNvSpPr/>
-          <p:nvPr/>
-        </p:nvSpPr>
-        <p:spPr>
-          <a:xfrm>
-            <a:off x="6786578" y="2285992"/>
-            <a:ext cx="2357422" cy="428628"/>
-          </a:xfrm>
-          <a:prstGeom prst="ellipse">
-            <a:avLst/>
-          </a:prstGeom>
-          <a:solidFill>
-            <a:schemeClr val="accent2">
-              <a:lumMod val="60000"/>
-              <a:lumOff val="40000"/>
-            </a:schemeClr>
-          </a:solidFill>
-          <a:ln>
-            <a:noFill/>
-          </a:ln>
-        </p:spPr>
-        <p:style>
-          <a:lnRef idx="1">
-            <a:schemeClr val="accent2"/>
-          </a:lnRef>
-          <a:fillRef idx="3">
-            <a:schemeClr val="accent2"/>
-          </a:fillRef>
-          <a:effectRef idx="2">
-            <a:schemeClr val="accent2"/>
-          </a:effectRef>
-          <a:fontRef idx="minor">
-            <a:schemeClr val="lt1"/>
-          </a:fontRef>
-        </p:style>
-        <p:txBody>
-          <a:bodyPr vert="horz" rtlCol="0" anchor="ctr">
-            <a:normAutofit/>
-          </a:bodyPr>
-          <a:lstStyle/>
-          <a:p>
-            <a:pPr indent="-274320" algn="ctr">
-              <a:lnSpc>
-                <a:spcPct val="90000"/>
-              </a:lnSpc>
-              <a:spcBef>
-                <a:spcPct val="20000"/>
-              </a:spcBef>
-              <a:buClr>
-                <a:schemeClr val="accent3"/>
-              </a:buClr>
-              <a:buSzPct val="95000"/>
-            </a:pPr>
-            <a:r>
-              <a:rPr lang="fr-FR" sz="1500" dirty="0" smtClean="0"/>
-              <a:t>Conception</a:t>
-            </a:r>
-          </a:p>
-        </p:txBody>
-      </p:sp>
-      <p:sp>
-        <p:nvSpPr>
-          <p:cNvPr id="7" name="Ellipse 6"/>
-          <p:cNvSpPr/>
-          <p:nvPr/>
-        </p:nvSpPr>
-        <p:spPr>
-          <a:xfrm>
-            <a:off x="6786578" y="2928934"/>
-            <a:ext cx="2357422" cy="500066"/>
-          </a:xfrm>
-          <a:prstGeom prst="ellipse">
-            <a:avLst/>
-          </a:prstGeom>
-          <a:solidFill>
-            <a:srgbClr val="7030A0"/>
-          </a:solidFill>
-          <a:ln/>
-        </p:spPr>
-        <p:style>
-          <a:lnRef idx="3">
-            <a:schemeClr val="lt1"/>
-          </a:lnRef>
-          <a:fillRef idx="1">
-            <a:schemeClr val="dk1"/>
-          </a:fillRef>
-          <a:effectRef idx="1">
-            <a:schemeClr val="dk1"/>
-          </a:effectRef>
-          <a:fontRef idx="minor">
-            <a:schemeClr val="lt1"/>
-          </a:fontRef>
-        </p:style>
-        <p:txBody>
-          <a:bodyPr rtlCol="0" anchor="ctr"/>
-          <a:lstStyle/>
-          <a:p>
-            <a:pPr algn="ctr"/>
-            <a:r>
-              <a:rPr lang="fr-FR" sz="1600" dirty="0" smtClean="0"/>
-              <a:t>Réalisation</a:t>
-            </a:r>
-            <a:endParaRPr lang="fr-FR" sz="1600" dirty="0"/>
-          </a:p>
-        </p:txBody>
-      </p:sp>
-      <p:sp>
-        <p:nvSpPr>
-          <p:cNvPr id="8" name="Ellipse 7"/>
-          <p:cNvSpPr/>
-          <p:nvPr/>
-        </p:nvSpPr>
-        <p:spPr>
-          <a:xfrm>
-            <a:off x="6786578" y="3714752"/>
-            <a:ext cx="2357422" cy="500066"/>
-          </a:xfrm>
-          <a:prstGeom prst="ellipse">
-            <a:avLst/>
-          </a:prstGeom>
-          <a:solidFill>
-            <a:schemeClr val="accent2">
-              <a:lumMod val="60000"/>
-              <a:lumOff val="40000"/>
-            </a:schemeClr>
-          </a:solidFill>
-          <a:ln>
-            <a:noFill/>
-          </a:ln>
-        </p:spPr>
-        <p:style>
-          <a:lnRef idx="1">
-            <a:schemeClr val="accent2"/>
-          </a:lnRef>
-          <a:fillRef idx="3">
-            <a:schemeClr val="accent2"/>
-          </a:fillRef>
-          <a:effectRef idx="2">
-            <a:schemeClr val="accent2"/>
-          </a:effectRef>
-          <a:fontRef idx="minor">
-            <a:schemeClr val="lt1"/>
-          </a:fontRef>
-        </p:style>
-        <p:txBody>
-          <a:bodyPr vert="horz" rtlCol="0" anchor="ctr">
-            <a:normAutofit/>
-          </a:bodyPr>
-          <a:lstStyle/>
-          <a:p>
-            <a:pPr indent="-274320" algn="ctr">
-              <a:lnSpc>
-                <a:spcPct val="90000"/>
-              </a:lnSpc>
-              <a:spcBef>
-                <a:spcPct val="20000"/>
-              </a:spcBef>
-              <a:buClr>
-                <a:schemeClr val="accent3"/>
-              </a:buClr>
-              <a:buSzPct val="95000"/>
-            </a:pPr>
-            <a:r>
-              <a:rPr lang="fr-FR" sz="1500" dirty="0" smtClean="0"/>
-              <a:t>Conclusion</a:t>
-            </a:r>
-            <a:endParaRPr lang="fr-FR" sz="1500" dirty="0"/>
-          </a:p>
-        </p:txBody>
-      </p:sp>
-      <p:sp>
-        <p:nvSpPr>
-          <p:cNvPr id="11" name="Rectangle à coins arrondis 10"/>
-          <p:cNvSpPr/>
-          <p:nvPr/>
-        </p:nvSpPr>
-        <p:spPr>
-          <a:xfrm>
-            <a:off x="285720" y="214290"/>
-            <a:ext cx="2357454" cy="571504"/>
-          </a:xfrm>
-          <a:prstGeom prst="roundRect">
-            <a:avLst/>
-          </a:prstGeom>
-          <a:solidFill>
-            <a:srgbClr val="7030A0"/>
-          </a:solidFill>
-          <a:ln>
-            <a:solidFill>
-              <a:schemeClr val="bg1"/>
-            </a:solidFill>
-          </a:ln>
-        </p:spPr>
-        <p:style>
-          <a:lnRef idx="2">
-            <a:schemeClr val="accent1">
-              <a:shade val="50000"/>
-            </a:schemeClr>
-          </a:lnRef>
-          <a:fillRef idx="1">
-            <a:schemeClr val="accent1"/>
-          </a:fillRef>
-          <a:effectRef idx="0">
-            <a:schemeClr val="accent1"/>
-          </a:effectRef>
-          <a:fontRef idx="minor">
-            <a:schemeClr val="lt1"/>
-          </a:fontRef>
-        </p:style>
-        <p:txBody>
-          <a:bodyPr rtlCol="0" anchor="ctr"/>
-          <a:lstStyle/>
-          <a:p>
-            <a:pPr algn="ctr"/>
-            <a:r>
-              <a:rPr lang="fr-FR" dirty="0" smtClean="0"/>
-              <a:t>Page  produit</a:t>
-            </a:r>
-          </a:p>
-        </p:txBody>
-      </p:sp>
-      <p:grpSp>
-        <p:nvGrpSpPr>
-          <p:cNvPr id="12" name="Group 3"/>
-          <p:cNvGrpSpPr>
-            <a:grpSpLocks noChangeAspect="1"/>
-          </p:cNvGrpSpPr>
-          <p:nvPr/>
-        </p:nvGrpSpPr>
-        <p:grpSpPr bwMode="auto">
-          <a:xfrm rot="5400000" flipV="1">
-            <a:off x="6734969" y="4448969"/>
-            <a:ext cx="1335088" cy="3482975"/>
-            <a:chOff x="5531" y="1258"/>
-            <a:chExt cx="5291" cy="13813"/>
-          </a:xfrm>
-        </p:grpSpPr>
-        <p:cxnSp>
-          <p:nvCxnSpPr>
-            <p:cNvPr id="13" name="AutoShape 4"/>
-            <p:cNvCxnSpPr>
-              <a:cxnSpLocks noChangeAspect="1" noChangeShapeType="1"/>
-            </p:cNvCxnSpPr>
-            <p:nvPr/>
-          </p:nvCxnSpPr>
-          <p:spPr bwMode="auto">
-            <a:xfrm flipH="1">
-              <a:off x="6519" y="1258"/>
-              <a:ext cx="4303" cy="10040"/>
-            </a:xfrm>
-            <a:prstGeom prst="straightConnector1">
-              <a:avLst/>
-            </a:prstGeom>
-            <a:ln>
-              <a:headEnd/>
-              <a:tailEnd/>
-            </a:ln>
-          </p:spPr>
-          <p:style>
-            <a:lnRef idx="1">
-              <a:schemeClr val="accent3"/>
-            </a:lnRef>
-            <a:fillRef idx="3">
-              <a:schemeClr val="accent3"/>
-            </a:fillRef>
-            <a:effectRef idx="2">
-              <a:schemeClr val="accent3"/>
-            </a:effectRef>
-            <a:fontRef idx="minor">
-              <a:schemeClr val="lt1"/>
-            </a:fontRef>
-          </p:style>
-        </p:cxnSp>
-        <p:grpSp>
-          <p:nvGrpSpPr>
-            <p:cNvPr id="14" name="Group 5"/>
-            <p:cNvGrpSpPr>
-              <a:grpSpLocks noChangeAspect="1"/>
-            </p:cNvGrpSpPr>
-            <p:nvPr/>
-          </p:nvGrpSpPr>
-          <p:grpSpPr bwMode="auto">
-            <a:xfrm>
-              <a:off x="5531" y="9226"/>
-              <a:ext cx="5291" cy="5845"/>
-              <a:chOff x="5531" y="9226"/>
-              <a:chExt cx="5291" cy="5845"/>
-            </a:xfrm>
-          </p:grpSpPr>
-          <p:sp>
-            <p:nvSpPr>
-              <p:cNvPr id="15" name="Freeform 6"/>
-              <p:cNvSpPr>
-                <a:spLocks noChangeAspect="1"/>
-              </p:cNvSpPr>
-              <p:nvPr/>
-            </p:nvSpPr>
-            <p:spPr bwMode="auto">
-              <a:xfrm>
-                <a:off x="5531" y="9226"/>
-                <a:ext cx="5291" cy="5845"/>
-              </a:xfrm>
-              <a:custGeom>
-                <a:avLst/>
-                <a:gdLst/>
-                <a:ahLst/>
-                <a:cxnLst>
-                  <a:cxn ang="0">
-                    <a:pos x="6418" y="1185"/>
-                  </a:cxn>
-                  <a:cxn ang="0">
-                    <a:pos x="6418" y="6670"/>
-                  </a:cxn>
-                  <a:cxn ang="0">
-                    <a:pos x="1809" y="6669"/>
-                  </a:cxn>
-                  <a:cxn ang="0">
-                    <a:pos x="1407" y="1987"/>
-                  </a:cxn>
-                  <a:cxn ang="0">
-                    <a:pos x="6418" y="1185"/>
-                  </a:cxn>
-                </a:cxnLst>
-                <a:rect l="0" t="0" r="r" b="b"/>
-                <a:pathLst>
-                  <a:path w="6418" h="6670">
-                    <a:moveTo>
-                      <a:pt x="6418" y="1185"/>
-                    </a:moveTo>
-                    <a:lnTo>
-                      <a:pt x="6418" y="6670"/>
-                    </a:lnTo>
-                    <a:lnTo>
-                      <a:pt x="1809" y="6669"/>
-                    </a:lnTo>
-                    <a:cubicBezTo>
-                      <a:pt x="974" y="5889"/>
-                      <a:pt x="0" y="3958"/>
-                      <a:pt x="1407" y="1987"/>
-                    </a:cubicBezTo>
-                    <a:cubicBezTo>
-                      <a:pt x="2830" y="0"/>
-                      <a:pt x="5591" y="411"/>
-                      <a:pt x="6418" y="1185"/>
-                    </a:cubicBezTo>
-                    <a:close/>
-                  </a:path>
-                </a:pathLst>
-              </a:custGeom>
-              <a:ln>
-                <a:headEnd/>
-                <a:tailEnd/>
-              </a:ln>
-            </p:spPr>
-            <p:style>
-              <a:lnRef idx="1">
-                <a:schemeClr val="accent3"/>
-              </a:lnRef>
-              <a:fillRef idx="3">
-                <a:schemeClr val="accent3"/>
-              </a:fillRef>
-              <a:effectRef idx="2">
-                <a:schemeClr val="accent3"/>
-              </a:effectRef>
-              <a:fontRef idx="minor">
-                <a:schemeClr val="lt1"/>
-              </a:fontRef>
-            </p:style>
-            <p:txBody>
-              <a:bodyPr vert="horz" wrap="square" lIns="91440" tIns="45720" rIns="91440" bIns="45720" numCol="1" anchor="t" anchorCtr="0" compatLnSpc="1">
-                <a:prstTxWarp prst="textNoShape">
-                  <a:avLst/>
-                </a:prstTxWarp>
-              </a:bodyPr>
-              <a:lstStyle/>
-              <a:p>
-                <a:endParaRPr lang="fr-FR"/>
-              </a:p>
-            </p:txBody>
-          </p:sp>
-          <p:sp>
-            <p:nvSpPr>
-              <p:cNvPr id="16" name="Oval 7"/>
-              <p:cNvSpPr>
-                <a:spLocks noChangeAspect="1" noChangeArrowheads="1"/>
-              </p:cNvSpPr>
-              <p:nvPr/>
-            </p:nvSpPr>
-            <p:spPr bwMode="auto">
-              <a:xfrm rot="5327714" flipV="1">
-                <a:off x="6117" y="10212"/>
-                <a:ext cx="4526" cy="4258"/>
-              </a:xfrm>
-              <a:prstGeom prst="ellipse">
-                <a:avLst/>
-              </a:prstGeom>
-              <a:ln>
-                <a:headEnd/>
-                <a:tailEnd/>
-              </a:ln>
-            </p:spPr>
-            <p:style>
-              <a:lnRef idx="1">
-                <a:schemeClr val="accent3"/>
-              </a:lnRef>
-              <a:fillRef idx="3">
-                <a:schemeClr val="accent3"/>
-              </a:fillRef>
-              <a:effectRef idx="2">
-                <a:schemeClr val="accent3"/>
-              </a:effectRef>
-              <a:fontRef idx="minor">
-                <a:schemeClr val="lt1"/>
-              </a:fontRef>
-            </p:style>
-            <p:txBody>
-              <a:bodyPr vert="horz" wrap="square" lIns="91440" tIns="45720" rIns="91440" bIns="45720" numCol="1" anchor="t" anchorCtr="0" compatLnSpc="1">
-                <a:prstTxWarp prst="textNoShape">
-                  <a:avLst/>
-                </a:prstTxWarp>
-              </a:bodyPr>
-              <a:lstStyle/>
-              <a:p>
-                <a:endParaRPr lang="fr-FR"/>
-              </a:p>
-            </p:txBody>
-          </p:sp>
-          <p:sp>
-            <p:nvSpPr>
-              <p:cNvPr id="17" name="Oval 8"/>
-              <p:cNvSpPr>
-                <a:spLocks noChangeAspect="1" noChangeArrowheads="1"/>
-              </p:cNvSpPr>
-              <p:nvPr/>
-            </p:nvSpPr>
-            <p:spPr bwMode="auto">
-              <a:xfrm rot="5327714" flipV="1">
-                <a:off x="6226" y="10673"/>
-                <a:ext cx="3424" cy="3221"/>
-              </a:xfrm>
-              <a:prstGeom prst="ellipse">
-                <a:avLst/>
-              </a:prstGeom>
-              <a:ln>
-                <a:headEnd/>
-                <a:tailEnd/>
-              </a:ln>
-            </p:spPr>
-            <p:style>
-              <a:lnRef idx="1">
-                <a:schemeClr val="accent3"/>
-              </a:lnRef>
-              <a:fillRef idx="3">
-                <a:schemeClr val="accent3"/>
-              </a:fillRef>
-              <a:effectRef idx="2">
-                <a:schemeClr val="accent3"/>
-              </a:effectRef>
-              <a:fontRef idx="minor">
-                <a:schemeClr val="lt1"/>
-              </a:fontRef>
-            </p:style>
-            <p:txBody>
-              <a:bodyPr vert="horz" wrap="square" lIns="0" tIns="0" rIns="0" bIns="0" numCol="1" anchor="ctr" anchorCtr="0" compatLnSpc="1">
-                <a:prstTxWarp prst="textNoShape">
-                  <a:avLst/>
-                </a:prstTxWarp>
-              </a:bodyPr>
-              <a:lstStyle/>
-              <a:p>
-                <a:pPr marL="0" marR="0" lvl="0" indent="0" algn="ctr" defTabSz="914400" rtl="0" eaLnBrk="1" fontAlgn="base" latinLnBrk="0" hangingPunct="1">
-                  <a:lnSpc>
-                    <a:spcPct val="100000"/>
-                  </a:lnSpc>
-                  <a:spcBef>
-                    <a:spcPct val="0"/>
-                  </a:spcBef>
-                  <a:spcAft>
-                    <a:spcPct val="0"/>
-                  </a:spcAft>
-                  <a:buClrTx/>
-                  <a:buSzTx/>
-                  <a:buFontTx/>
-                  <a:buNone/>
-                  <a:tabLst/>
-                </a:pPr>
-                <a:r>
-                  <a:rPr kumimoji="0" lang="fr-FR" sz="3600" b="1" i="0" u="none" strike="noStrike" cap="none" normalizeH="0" dirty="0" smtClean="0">
-                    <a:ln>
-                      <a:noFill/>
-                    </a:ln>
-                    <a:effectLst/>
-                    <a:latin typeface="Calibri" pitchFamily="34" charset="0"/>
-                    <a:cs typeface="Arial" pitchFamily="34" charset="0"/>
-                  </a:rPr>
-                  <a:t>18</a:t>
-                </a:r>
-                <a:endParaRPr kumimoji="0" lang="fr-FR" sz="6600" b="0" i="0" u="none" strike="noStrike" cap="none" normalizeH="0" dirty="0" smtClean="0">
-                  <a:ln>
-                    <a:noFill/>
-                  </a:ln>
-                  <a:effectLst/>
-                  <a:latin typeface="Arial" pitchFamily="34" charset="0"/>
-                  <a:cs typeface="Arial" pitchFamily="34" charset="0"/>
-                </a:endParaRPr>
-              </a:p>
-            </p:txBody>
-          </p:sp>
-        </p:grpSp>
-      </p:grpSp>
-      <p:sp>
-        <p:nvSpPr>
-          <p:cNvPr id="3" name="Espace réservé de la date 2"/>
-          <p:cNvSpPr>
-            <a:spLocks noGrp="1"/>
-          </p:cNvSpPr>
-          <p:nvPr>
-            <p:ph type="dt" sz="half" idx="10"/>
-          </p:nvPr>
-        </p:nvSpPr>
-        <p:spPr/>
-        <p:txBody>
-          <a:bodyPr/>
-          <a:lstStyle/>
-          <a:p>
-            <a:r>
-              <a:rPr lang="fr-FR" smtClean="0"/>
-              <a:t>03/09/2021</a:t>
-            </a:r>
-            <a:endParaRPr lang="fr-BE"/>
-          </a:p>
-        </p:txBody>
-      </p:sp>
-      <p:pic>
-        <p:nvPicPr>
-          <p:cNvPr id="9" name="Image 8"/>
-          <p:cNvPicPr>
-            <a:picLocks noChangeAspect="1"/>
-          </p:cNvPicPr>
-          <p:nvPr/>
-        </p:nvPicPr>
-        <p:blipFill>
-          <a:blip r:embed="rId3">
-            <a:extLst>
-              <a:ext uri="{28A0092B-C50C-407E-A947-70E740481C1C}">
-                <a14:useLocalDpi xmlns:a14="http://schemas.microsoft.com/office/drawing/2010/main" val="0"/>
-              </a:ext>
-            </a:extLst>
-          </a:blip>
-          <a:stretch>
-            <a:fillRect/>
-          </a:stretch>
-        </p:blipFill>
-        <p:spPr>
-          <a:xfrm>
-            <a:off x="88049" y="1000108"/>
-            <a:ext cx="6470935" cy="5237204"/>
           </a:xfrm>
           <a:prstGeom prst="rect">
             <a:avLst/>
@@ -14796,6 +14237,70 @@
         </p:nvSpPr>
         <p:spPr>
           <a:xfrm>
+            <a:off x="6786578" y="785794"/>
+            <a:ext cx="2357422" cy="428628"/>
+          </a:xfrm>
+          <a:prstGeom prst="ellipse">
+            <a:avLst/>
+          </a:prstGeom>
+          <a:solidFill>
+            <a:schemeClr val="accent2">
+              <a:lumMod val="60000"/>
+              <a:lumOff val="40000"/>
+            </a:schemeClr>
+          </a:solidFill>
+          <a:ln>
+            <a:noFill/>
+          </a:ln>
+        </p:spPr>
+        <p:style>
+          <a:lnRef idx="1">
+            <a:schemeClr val="accent2"/>
+          </a:lnRef>
+          <a:fillRef idx="3">
+            <a:schemeClr val="accent2"/>
+          </a:fillRef>
+          <a:effectRef idx="2">
+            <a:schemeClr val="accent2"/>
+          </a:effectRef>
+          <a:fontRef idx="minor">
+            <a:schemeClr val="lt1"/>
+          </a:fontRef>
+        </p:style>
+        <p:txBody>
+          <a:bodyPr vert="horz" rtlCol="0" anchor="ctr">
+            <a:normAutofit/>
+          </a:bodyPr>
+          <a:lstStyle/>
+          <a:p>
+            <a:pPr indent="-274320" algn="ctr">
+              <a:lnSpc>
+                <a:spcPct val="90000"/>
+              </a:lnSpc>
+              <a:spcBef>
+                <a:spcPct val="20000"/>
+              </a:spcBef>
+              <a:buClr>
+                <a:schemeClr val="accent3"/>
+              </a:buClr>
+              <a:buSzPct val="95000"/>
+            </a:pPr>
+            <a:r>
+              <a:rPr lang="fr-FR" sz="1500" dirty="0" smtClean="0"/>
+              <a:t>Introduction</a:t>
+            </a:r>
+            <a:endParaRPr lang="fr-FR" sz="1500" dirty="0"/>
+          </a:p>
+        </p:txBody>
+      </p:sp>
+      <p:sp>
+        <p:nvSpPr>
+          <p:cNvPr id="5" name="Ellipse 4"/>
+          <p:cNvSpPr/>
+          <p:nvPr/>
+        </p:nvSpPr>
+        <p:spPr>
+          <a:xfrm>
             <a:off x="6715140" y="1500174"/>
             <a:ext cx="2428860" cy="500066"/>
           </a:xfrm>
@@ -14848,70 +14353,6 @@
               <a:rPr lang="fr-FR" sz="1500" dirty="0" smtClean="0"/>
               <a:t>Etude de l’existant</a:t>
             </a:r>
-          </a:p>
-        </p:txBody>
-      </p:sp>
-      <p:sp>
-        <p:nvSpPr>
-          <p:cNvPr id="5" name="Ellipse 4"/>
-          <p:cNvSpPr/>
-          <p:nvPr/>
-        </p:nvSpPr>
-        <p:spPr>
-          <a:xfrm>
-            <a:off x="6786578" y="785794"/>
-            <a:ext cx="2357422" cy="428628"/>
-          </a:xfrm>
-          <a:prstGeom prst="ellipse">
-            <a:avLst/>
-          </a:prstGeom>
-          <a:solidFill>
-            <a:schemeClr val="accent2">
-              <a:lumMod val="60000"/>
-              <a:lumOff val="40000"/>
-            </a:schemeClr>
-          </a:solidFill>
-          <a:ln>
-            <a:noFill/>
-          </a:ln>
-        </p:spPr>
-        <p:style>
-          <a:lnRef idx="1">
-            <a:schemeClr val="accent2"/>
-          </a:lnRef>
-          <a:fillRef idx="3">
-            <a:schemeClr val="accent2"/>
-          </a:fillRef>
-          <a:effectRef idx="2">
-            <a:schemeClr val="accent2"/>
-          </a:effectRef>
-          <a:fontRef idx="minor">
-            <a:schemeClr val="lt1"/>
-          </a:fontRef>
-        </p:style>
-        <p:txBody>
-          <a:bodyPr vert="horz" rtlCol="0" anchor="ctr">
-            <a:normAutofit/>
-          </a:bodyPr>
-          <a:lstStyle/>
-          <a:p>
-            <a:pPr indent="-274320" algn="ctr">
-              <a:lnSpc>
-                <a:spcPct val="90000"/>
-              </a:lnSpc>
-              <a:spcBef>
-                <a:spcPct val="20000"/>
-              </a:spcBef>
-              <a:buClr>
-                <a:schemeClr val="accent3"/>
-              </a:buClr>
-              <a:buSzPct val="95000"/>
-            </a:pPr>
-            <a:r>
-              <a:rPr lang="fr-FR" sz="1500" dirty="0" smtClean="0"/>
-              <a:t>Introduction</a:t>
-            </a:r>
-            <a:endParaRPr lang="fr-FR" sz="1500" dirty="0"/>
           </a:p>
         </p:txBody>
       </p:sp>
@@ -15134,7 +14575,7 @@
             <a:pPr algn="ctr"/>
             <a:r>
               <a:rPr lang="fr-FR" dirty="0" smtClean="0"/>
-              <a:t>Page  contact</a:t>
+              <a:t>Page  inscription</a:t>
             </a:r>
           </a:p>
         </p:txBody>
@@ -15413,6 +14854,1462 @@
                     <a:latin typeface="Calibri" pitchFamily="34" charset="0"/>
                     <a:cs typeface="Arial" pitchFamily="34" charset="0"/>
                   </a:rPr>
+                  <a:t>17</a:t>
+                </a:r>
+                <a:endParaRPr kumimoji="0" lang="fr-FR" sz="6600" b="0" i="0" u="none" strike="noStrike" cap="none" normalizeH="0" dirty="0" smtClean="0">
+                  <a:ln>
+                    <a:noFill/>
+                  </a:ln>
+                  <a:effectLst/>
+                  <a:latin typeface="Arial" pitchFamily="34" charset="0"/>
+                  <a:cs typeface="Arial" pitchFamily="34" charset="0"/>
+                </a:endParaRPr>
+              </a:p>
+            </p:txBody>
+          </p:sp>
+        </p:grpSp>
+      </p:grpSp>
+      <p:sp>
+        <p:nvSpPr>
+          <p:cNvPr id="3" name="Espace réservé de la date 2"/>
+          <p:cNvSpPr>
+            <a:spLocks noGrp="1"/>
+          </p:cNvSpPr>
+          <p:nvPr>
+            <p:ph type="dt" sz="half" idx="10"/>
+          </p:nvPr>
+        </p:nvSpPr>
+        <p:spPr/>
+        <p:txBody>
+          <a:bodyPr/>
+          <a:lstStyle/>
+          <a:p>
+            <a:r>
+              <a:rPr lang="fr-FR" smtClean="0"/>
+              <a:t>03/09/2021</a:t>
+            </a:r>
+            <a:endParaRPr lang="fr-BE"/>
+          </a:p>
+        </p:txBody>
+      </p:sp>
+      <p:pic>
+        <p:nvPicPr>
+          <p:cNvPr id="9" name="Image 8"/>
+          <p:cNvPicPr>
+            <a:picLocks noChangeAspect="1"/>
+          </p:cNvPicPr>
+          <p:nvPr/>
+        </p:nvPicPr>
+        <p:blipFill>
+          <a:blip r:embed="rId2">
+            <a:extLst>
+              <a:ext uri="{28A0092B-C50C-407E-A947-70E740481C1C}">
+                <a14:useLocalDpi xmlns:a14="http://schemas.microsoft.com/office/drawing/2010/main" val="0"/>
+              </a:ext>
+            </a:extLst>
+          </a:blip>
+          <a:stretch>
+            <a:fillRect/>
+          </a:stretch>
+        </p:blipFill>
+        <p:spPr>
+          <a:xfrm>
+            <a:off x="285720" y="923951"/>
+            <a:ext cx="6344702" cy="5357850"/>
+          </a:xfrm>
+          <a:prstGeom prst="rect">
+            <a:avLst/>
+          </a:prstGeom>
+        </p:spPr>
+      </p:pic>
+    </p:spTree>
+  </p:cSld>
+  <p:clrMapOvr>
+    <a:masterClrMapping/>
+  </p:clrMapOvr>
+  <p:transition>
+    <p:dissolve/>
+  </p:transition>
+  <p:timing>
+    <p:tnLst>
+      <p:par>
+        <p:cTn id="1" dur="indefinite" restart="never" nodeType="tmRoot"/>
+      </p:par>
+    </p:tnLst>
+  </p:timing>
+</p:sld>
+</file>
+
+<file path=ppt/slides/slide21.xml><?xml version="1.0" encoding="utf-8"?>
+<p:sld xmlns:a="http://schemas.openxmlformats.org/drawingml/2006/main" xmlns:r="http://schemas.openxmlformats.org/officeDocument/2006/relationships" xmlns:p="http://schemas.openxmlformats.org/presentationml/2006/main">
+  <p:cSld>
+    <p:spTree>
+      <p:nvGrpSpPr>
+        <p:cNvPr id="1" name=""/>
+        <p:cNvGrpSpPr/>
+        <p:nvPr/>
+      </p:nvGrpSpPr>
+      <p:grpSpPr>
+        <a:xfrm>
+          <a:off x="0" y="0"/>
+          <a:ext cx="0" cy="0"/>
+          <a:chOff x="0" y="0"/>
+          <a:chExt cx="0" cy="0"/>
+        </a:xfrm>
+      </p:grpSpPr>
+      <p:sp>
+        <p:nvSpPr>
+          <p:cNvPr id="4" name="Ellipse 3"/>
+          <p:cNvSpPr/>
+          <p:nvPr/>
+        </p:nvSpPr>
+        <p:spPr>
+          <a:xfrm>
+            <a:off x="6715140" y="1500174"/>
+            <a:ext cx="2428860" cy="500066"/>
+          </a:xfrm>
+          <a:prstGeom prst="ellipse">
+            <a:avLst/>
+          </a:prstGeom>
+          <a:solidFill>
+            <a:schemeClr val="accent2">
+              <a:lumMod val="60000"/>
+              <a:lumOff val="40000"/>
+            </a:schemeClr>
+          </a:solidFill>
+          <a:ln>
+            <a:noFill/>
+          </a:ln>
+        </p:spPr>
+        <p:style>
+          <a:lnRef idx="1">
+            <a:schemeClr val="accent2"/>
+          </a:lnRef>
+          <a:fillRef idx="3">
+            <a:schemeClr val="accent2"/>
+          </a:fillRef>
+          <a:effectRef idx="2">
+            <a:schemeClr val="accent2"/>
+          </a:effectRef>
+          <a:fontRef idx="minor">
+            <a:schemeClr val="lt1"/>
+          </a:fontRef>
+        </p:style>
+        <p:txBody>
+          <a:bodyPr vert="horz" rtlCol="0" anchor="ctr">
+            <a:normAutofit/>
+          </a:bodyPr>
+          <a:lstStyle/>
+          <a:p>
+            <a:pPr indent="-274320" algn="ctr">
+              <a:lnSpc>
+                <a:spcPct val="90000"/>
+              </a:lnSpc>
+              <a:spcBef>
+                <a:spcPct val="20000"/>
+              </a:spcBef>
+              <a:buClr>
+                <a:schemeClr val="accent3"/>
+              </a:buClr>
+              <a:buSzPct val="95000"/>
+            </a:pPr>
+            <a:r>
+              <a:rPr lang="fr-FR" sz="1500" dirty="0" smtClean="0"/>
+              <a:t>Etude de l’existant</a:t>
+            </a:r>
+          </a:p>
+        </p:txBody>
+      </p:sp>
+      <p:sp>
+        <p:nvSpPr>
+          <p:cNvPr id="5" name="Ellipse 4"/>
+          <p:cNvSpPr/>
+          <p:nvPr/>
+        </p:nvSpPr>
+        <p:spPr>
+          <a:xfrm>
+            <a:off x="6786578" y="785794"/>
+            <a:ext cx="2357422" cy="428628"/>
+          </a:xfrm>
+          <a:prstGeom prst="ellipse">
+            <a:avLst/>
+          </a:prstGeom>
+          <a:solidFill>
+            <a:schemeClr val="accent2">
+              <a:lumMod val="60000"/>
+              <a:lumOff val="40000"/>
+            </a:schemeClr>
+          </a:solidFill>
+          <a:ln>
+            <a:noFill/>
+          </a:ln>
+        </p:spPr>
+        <p:style>
+          <a:lnRef idx="1">
+            <a:schemeClr val="accent2"/>
+          </a:lnRef>
+          <a:fillRef idx="3">
+            <a:schemeClr val="accent2"/>
+          </a:fillRef>
+          <a:effectRef idx="2">
+            <a:schemeClr val="accent2"/>
+          </a:effectRef>
+          <a:fontRef idx="minor">
+            <a:schemeClr val="lt1"/>
+          </a:fontRef>
+        </p:style>
+        <p:txBody>
+          <a:bodyPr vert="horz" rtlCol="0" anchor="ctr">
+            <a:normAutofit/>
+          </a:bodyPr>
+          <a:lstStyle/>
+          <a:p>
+            <a:pPr indent="-274320" algn="ctr">
+              <a:lnSpc>
+                <a:spcPct val="90000"/>
+              </a:lnSpc>
+              <a:spcBef>
+                <a:spcPct val="20000"/>
+              </a:spcBef>
+              <a:buClr>
+                <a:schemeClr val="accent3"/>
+              </a:buClr>
+              <a:buSzPct val="95000"/>
+            </a:pPr>
+            <a:r>
+              <a:rPr lang="fr-FR" sz="1500" dirty="0" smtClean="0"/>
+              <a:t>Introduction</a:t>
+            </a:r>
+            <a:endParaRPr lang="fr-FR" sz="1500" dirty="0"/>
+          </a:p>
+        </p:txBody>
+      </p:sp>
+      <p:sp>
+        <p:nvSpPr>
+          <p:cNvPr id="6" name="Ellipse 5"/>
+          <p:cNvSpPr/>
+          <p:nvPr/>
+        </p:nvSpPr>
+        <p:spPr>
+          <a:xfrm>
+            <a:off x="6786578" y="2285992"/>
+            <a:ext cx="2357422" cy="428628"/>
+          </a:xfrm>
+          <a:prstGeom prst="ellipse">
+            <a:avLst/>
+          </a:prstGeom>
+          <a:solidFill>
+            <a:schemeClr val="accent2">
+              <a:lumMod val="60000"/>
+              <a:lumOff val="40000"/>
+            </a:schemeClr>
+          </a:solidFill>
+          <a:ln>
+            <a:noFill/>
+          </a:ln>
+        </p:spPr>
+        <p:style>
+          <a:lnRef idx="1">
+            <a:schemeClr val="accent2"/>
+          </a:lnRef>
+          <a:fillRef idx="3">
+            <a:schemeClr val="accent2"/>
+          </a:fillRef>
+          <a:effectRef idx="2">
+            <a:schemeClr val="accent2"/>
+          </a:effectRef>
+          <a:fontRef idx="minor">
+            <a:schemeClr val="lt1"/>
+          </a:fontRef>
+        </p:style>
+        <p:txBody>
+          <a:bodyPr vert="horz" rtlCol="0" anchor="ctr">
+            <a:normAutofit/>
+          </a:bodyPr>
+          <a:lstStyle/>
+          <a:p>
+            <a:pPr indent="-274320" algn="ctr">
+              <a:lnSpc>
+                <a:spcPct val="90000"/>
+              </a:lnSpc>
+              <a:spcBef>
+                <a:spcPct val="20000"/>
+              </a:spcBef>
+              <a:buClr>
+                <a:schemeClr val="accent3"/>
+              </a:buClr>
+              <a:buSzPct val="95000"/>
+            </a:pPr>
+            <a:r>
+              <a:rPr lang="fr-FR" sz="1500" dirty="0" smtClean="0"/>
+              <a:t>Conception</a:t>
+            </a:r>
+          </a:p>
+        </p:txBody>
+      </p:sp>
+      <p:sp>
+        <p:nvSpPr>
+          <p:cNvPr id="7" name="Ellipse 6"/>
+          <p:cNvSpPr/>
+          <p:nvPr/>
+        </p:nvSpPr>
+        <p:spPr>
+          <a:xfrm>
+            <a:off x="6786578" y="2928934"/>
+            <a:ext cx="2357422" cy="500066"/>
+          </a:xfrm>
+          <a:prstGeom prst="ellipse">
+            <a:avLst/>
+          </a:prstGeom>
+          <a:solidFill>
+            <a:srgbClr val="7030A0"/>
+          </a:solidFill>
+          <a:ln/>
+        </p:spPr>
+        <p:style>
+          <a:lnRef idx="3">
+            <a:schemeClr val="lt1"/>
+          </a:lnRef>
+          <a:fillRef idx="1">
+            <a:schemeClr val="dk1"/>
+          </a:fillRef>
+          <a:effectRef idx="1">
+            <a:schemeClr val="dk1"/>
+          </a:effectRef>
+          <a:fontRef idx="minor">
+            <a:schemeClr val="lt1"/>
+          </a:fontRef>
+        </p:style>
+        <p:txBody>
+          <a:bodyPr rtlCol="0" anchor="ctr"/>
+          <a:lstStyle/>
+          <a:p>
+            <a:pPr algn="ctr"/>
+            <a:r>
+              <a:rPr lang="fr-FR" sz="1600" dirty="0" smtClean="0"/>
+              <a:t>Réalisation</a:t>
+            </a:r>
+            <a:endParaRPr lang="fr-FR" sz="1600" dirty="0"/>
+          </a:p>
+        </p:txBody>
+      </p:sp>
+      <p:sp>
+        <p:nvSpPr>
+          <p:cNvPr id="8" name="Ellipse 7"/>
+          <p:cNvSpPr/>
+          <p:nvPr/>
+        </p:nvSpPr>
+        <p:spPr>
+          <a:xfrm>
+            <a:off x="6786578" y="3714752"/>
+            <a:ext cx="2357422" cy="500066"/>
+          </a:xfrm>
+          <a:prstGeom prst="ellipse">
+            <a:avLst/>
+          </a:prstGeom>
+          <a:solidFill>
+            <a:schemeClr val="accent2">
+              <a:lumMod val="60000"/>
+              <a:lumOff val="40000"/>
+            </a:schemeClr>
+          </a:solidFill>
+          <a:ln>
+            <a:noFill/>
+          </a:ln>
+        </p:spPr>
+        <p:style>
+          <a:lnRef idx="1">
+            <a:schemeClr val="accent2"/>
+          </a:lnRef>
+          <a:fillRef idx="3">
+            <a:schemeClr val="accent2"/>
+          </a:fillRef>
+          <a:effectRef idx="2">
+            <a:schemeClr val="accent2"/>
+          </a:effectRef>
+          <a:fontRef idx="minor">
+            <a:schemeClr val="lt1"/>
+          </a:fontRef>
+        </p:style>
+        <p:txBody>
+          <a:bodyPr vert="horz" rtlCol="0" anchor="ctr">
+            <a:normAutofit/>
+          </a:bodyPr>
+          <a:lstStyle/>
+          <a:p>
+            <a:pPr indent="-274320" algn="ctr">
+              <a:lnSpc>
+                <a:spcPct val="90000"/>
+              </a:lnSpc>
+              <a:spcBef>
+                <a:spcPct val="20000"/>
+              </a:spcBef>
+              <a:buClr>
+                <a:schemeClr val="accent3"/>
+              </a:buClr>
+              <a:buSzPct val="95000"/>
+            </a:pPr>
+            <a:r>
+              <a:rPr lang="fr-FR" sz="1500" dirty="0" smtClean="0"/>
+              <a:t>Conclusion</a:t>
+            </a:r>
+            <a:endParaRPr lang="fr-FR" sz="1500" dirty="0"/>
+          </a:p>
+        </p:txBody>
+      </p:sp>
+      <p:sp>
+        <p:nvSpPr>
+          <p:cNvPr id="11" name="Rectangle à coins arrondis 10"/>
+          <p:cNvSpPr/>
+          <p:nvPr/>
+        </p:nvSpPr>
+        <p:spPr>
+          <a:xfrm>
+            <a:off x="285720" y="214290"/>
+            <a:ext cx="2357454" cy="571504"/>
+          </a:xfrm>
+          <a:prstGeom prst="roundRect">
+            <a:avLst/>
+          </a:prstGeom>
+          <a:solidFill>
+            <a:srgbClr val="7030A0"/>
+          </a:solidFill>
+          <a:ln>
+            <a:solidFill>
+              <a:schemeClr val="bg1"/>
+            </a:solidFill>
+          </a:ln>
+        </p:spPr>
+        <p:style>
+          <a:lnRef idx="2">
+            <a:schemeClr val="accent1">
+              <a:shade val="50000"/>
+            </a:schemeClr>
+          </a:lnRef>
+          <a:fillRef idx="1">
+            <a:schemeClr val="accent1"/>
+          </a:fillRef>
+          <a:effectRef idx="0">
+            <a:schemeClr val="accent1"/>
+          </a:effectRef>
+          <a:fontRef idx="minor">
+            <a:schemeClr val="lt1"/>
+          </a:fontRef>
+        </p:style>
+        <p:txBody>
+          <a:bodyPr rtlCol="0" anchor="ctr"/>
+          <a:lstStyle/>
+          <a:p>
+            <a:pPr algn="ctr"/>
+            <a:r>
+              <a:rPr lang="fr-FR" dirty="0" smtClean="0"/>
+              <a:t>Page  produit</a:t>
+            </a:r>
+          </a:p>
+        </p:txBody>
+      </p:sp>
+      <p:grpSp>
+        <p:nvGrpSpPr>
+          <p:cNvPr id="12" name="Group 3"/>
+          <p:cNvGrpSpPr>
+            <a:grpSpLocks noChangeAspect="1"/>
+          </p:cNvGrpSpPr>
+          <p:nvPr/>
+        </p:nvGrpSpPr>
+        <p:grpSpPr bwMode="auto">
+          <a:xfrm rot="5400000" flipV="1">
+            <a:off x="6734969" y="4448969"/>
+            <a:ext cx="1335088" cy="3482975"/>
+            <a:chOff x="5531" y="1258"/>
+            <a:chExt cx="5291" cy="13813"/>
+          </a:xfrm>
+        </p:grpSpPr>
+        <p:cxnSp>
+          <p:nvCxnSpPr>
+            <p:cNvPr id="13" name="AutoShape 4"/>
+            <p:cNvCxnSpPr>
+              <a:cxnSpLocks noChangeAspect="1" noChangeShapeType="1"/>
+            </p:cNvCxnSpPr>
+            <p:nvPr/>
+          </p:nvCxnSpPr>
+          <p:spPr bwMode="auto">
+            <a:xfrm flipH="1">
+              <a:off x="6519" y="1258"/>
+              <a:ext cx="4303" cy="10040"/>
+            </a:xfrm>
+            <a:prstGeom prst="straightConnector1">
+              <a:avLst/>
+            </a:prstGeom>
+            <a:ln>
+              <a:headEnd/>
+              <a:tailEnd/>
+            </a:ln>
+          </p:spPr>
+          <p:style>
+            <a:lnRef idx="1">
+              <a:schemeClr val="accent3"/>
+            </a:lnRef>
+            <a:fillRef idx="3">
+              <a:schemeClr val="accent3"/>
+            </a:fillRef>
+            <a:effectRef idx="2">
+              <a:schemeClr val="accent3"/>
+            </a:effectRef>
+            <a:fontRef idx="minor">
+              <a:schemeClr val="lt1"/>
+            </a:fontRef>
+          </p:style>
+        </p:cxnSp>
+        <p:grpSp>
+          <p:nvGrpSpPr>
+            <p:cNvPr id="14" name="Group 5"/>
+            <p:cNvGrpSpPr>
+              <a:grpSpLocks noChangeAspect="1"/>
+            </p:cNvGrpSpPr>
+            <p:nvPr/>
+          </p:nvGrpSpPr>
+          <p:grpSpPr bwMode="auto">
+            <a:xfrm>
+              <a:off x="5531" y="9226"/>
+              <a:ext cx="5291" cy="5845"/>
+              <a:chOff x="5531" y="9226"/>
+              <a:chExt cx="5291" cy="5845"/>
+            </a:xfrm>
+          </p:grpSpPr>
+          <p:sp>
+            <p:nvSpPr>
+              <p:cNvPr id="15" name="Freeform 6"/>
+              <p:cNvSpPr>
+                <a:spLocks noChangeAspect="1"/>
+              </p:cNvSpPr>
+              <p:nvPr/>
+            </p:nvSpPr>
+            <p:spPr bwMode="auto">
+              <a:xfrm>
+                <a:off x="5531" y="9226"/>
+                <a:ext cx="5291" cy="5845"/>
+              </a:xfrm>
+              <a:custGeom>
+                <a:avLst/>
+                <a:gdLst/>
+                <a:ahLst/>
+                <a:cxnLst>
+                  <a:cxn ang="0">
+                    <a:pos x="6418" y="1185"/>
+                  </a:cxn>
+                  <a:cxn ang="0">
+                    <a:pos x="6418" y="6670"/>
+                  </a:cxn>
+                  <a:cxn ang="0">
+                    <a:pos x="1809" y="6669"/>
+                  </a:cxn>
+                  <a:cxn ang="0">
+                    <a:pos x="1407" y="1987"/>
+                  </a:cxn>
+                  <a:cxn ang="0">
+                    <a:pos x="6418" y="1185"/>
+                  </a:cxn>
+                </a:cxnLst>
+                <a:rect l="0" t="0" r="r" b="b"/>
+                <a:pathLst>
+                  <a:path w="6418" h="6670">
+                    <a:moveTo>
+                      <a:pt x="6418" y="1185"/>
+                    </a:moveTo>
+                    <a:lnTo>
+                      <a:pt x="6418" y="6670"/>
+                    </a:lnTo>
+                    <a:lnTo>
+                      <a:pt x="1809" y="6669"/>
+                    </a:lnTo>
+                    <a:cubicBezTo>
+                      <a:pt x="974" y="5889"/>
+                      <a:pt x="0" y="3958"/>
+                      <a:pt x="1407" y="1987"/>
+                    </a:cubicBezTo>
+                    <a:cubicBezTo>
+                      <a:pt x="2830" y="0"/>
+                      <a:pt x="5591" y="411"/>
+                      <a:pt x="6418" y="1185"/>
+                    </a:cubicBezTo>
+                    <a:close/>
+                  </a:path>
+                </a:pathLst>
+              </a:custGeom>
+              <a:ln>
+                <a:headEnd/>
+                <a:tailEnd/>
+              </a:ln>
+            </p:spPr>
+            <p:style>
+              <a:lnRef idx="1">
+                <a:schemeClr val="accent3"/>
+              </a:lnRef>
+              <a:fillRef idx="3">
+                <a:schemeClr val="accent3"/>
+              </a:fillRef>
+              <a:effectRef idx="2">
+                <a:schemeClr val="accent3"/>
+              </a:effectRef>
+              <a:fontRef idx="minor">
+                <a:schemeClr val="lt1"/>
+              </a:fontRef>
+            </p:style>
+            <p:txBody>
+              <a:bodyPr vert="horz" wrap="square" lIns="91440" tIns="45720" rIns="91440" bIns="45720" numCol="1" anchor="t" anchorCtr="0" compatLnSpc="1">
+                <a:prstTxWarp prst="textNoShape">
+                  <a:avLst/>
+                </a:prstTxWarp>
+              </a:bodyPr>
+              <a:lstStyle/>
+              <a:p>
+                <a:endParaRPr lang="fr-FR"/>
+              </a:p>
+            </p:txBody>
+          </p:sp>
+          <p:sp>
+            <p:nvSpPr>
+              <p:cNvPr id="16" name="Oval 7"/>
+              <p:cNvSpPr>
+                <a:spLocks noChangeAspect="1" noChangeArrowheads="1"/>
+              </p:cNvSpPr>
+              <p:nvPr/>
+            </p:nvSpPr>
+            <p:spPr bwMode="auto">
+              <a:xfrm rot="5327714" flipV="1">
+                <a:off x="6117" y="10212"/>
+                <a:ext cx="4526" cy="4258"/>
+              </a:xfrm>
+              <a:prstGeom prst="ellipse">
+                <a:avLst/>
+              </a:prstGeom>
+              <a:ln>
+                <a:headEnd/>
+                <a:tailEnd/>
+              </a:ln>
+            </p:spPr>
+            <p:style>
+              <a:lnRef idx="1">
+                <a:schemeClr val="accent3"/>
+              </a:lnRef>
+              <a:fillRef idx="3">
+                <a:schemeClr val="accent3"/>
+              </a:fillRef>
+              <a:effectRef idx="2">
+                <a:schemeClr val="accent3"/>
+              </a:effectRef>
+              <a:fontRef idx="minor">
+                <a:schemeClr val="lt1"/>
+              </a:fontRef>
+            </p:style>
+            <p:txBody>
+              <a:bodyPr vert="horz" wrap="square" lIns="91440" tIns="45720" rIns="91440" bIns="45720" numCol="1" anchor="t" anchorCtr="0" compatLnSpc="1">
+                <a:prstTxWarp prst="textNoShape">
+                  <a:avLst/>
+                </a:prstTxWarp>
+              </a:bodyPr>
+              <a:lstStyle/>
+              <a:p>
+                <a:endParaRPr lang="fr-FR"/>
+              </a:p>
+            </p:txBody>
+          </p:sp>
+          <p:sp>
+            <p:nvSpPr>
+              <p:cNvPr id="17" name="Oval 8"/>
+              <p:cNvSpPr>
+                <a:spLocks noChangeAspect="1" noChangeArrowheads="1"/>
+              </p:cNvSpPr>
+              <p:nvPr/>
+            </p:nvSpPr>
+            <p:spPr bwMode="auto">
+              <a:xfrm rot="5327714" flipV="1">
+                <a:off x="6226" y="10673"/>
+                <a:ext cx="3424" cy="3221"/>
+              </a:xfrm>
+              <a:prstGeom prst="ellipse">
+                <a:avLst/>
+              </a:prstGeom>
+              <a:ln>
+                <a:headEnd/>
+                <a:tailEnd/>
+              </a:ln>
+            </p:spPr>
+            <p:style>
+              <a:lnRef idx="1">
+                <a:schemeClr val="accent3"/>
+              </a:lnRef>
+              <a:fillRef idx="3">
+                <a:schemeClr val="accent3"/>
+              </a:fillRef>
+              <a:effectRef idx="2">
+                <a:schemeClr val="accent3"/>
+              </a:effectRef>
+              <a:fontRef idx="minor">
+                <a:schemeClr val="lt1"/>
+              </a:fontRef>
+            </p:style>
+            <p:txBody>
+              <a:bodyPr vert="horz" wrap="square" lIns="0" tIns="0" rIns="0" bIns="0" numCol="1" anchor="ctr" anchorCtr="0" compatLnSpc="1">
+                <a:prstTxWarp prst="textNoShape">
+                  <a:avLst/>
+                </a:prstTxWarp>
+              </a:bodyPr>
+              <a:lstStyle/>
+              <a:p>
+                <a:pPr marL="0" marR="0" lvl="0" indent="0" algn="ctr" defTabSz="914400" rtl="0" eaLnBrk="1" fontAlgn="base" latinLnBrk="0" hangingPunct="1">
+                  <a:lnSpc>
+                    <a:spcPct val="100000"/>
+                  </a:lnSpc>
+                  <a:spcBef>
+                    <a:spcPct val="0"/>
+                  </a:spcBef>
+                  <a:spcAft>
+                    <a:spcPct val="0"/>
+                  </a:spcAft>
+                  <a:buClrTx/>
+                  <a:buSzTx/>
+                  <a:buFontTx/>
+                  <a:buNone/>
+                  <a:tabLst/>
+                </a:pPr>
+                <a:r>
+                  <a:rPr kumimoji="0" lang="fr-FR" sz="3600" b="1" i="0" u="none" strike="noStrike" cap="none" normalizeH="0" dirty="0" smtClean="0">
+                    <a:ln>
+                      <a:noFill/>
+                    </a:ln>
+                    <a:effectLst/>
+                    <a:latin typeface="Calibri" pitchFamily="34" charset="0"/>
+                    <a:cs typeface="Arial" pitchFamily="34" charset="0"/>
+                  </a:rPr>
+                  <a:t>18</a:t>
+                </a:r>
+                <a:endParaRPr kumimoji="0" lang="fr-FR" sz="6600" b="0" i="0" u="none" strike="noStrike" cap="none" normalizeH="0" dirty="0" smtClean="0">
+                  <a:ln>
+                    <a:noFill/>
+                  </a:ln>
+                  <a:effectLst/>
+                  <a:latin typeface="Arial" pitchFamily="34" charset="0"/>
+                  <a:cs typeface="Arial" pitchFamily="34" charset="0"/>
+                </a:endParaRPr>
+              </a:p>
+            </p:txBody>
+          </p:sp>
+        </p:grpSp>
+      </p:grpSp>
+      <p:sp>
+        <p:nvSpPr>
+          <p:cNvPr id="3" name="Espace réservé de la date 2"/>
+          <p:cNvSpPr>
+            <a:spLocks noGrp="1"/>
+          </p:cNvSpPr>
+          <p:nvPr>
+            <p:ph type="dt" sz="half" idx="10"/>
+          </p:nvPr>
+        </p:nvSpPr>
+        <p:spPr/>
+        <p:txBody>
+          <a:bodyPr/>
+          <a:lstStyle/>
+          <a:p>
+            <a:r>
+              <a:rPr lang="fr-FR" smtClean="0"/>
+              <a:t>03/09/2021</a:t>
+            </a:r>
+            <a:endParaRPr lang="fr-BE"/>
+          </a:p>
+        </p:txBody>
+      </p:sp>
+      <p:pic>
+        <p:nvPicPr>
+          <p:cNvPr id="9" name="Image 8"/>
+          <p:cNvPicPr>
+            <a:picLocks noChangeAspect="1"/>
+          </p:cNvPicPr>
+          <p:nvPr/>
+        </p:nvPicPr>
+        <p:blipFill>
+          <a:blip r:embed="rId3">
+            <a:extLst>
+              <a:ext uri="{28A0092B-C50C-407E-A947-70E740481C1C}">
+                <a14:useLocalDpi xmlns:a14="http://schemas.microsoft.com/office/drawing/2010/main" val="0"/>
+              </a:ext>
+            </a:extLst>
+          </a:blip>
+          <a:stretch>
+            <a:fillRect/>
+          </a:stretch>
+        </p:blipFill>
+        <p:spPr>
+          <a:xfrm>
+            <a:off x="88049" y="1000108"/>
+            <a:ext cx="6470935" cy="5237204"/>
+          </a:xfrm>
+          <a:prstGeom prst="rect">
+            <a:avLst/>
+          </a:prstGeom>
+        </p:spPr>
+      </p:pic>
+    </p:spTree>
+  </p:cSld>
+  <p:clrMapOvr>
+    <a:masterClrMapping/>
+  </p:clrMapOvr>
+  <p:transition>
+    <p:dissolve/>
+  </p:transition>
+  <p:timing>
+    <p:tnLst>
+      <p:par>
+        <p:cTn id="1" dur="indefinite" restart="never" nodeType="tmRoot"/>
+      </p:par>
+    </p:tnLst>
+  </p:timing>
+</p:sld>
+</file>
+
+<file path=ppt/slides/slide22.xml><?xml version="1.0" encoding="utf-8"?>
+<p:sld xmlns:a="http://schemas.openxmlformats.org/drawingml/2006/main" xmlns:r="http://schemas.openxmlformats.org/officeDocument/2006/relationships" xmlns:p="http://schemas.openxmlformats.org/presentationml/2006/main">
+  <p:cSld>
+    <p:spTree>
+      <p:nvGrpSpPr>
+        <p:cNvPr id="1" name=""/>
+        <p:cNvGrpSpPr/>
+        <p:nvPr/>
+      </p:nvGrpSpPr>
+      <p:grpSpPr>
+        <a:xfrm>
+          <a:off x="0" y="0"/>
+          <a:ext cx="0" cy="0"/>
+          <a:chOff x="0" y="0"/>
+          <a:chExt cx="0" cy="0"/>
+        </a:xfrm>
+      </p:grpSpPr>
+      <p:sp>
+        <p:nvSpPr>
+          <p:cNvPr id="4" name="Ellipse 3"/>
+          <p:cNvSpPr/>
+          <p:nvPr/>
+        </p:nvSpPr>
+        <p:spPr>
+          <a:xfrm>
+            <a:off x="6715140" y="1500174"/>
+            <a:ext cx="2428860" cy="500066"/>
+          </a:xfrm>
+          <a:prstGeom prst="ellipse">
+            <a:avLst/>
+          </a:prstGeom>
+          <a:solidFill>
+            <a:schemeClr val="accent2">
+              <a:lumMod val="60000"/>
+              <a:lumOff val="40000"/>
+            </a:schemeClr>
+          </a:solidFill>
+          <a:ln>
+            <a:noFill/>
+          </a:ln>
+        </p:spPr>
+        <p:style>
+          <a:lnRef idx="1">
+            <a:schemeClr val="accent2"/>
+          </a:lnRef>
+          <a:fillRef idx="3">
+            <a:schemeClr val="accent2"/>
+          </a:fillRef>
+          <a:effectRef idx="2">
+            <a:schemeClr val="accent2"/>
+          </a:effectRef>
+          <a:fontRef idx="minor">
+            <a:schemeClr val="lt1"/>
+          </a:fontRef>
+        </p:style>
+        <p:txBody>
+          <a:bodyPr vert="horz" rtlCol="0" anchor="ctr">
+            <a:normAutofit/>
+          </a:bodyPr>
+          <a:lstStyle/>
+          <a:p>
+            <a:pPr indent="-274320" algn="ctr">
+              <a:lnSpc>
+                <a:spcPct val="90000"/>
+              </a:lnSpc>
+              <a:spcBef>
+                <a:spcPct val="20000"/>
+              </a:spcBef>
+              <a:buClr>
+                <a:schemeClr val="accent3"/>
+              </a:buClr>
+              <a:buSzPct val="95000"/>
+            </a:pPr>
+            <a:r>
+              <a:rPr lang="fr-FR" sz="1500" dirty="0" smtClean="0"/>
+              <a:t>Etude de l’existant</a:t>
+            </a:r>
+          </a:p>
+        </p:txBody>
+      </p:sp>
+      <p:sp>
+        <p:nvSpPr>
+          <p:cNvPr id="5" name="Ellipse 4"/>
+          <p:cNvSpPr/>
+          <p:nvPr/>
+        </p:nvSpPr>
+        <p:spPr>
+          <a:xfrm>
+            <a:off x="6786578" y="785794"/>
+            <a:ext cx="2357422" cy="428628"/>
+          </a:xfrm>
+          <a:prstGeom prst="ellipse">
+            <a:avLst/>
+          </a:prstGeom>
+          <a:solidFill>
+            <a:schemeClr val="accent2">
+              <a:lumMod val="60000"/>
+              <a:lumOff val="40000"/>
+            </a:schemeClr>
+          </a:solidFill>
+          <a:ln>
+            <a:noFill/>
+          </a:ln>
+        </p:spPr>
+        <p:style>
+          <a:lnRef idx="1">
+            <a:schemeClr val="accent2"/>
+          </a:lnRef>
+          <a:fillRef idx="3">
+            <a:schemeClr val="accent2"/>
+          </a:fillRef>
+          <a:effectRef idx="2">
+            <a:schemeClr val="accent2"/>
+          </a:effectRef>
+          <a:fontRef idx="minor">
+            <a:schemeClr val="lt1"/>
+          </a:fontRef>
+        </p:style>
+        <p:txBody>
+          <a:bodyPr vert="horz" rtlCol="0" anchor="ctr">
+            <a:normAutofit/>
+          </a:bodyPr>
+          <a:lstStyle/>
+          <a:p>
+            <a:pPr indent="-274320" algn="ctr">
+              <a:lnSpc>
+                <a:spcPct val="90000"/>
+              </a:lnSpc>
+              <a:spcBef>
+                <a:spcPct val="20000"/>
+              </a:spcBef>
+              <a:buClr>
+                <a:schemeClr val="accent3"/>
+              </a:buClr>
+              <a:buSzPct val="95000"/>
+            </a:pPr>
+            <a:r>
+              <a:rPr lang="fr-FR" sz="1500" dirty="0" smtClean="0"/>
+              <a:t>Introduction</a:t>
+            </a:r>
+            <a:endParaRPr lang="fr-FR" sz="1500" dirty="0"/>
+          </a:p>
+        </p:txBody>
+      </p:sp>
+      <p:sp>
+        <p:nvSpPr>
+          <p:cNvPr id="6" name="Ellipse 5"/>
+          <p:cNvSpPr/>
+          <p:nvPr/>
+        </p:nvSpPr>
+        <p:spPr>
+          <a:xfrm>
+            <a:off x="6786578" y="2285992"/>
+            <a:ext cx="2357422" cy="428628"/>
+          </a:xfrm>
+          <a:prstGeom prst="ellipse">
+            <a:avLst/>
+          </a:prstGeom>
+          <a:solidFill>
+            <a:schemeClr val="accent2">
+              <a:lumMod val="60000"/>
+              <a:lumOff val="40000"/>
+            </a:schemeClr>
+          </a:solidFill>
+          <a:ln>
+            <a:noFill/>
+          </a:ln>
+        </p:spPr>
+        <p:style>
+          <a:lnRef idx="1">
+            <a:schemeClr val="accent2"/>
+          </a:lnRef>
+          <a:fillRef idx="3">
+            <a:schemeClr val="accent2"/>
+          </a:fillRef>
+          <a:effectRef idx="2">
+            <a:schemeClr val="accent2"/>
+          </a:effectRef>
+          <a:fontRef idx="minor">
+            <a:schemeClr val="lt1"/>
+          </a:fontRef>
+        </p:style>
+        <p:txBody>
+          <a:bodyPr vert="horz" rtlCol="0" anchor="ctr">
+            <a:normAutofit/>
+          </a:bodyPr>
+          <a:lstStyle/>
+          <a:p>
+            <a:pPr indent="-274320" algn="ctr">
+              <a:lnSpc>
+                <a:spcPct val="90000"/>
+              </a:lnSpc>
+              <a:spcBef>
+                <a:spcPct val="20000"/>
+              </a:spcBef>
+              <a:buClr>
+                <a:schemeClr val="accent3"/>
+              </a:buClr>
+              <a:buSzPct val="95000"/>
+            </a:pPr>
+            <a:r>
+              <a:rPr lang="fr-FR" sz="1500" dirty="0" smtClean="0"/>
+              <a:t>Conception</a:t>
+            </a:r>
+          </a:p>
+        </p:txBody>
+      </p:sp>
+      <p:sp>
+        <p:nvSpPr>
+          <p:cNvPr id="7" name="Ellipse 6"/>
+          <p:cNvSpPr/>
+          <p:nvPr/>
+        </p:nvSpPr>
+        <p:spPr>
+          <a:xfrm>
+            <a:off x="6786578" y="2928934"/>
+            <a:ext cx="2357422" cy="500066"/>
+          </a:xfrm>
+          <a:prstGeom prst="ellipse">
+            <a:avLst/>
+          </a:prstGeom>
+          <a:solidFill>
+            <a:srgbClr val="7030A0"/>
+          </a:solidFill>
+          <a:ln/>
+        </p:spPr>
+        <p:style>
+          <a:lnRef idx="3">
+            <a:schemeClr val="lt1"/>
+          </a:lnRef>
+          <a:fillRef idx="1">
+            <a:schemeClr val="dk1"/>
+          </a:fillRef>
+          <a:effectRef idx="1">
+            <a:schemeClr val="dk1"/>
+          </a:effectRef>
+          <a:fontRef idx="minor">
+            <a:schemeClr val="lt1"/>
+          </a:fontRef>
+        </p:style>
+        <p:txBody>
+          <a:bodyPr rtlCol="0" anchor="ctr"/>
+          <a:lstStyle/>
+          <a:p>
+            <a:pPr algn="ctr"/>
+            <a:r>
+              <a:rPr lang="fr-FR" sz="1600" dirty="0" smtClean="0"/>
+              <a:t>Réalisation</a:t>
+            </a:r>
+            <a:endParaRPr lang="fr-FR" sz="1600" dirty="0"/>
+          </a:p>
+        </p:txBody>
+      </p:sp>
+      <p:sp>
+        <p:nvSpPr>
+          <p:cNvPr id="8" name="Ellipse 7"/>
+          <p:cNvSpPr/>
+          <p:nvPr/>
+        </p:nvSpPr>
+        <p:spPr>
+          <a:xfrm>
+            <a:off x="6786578" y="3714752"/>
+            <a:ext cx="2357422" cy="500066"/>
+          </a:xfrm>
+          <a:prstGeom prst="ellipse">
+            <a:avLst/>
+          </a:prstGeom>
+          <a:solidFill>
+            <a:schemeClr val="accent2">
+              <a:lumMod val="60000"/>
+              <a:lumOff val="40000"/>
+            </a:schemeClr>
+          </a:solidFill>
+          <a:ln>
+            <a:noFill/>
+          </a:ln>
+        </p:spPr>
+        <p:style>
+          <a:lnRef idx="1">
+            <a:schemeClr val="accent2"/>
+          </a:lnRef>
+          <a:fillRef idx="3">
+            <a:schemeClr val="accent2"/>
+          </a:fillRef>
+          <a:effectRef idx="2">
+            <a:schemeClr val="accent2"/>
+          </a:effectRef>
+          <a:fontRef idx="minor">
+            <a:schemeClr val="lt1"/>
+          </a:fontRef>
+        </p:style>
+        <p:txBody>
+          <a:bodyPr vert="horz" rtlCol="0" anchor="ctr">
+            <a:normAutofit/>
+          </a:bodyPr>
+          <a:lstStyle/>
+          <a:p>
+            <a:pPr indent="-274320" algn="ctr">
+              <a:lnSpc>
+                <a:spcPct val="90000"/>
+              </a:lnSpc>
+              <a:spcBef>
+                <a:spcPct val="20000"/>
+              </a:spcBef>
+              <a:buClr>
+                <a:schemeClr val="accent3"/>
+              </a:buClr>
+              <a:buSzPct val="95000"/>
+            </a:pPr>
+            <a:r>
+              <a:rPr lang="fr-FR" sz="1500" dirty="0" smtClean="0"/>
+              <a:t>Conclusion</a:t>
+            </a:r>
+            <a:endParaRPr lang="fr-FR" sz="1500" dirty="0"/>
+          </a:p>
+        </p:txBody>
+      </p:sp>
+      <p:sp>
+        <p:nvSpPr>
+          <p:cNvPr id="11" name="Rectangle à coins arrondis 10"/>
+          <p:cNvSpPr/>
+          <p:nvPr/>
+        </p:nvSpPr>
+        <p:spPr>
+          <a:xfrm>
+            <a:off x="285720" y="214290"/>
+            <a:ext cx="2357454" cy="571504"/>
+          </a:xfrm>
+          <a:prstGeom prst="roundRect">
+            <a:avLst/>
+          </a:prstGeom>
+          <a:solidFill>
+            <a:srgbClr val="7030A0"/>
+          </a:solidFill>
+          <a:ln>
+            <a:solidFill>
+              <a:schemeClr val="bg1"/>
+            </a:solidFill>
+          </a:ln>
+        </p:spPr>
+        <p:style>
+          <a:lnRef idx="2">
+            <a:schemeClr val="accent1">
+              <a:shade val="50000"/>
+            </a:schemeClr>
+          </a:lnRef>
+          <a:fillRef idx="1">
+            <a:schemeClr val="accent1"/>
+          </a:fillRef>
+          <a:effectRef idx="0">
+            <a:schemeClr val="accent1"/>
+          </a:effectRef>
+          <a:fontRef idx="minor">
+            <a:schemeClr val="lt1"/>
+          </a:fontRef>
+        </p:style>
+        <p:txBody>
+          <a:bodyPr rtlCol="0" anchor="ctr"/>
+          <a:lstStyle/>
+          <a:p>
+            <a:pPr algn="ctr"/>
+            <a:r>
+              <a:rPr lang="fr-FR" dirty="0" smtClean="0"/>
+              <a:t>Page  contact</a:t>
+            </a:r>
+          </a:p>
+        </p:txBody>
+      </p:sp>
+      <p:grpSp>
+        <p:nvGrpSpPr>
+          <p:cNvPr id="12" name="Group 3"/>
+          <p:cNvGrpSpPr>
+            <a:grpSpLocks noChangeAspect="1"/>
+          </p:cNvGrpSpPr>
+          <p:nvPr/>
+        </p:nvGrpSpPr>
+        <p:grpSpPr bwMode="auto">
+          <a:xfrm rot="5400000" flipV="1">
+            <a:off x="6734969" y="4448969"/>
+            <a:ext cx="1335088" cy="3482975"/>
+            <a:chOff x="5531" y="1258"/>
+            <a:chExt cx="5291" cy="13813"/>
+          </a:xfrm>
+        </p:grpSpPr>
+        <p:cxnSp>
+          <p:nvCxnSpPr>
+            <p:cNvPr id="13" name="AutoShape 4"/>
+            <p:cNvCxnSpPr>
+              <a:cxnSpLocks noChangeAspect="1" noChangeShapeType="1"/>
+            </p:cNvCxnSpPr>
+            <p:nvPr/>
+          </p:nvCxnSpPr>
+          <p:spPr bwMode="auto">
+            <a:xfrm flipH="1">
+              <a:off x="6519" y="1258"/>
+              <a:ext cx="4303" cy="10040"/>
+            </a:xfrm>
+            <a:prstGeom prst="straightConnector1">
+              <a:avLst/>
+            </a:prstGeom>
+            <a:ln>
+              <a:headEnd/>
+              <a:tailEnd/>
+            </a:ln>
+          </p:spPr>
+          <p:style>
+            <a:lnRef idx="1">
+              <a:schemeClr val="accent3"/>
+            </a:lnRef>
+            <a:fillRef idx="3">
+              <a:schemeClr val="accent3"/>
+            </a:fillRef>
+            <a:effectRef idx="2">
+              <a:schemeClr val="accent3"/>
+            </a:effectRef>
+            <a:fontRef idx="minor">
+              <a:schemeClr val="lt1"/>
+            </a:fontRef>
+          </p:style>
+        </p:cxnSp>
+        <p:grpSp>
+          <p:nvGrpSpPr>
+            <p:cNvPr id="14" name="Group 5"/>
+            <p:cNvGrpSpPr>
+              <a:grpSpLocks noChangeAspect="1"/>
+            </p:cNvGrpSpPr>
+            <p:nvPr/>
+          </p:nvGrpSpPr>
+          <p:grpSpPr bwMode="auto">
+            <a:xfrm>
+              <a:off x="5531" y="9226"/>
+              <a:ext cx="5291" cy="5845"/>
+              <a:chOff x="5531" y="9226"/>
+              <a:chExt cx="5291" cy="5845"/>
+            </a:xfrm>
+          </p:grpSpPr>
+          <p:sp>
+            <p:nvSpPr>
+              <p:cNvPr id="15" name="Freeform 6"/>
+              <p:cNvSpPr>
+                <a:spLocks noChangeAspect="1"/>
+              </p:cNvSpPr>
+              <p:nvPr/>
+            </p:nvSpPr>
+            <p:spPr bwMode="auto">
+              <a:xfrm>
+                <a:off x="5531" y="9226"/>
+                <a:ext cx="5291" cy="5845"/>
+              </a:xfrm>
+              <a:custGeom>
+                <a:avLst/>
+                <a:gdLst/>
+                <a:ahLst/>
+                <a:cxnLst>
+                  <a:cxn ang="0">
+                    <a:pos x="6418" y="1185"/>
+                  </a:cxn>
+                  <a:cxn ang="0">
+                    <a:pos x="6418" y="6670"/>
+                  </a:cxn>
+                  <a:cxn ang="0">
+                    <a:pos x="1809" y="6669"/>
+                  </a:cxn>
+                  <a:cxn ang="0">
+                    <a:pos x="1407" y="1987"/>
+                  </a:cxn>
+                  <a:cxn ang="0">
+                    <a:pos x="6418" y="1185"/>
+                  </a:cxn>
+                </a:cxnLst>
+                <a:rect l="0" t="0" r="r" b="b"/>
+                <a:pathLst>
+                  <a:path w="6418" h="6670">
+                    <a:moveTo>
+                      <a:pt x="6418" y="1185"/>
+                    </a:moveTo>
+                    <a:lnTo>
+                      <a:pt x="6418" y="6670"/>
+                    </a:lnTo>
+                    <a:lnTo>
+                      <a:pt x="1809" y="6669"/>
+                    </a:lnTo>
+                    <a:cubicBezTo>
+                      <a:pt x="974" y="5889"/>
+                      <a:pt x="0" y="3958"/>
+                      <a:pt x="1407" y="1987"/>
+                    </a:cubicBezTo>
+                    <a:cubicBezTo>
+                      <a:pt x="2830" y="0"/>
+                      <a:pt x="5591" y="411"/>
+                      <a:pt x="6418" y="1185"/>
+                    </a:cubicBezTo>
+                    <a:close/>
+                  </a:path>
+                </a:pathLst>
+              </a:custGeom>
+              <a:ln>
+                <a:headEnd/>
+                <a:tailEnd/>
+              </a:ln>
+            </p:spPr>
+            <p:style>
+              <a:lnRef idx="1">
+                <a:schemeClr val="accent3"/>
+              </a:lnRef>
+              <a:fillRef idx="3">
+                <a:schemeClr val="accent3"/>
+              </a:fillRef>
+              <a:effectRef idx="2">
+                <a:schemeClr val="accent3"/>
+              </a:effectRef>
+              <a:fontRef idx="minor">
+                <a:schemeClr val="lt1"/>
+              </a:fontRef>
+            </p:style>
+            <p:txBody>
+              <a:bodyPr vert="horz" wrap="square" lIns="91440" tIns="45720" rIns="91440" bIns="45720" numCol="1" anchor="t" anchorCtr="0" compatLnSpc="1">
+                <a:prstTxWarp prst="textNoShape">
+                  <a:avLst/>
+                </a:prstTxWarp>
+              </a:bodyPr>
+              <a:lstStyle/>
+              <a:p>
+                <a:endParaRPr lang="fr-FR"/>
+              </a:p>
+            </p:txBody>
+          </p:sp>
+          <p:sp>
+            <p:nvSpPr>
+              <p:cNvPr id="16" name="Oval 7"/>
+              <p:cNvSpPr>
+                <a:spLocks noChangeAspect="1" noChangeArrowheads="1"/>
+              </p:cNvSpPr>
+              <p:nvPr/>
+            </p:nvSpPr>
+            <p:spPr bwMode="auto">
+              <a:xfrm rot="5327714" flipV="1">
+                <a:off x="6117" y="10212"/>
+                <a:ext cx="4526" cy="4258"/>
+              </a:xfrm>
+              <a:prstGeom prst="ellipse">
+                <a:avLst/>
+              </a:prstGeom>
+              <a:ln>
+                <a:headEnd/>
+                <a:tailEnd/>
+              </a:ln>
+            </p:spPr>
+            <p:style>
+              <a:lnRef idx="1">
+                <a:schemeClr val="accent3"/>
+              </a:lnRef>
+              <a:fillRef idx="3">
+                <a:schemeClr val="accent3"/>
+              </a:fillRef>
+              <a:effectRef idx="2">
+                <a:schemeClr val="accent3"/>
+              </a:effectRef>
+              <a:fontRef idx="minor">
+                <a:schemeClr val="lt1"/>
+              </a:fontRef>
+            </p:style>
+            <p:txBody>
+              <a:bodyPr vert="horz" wrap="square" lIns="91440" tIns="45720" rIns="91440" bIns="45720" numCol="1" anchor="t" anchorCtr="0" compatLnSpc="1">
+                <a:prstTxWarp prst="textNoShape">
+                  <a:avLst/>
+                </a:prstTxWarp>
+              </a:bodyPr>
+              <a:lstStyle/>
+              <a:p>
+                <a:endParaRPr lang="fr-FR"/>
+              </a:p>
+            </p:txBody>
+          </p:sp>
+          <p:sp>
+            <p:nvSpPr>
+              <p:cNvPr id="17" name="Oval 8"/>
+              <p:cNvSpPr>
+                <a:spLocks noChangeAspect="1" noChangeArrowheads="1"/>
+              </p:cNvSpPr>
+              <p:nvPr/>
+            </p:nvSpPr>
+            <p:spPr bwMode="auto">
+              <a:xfrm rot="5327714" flipV="1">
+                <a:off x="6226" y="10673"/>
+                <a:ext cx="3424" cy="3221"/>
+              </a:xfrm>
+              <a:prstGeom prst="ellipse">
+                <a:avLst/>
+              </a:prstGeom>
+              <a:ln>
+                <a:headEnd/>
+                <a:tailEnd/>
+              </a:ln>
+            </p:spPr>
+            <p:style>
+              <a:lnRef idx="1">
+                <a:schemeClr val="accent3"/>
+              </a:lnRef>
+              <a:fillRef idx="3">
+                <a:schemeClr val="accent3"/>
+              </a:fillRef>
+              <a:effectRef idx="2">
+                <a:schemeClr val="accent3"/>
+              </a:effectRef>
+              <a:fontRef idx="minor">
+                <a:schemeClr val="lt1"/>
+              </a:fontRef>
+            </p:style>
+            <p:txBody>
+              <a:bodyPr vert="horz" wrap="square" lIns="0" tIns="0" rIns="0" bIns="0" numCol="1" anchor="ctr" anchorCtr="0" compatLnSpc="1">
+                <a:prstTxWarp prst="textNoShape">
+                  <a:avLst/>
+                </a:prstTxWarp>
+              </a:bodyPr>
+              <a:lstStyle/>
+              <a:p>
+                <a:pPr marL="0" marR="0" lvl="0" indent="0" algn="ctr" defTabSz="914400" rtl="0" eaLnBrk="1" fontAlgn="base" latinLnBrk="0" hangingPunct="1">
+                  <a:lnSpc>
+                    <a:spcPct val="100000"/>
+                  </a:lnSpc>
+                  <a:spcBef>
+                    <a:spcPct val="0"/>
+                  </a:spcBef>
+                  <a:spcAft>
+                    <a:spcPct val="0"/>
+                  </a:spcAft>
+                  <a:buClrTx/>
+                  <a:buSzTx/>
+                  <a:buFontTx/>
+                  <a:buNone/>
+                  <a:tabLst/>
+                </a:pPr>
+                <a:r>
+                  <a:rPr kumimoji="0" lang="fr-FR" sz="3600" b="1" i="0" u="none" strike="noStrike" cap="none" normalizeH="0" dirty="0" smtClean="0">
+                    <a:ln>
+                      <a:noFill/>
+                    </a:ln>
+                    <a:effectLst/>
+                    <a:latin typeface="Calibri" pitchFamily="34" charset="0"/>
+                    <a:cs typeface="Arial" pitchFamily="34" charset="0"/>
+                  </a:rPr>
                   <a:t>19</a:t>
                 </a:r>
                 <a:endParaRPr kumimoji="0" lang="fr-FR" sz="6600" b="0" i="0" u="none" strike="noStrike" cap="none" normalizeH="0" dirty="0" smtClean="0">
@@ -15499,7 +16396,7 @@
 </p:sld>
 </file>
 
-<file path=ppt/slides/slide21.xml><?xml version="1.0" encoding="utf-8"?>
+<file path=ppt/slides/slide23.xml><?xml version="1.0" encoding="utf-8"?>
 <p:sld xmlns:a="http://schemas.openxmlformats.org/drawingml/2006/main" xmlns:r="http://schemas.openxmlformats.org/officeDocument/2006/relationships" xmlns:p="http://schemas.openxmlformats.org/presentationml/2006/main">
   <p:cSld>
     <p:spTree>
@@ -16795,7 +17692,7 @@
 </p:sld>
 </file>
 
-<file path=ppt/slides/slide22.xml><?xml version="1.0" encoding="utf-8"?>
+<file path=ppt/slides/slide24.xml><?xml version="1.0" encoding="utf-8"?>
 <p:sld xmlns:a="http://schemas.openxmlformats.org/drawingml/2006/main" xmlns:r="http://schemas.openxmlformats.org/officeDocument/2006/relationships" xmlns:p="http://schemas.openxmlformats.org/presentationml/2006/main">
   <p:cSld>
     <p:spTree>
@@ -17516,7 +18413,7 @@
 </p:sld>
 </file>
 
-<file path=ppt/slides/slide23.xml><?xml version="1.0" encoding="utf-8"?>
+<file path=ppt/slides/slide25.xml><?xml version="1.0" encoding="utf-8"?>
 <p:sld xmlns:a="http://schemas.openxmlformats.org/drawingml/2006/main" xmlns:r="http://schemas.openxmlformats.org/officeDocument/2006/relationships" xmlns:p="http://schemas.openxmlformats.org/presentationml/2006/main">
   <p:cSld>
     <p:spTree>
@@ -18240,7 +19137,7 @@
 </p:sld>
 </file>
 
-<file path=ppt/slides/slide24.xml><?xml version="1.0" encoding="utf-8"?>
+<file path=ppt/slides/slide26.xml><?xml version="1.0" encoding="utf-8"?>
 <p:sld xmlns:a="http://schemas.openxmlformats.org/drawingml/2006/main" xmlns:r="http://schemas.openxmlformats.org/officeDocument/2006/relationships" xmlns:p="http://schemas.openxmlformats.org/presentationml/2006/main">
   <p:cSld>
     <p:spTree>
@@ -19054,7 +19951,7 @@
 </p:sld>
 </file>
 
-<file path=ppt/slides/slide25.xml><?xml version="1.0" encoding="utf-8"?>
+<file path=ppt/slides/slide27.xml><?xml version="1.0" encoding="utf-8"?>
 <p:sld xmlns:a="http://schemas.openxmlformats.org/drawingml/2006/main" xmlns:r="http://schemas.openxmlformats.org/officeDocument/2006/relationships" xmlns:p="http://schemas.openxmlformats.org/presentationml/2006/main">
   <p:cSld>
     <p:spTree>
@@ -19778,7 +20675,7 @@
 </p:sld>
 </file>
 
-<file path=ppt/slides/slide26.xml><?xml version="1.0" encoding="utf-8"?>
+<file path=ppt/slides/slide28.xml><?xml version="1.0" encoding="utf-8"?>
 <p:sld xmlns:a="http://schemas.openxmlformats.org/drawingml/2006/main" xmlns:r="http://schemas.openxmlformats.org/officeDocument/2006/relationships" xmlns:p="http://schemas.openxmlformats.org/presentationml/2006/main">
   <p:cSld>
     <p:spTree>
@@ -20506,7 +21403,7 @@
 </p:sld>
 </file>
 
-<file path=ppt/slides/slide27.xml><?xml version="1.0" encoding="utf-8"?>
+<file path=ppt/slides/slide29.xml><?xml version="1.0" encoding="utf-8"?>
 <p:sld xmlns:a="http://schemas.openxmlformats.org/drawingml/2006/main" xmlns:r="http://schemas.openxmlformats.org/officeDocument/2006/relationships" xmlns:p="http://schemas.openxmlformats.org/presentationml/2006/main">
   <p:cSld>
     <p:spTree>
@@ -21230,7 +22127,532 @@
 </p:sld>
 </file>
 
-<file path=ppt/slides/slide28.xml><?xml version="1.0" encoding="utf-8"?>
+<file path=ppt/slides/slide3.xml><?xml version="1.0" encoding="utf-8"?>
+<p:sld xmlns:a="http://schemas.openxmlformats.org/drawingml/2006/main" xmlns:r="http://schemas.openxmlformats.org/officeDocument/2006/relationships" xmlns:p="http://schemas.openxmlformats.org/presentationml/2006/main">
+  <p:cSld>
+    <p:spTree>
+      <p:nvGrpSpPr>
+        <p:cNvPr id="1" name=""/>
+        <p:cNvGrpSpPr/>
+        <p:nvPr/>
+      </p:nvGrpSpPr>
+      <p:grpSpPr>
+        <a:xfrm>
+          <a:off x="0" y="0"/>
+          <a:ext cx="0" cy="0"/>
+          <a:chOff x="0" y="0"/>
+          <a:chExt cx="0" cy="0"/>
+        </a:xfrm>
+      </p:grpSpPr>
+      <p:sp>
+        <p:nvSpPr>
+          <p:cNvPr id="2" name="Titre 1"/>
+          <p:cNvSpPr>
+            <a:spLocks noGrp="1"/>
+          </p:cNvSpPr>
+          <p:nvPr>
+            <p:ph type="title"/>
+          </p:nvPr>
+        </p:nvSpPr>
+        <p:spPr/>
+        <p:txBody>
+          <a:bodyPr/>
+          <a:lstStyle/>
+          <a:p>
+            <a:endParaRPr lang="fr-FR"/>
+          </a:p>
+        </p:txBody>
+      </p:sp>
+      <p:sp>
+        <p:nvSpPr>
+          <p:cNvPr id="3" name="Espace réservé du contenu 2"/>
+          <p:cNvSpPr>
+            <a:spLocks noGrp="1"/>
+          </p:cNvSpPr>
+          <p:nvPr>
+            <p:ph idx="1"/>
+          </p:nvPr>
+        </p:nvSpPr>
+        <p:spPr/>
+        <p:txBody>
+          <a:bodyPr/>
+          <a:lstStyle/>
+          <a:p>
+            <a:endParaRPr lang="fr-FR" dirty="0"/>
+          </a:p>
+        </p:txBody>
+      </p:sp>
+      <p:sp>
+        <p:nvSpPr>
+          <p:cNvPr id="7" name="Ellipse 6"/>
+          <p:cNvSpPr/>
+          <p:nvPr/>
+        </p:nvSpPr>
+        <p:spPr>
+          <a:xfrm>
+            <a:off x="2714612" y="2357430"/>
+            <a:ext cx="3857652" cy="1285884"/>
+          </a:xfrm>
+          <a:prstGeom prst="ellipse">
+            <a:avLst/>
+          </a:prstGeom>
+          <a:solidFill>
+            <a:schemeClr val="tx2">
+              <a:lumMod val="60000"/>
+              <a:lumOff val="40000"/>
+            </a:schemeClr>
+          </a:solidFill>
+          <a:ln>
+            <a:noFill/>
+          </a:ln>
+          <a:effectLst>
+            <a:glow rad="70000">
+              <a:schemeClr val="accent2">
+                <a:tint val="30000"/>
+                <a:shade val="95000"/>
+                <a:satMod val="300000"/>
+                <a:alpha val="50000"/>
+              </a:schemeClr>
+            </a:glow>
+            <a:reflection blurRad="6350" stA="50000" endA="300" endPos="38500" dist="50800" dir="5400000" sy="-100000" algn="bl" rotWithShape="0"/>
+          </a:effectLst>
+        </p:spPr>
+        <p:style>
+          <a:lnRef idx="1">
+            <a:schemeClr val="accent2"/>
+          </a:lnRef>
+          <a:fillRef idx="3">
+            <a:schemeClr val="accent2"/>
+          </a:fillRef>
+          <a:effectRef idx="2">
+            <a:schemeClr val="accent2"/>
+          </a:effectRef>
+          <a:fontRef idx="minor">
+            <a:schemeClr val="lt1"/>
+          </a:fontRef>
+        </p:style>
+        <p:txBody>
+          <a:bodyPr rtlCol="0" anchor="ctr"/>
+          <a:lstStyle/>
+          <a:p>
+            <a:pPr algn="ctr"/>
+            <a:r>
+              <a:rPr lang="fr-FR" sz="3600" dirty="0" smtClean="0"/>
+              <a:t>Introduction</a:t>
+            </a:r>
+            <a:endParaRPr lang="fr-FR" sz="4000" dirty="0"/>
+          </a:p>
+        </p:txBody>
+      </p:sp>
+      <p:grpSp>
+        <p:nvGrpSpPr>
+          <p:cNvPr id="8" name="Group 3"/>
+          <p:cNvGrpSpPr>
+            <a:grpSpLocks noChangeAspect="1"/>
+          </p:cNvGrpSpPr>
+          <p:nvPr/>
+        </p:nvGrpSpPr>
+        <p:grpSpPr bwMode="auto">
+          <a:xfrm rot="5400000" flipV="1">
+            <a:off x="6734969" y="4448969"/>
+            <a:ext cx="1335088" cy="3482975"/>
+            <a:chOff x="5531" y="1258"/>
+            <a:chExt cx="5291" cy="13813"/>
+          </a:xfrm>
+        </p:grpSpPr>
+        <p:cxnSp>
+          <p:nvCxnSpPr>
+            <p:cNvPr id="9" name="AutoShape 4"/>
+            <p:cNvCxnSpPr>
+              <a:cxnSpLocks noChangeAspect="1" noChangeShapeType="1"/>
+            </p:cNvCxnSpPr>
+            <p:nvPr/>
+          </p:nvCxnSpPr>
+          <p:spPr bwMode="auto">
+            <a:xfrm flipH="1">
+              <a:off x="6519" y="1258"/>
+              <a:ext cx="4303" cy="10040"/>
+            </a:xfrm>
+            <a:prstGeom prst="straightConnector1">
+              <a:avLst/>
+            </a:prstGeom>
+            <a:ln>
+              <a:headEnd/>
+              <a:tailEnd/>
+            </a:ln>
+          </p:spPr>
+          <p:style>
+            <a:lnRef idx="1">
+              <a:schemeClr val="accent3"/>
+            </a:lnRef>
+            <a:fillRef idx="3">
+              <a:schemeClr val="accent3"/>
+            </a:fillRef>
+            <a:effectRef idx="2">
+              <a:schemeClr val="accent3"/>
+            </a:effectRef>
+            <a:fontRef idx="minor">
+              <a:schemeClr val="lt1"/>
+            </a:fontRef>
+          </p:style>
+        </p:cxnSp>
+        <p:grpSp>
+          <p:nvGrpSpPr>
+            <p:cNvPr id="10" name="Group 5"/>
+            <p:cNvGrpSpPr>
+              <a:grpSpLocks noChangeAspect="1"/>
+            </p:cNvGrpSpPr>
+            <p:nvPr/>
+          </p:nvGrpSpPr>
+          <p:grpSpPr bwMode="auto">
+            <a:xfrm>
+              <a:off x="5531" y="9226"/>
+              <a:ext cx="5291" cy="5845"/>
+              <a:chOff x="5531" y="9226"/>
+              <a:chExt cx="5291" cy="5845"/>
+            </a:xfrm>
+          </p:grpSpPr>
+          <p:sp>
+            <p:nvSpPr>
+              <p:cNvPr id="11" name="Freeform 6"/>
+              <p:cNvSpPr>
+                <a:spLocks noChangeAspect="1"/>
+              </p:cNvSpPr>
+              <p:nvPr/>
+            </p:nvSpPr>
+            <p:spPr bwMode="auto">
+              <a:xfrm>
+                <a:off x="5531" y="9226"/>
+                <a:ext cx="5291" cy="5845"/>
+              </a:xfrm>
+              <a:custGeom>
+                <a:avLst/>
+                <a:gdLst/>
+                <a:ahLst/>
+                <a:cxnLst>
+                  <a:cxn ang="0">
+                    <a:pos x="6418" y="1185"/>
+                  </a:cxn>
+                  <a:cxn ang="0">
+                    <a:pos x="6418" y="6670"/>
+                  </a:cxn>
+                  <a:cxn ang="0">
+                    <a:pos x="1809" y="6669"/>
+                  </a:cxn>
+                  <a:cxn ang="0">
+                    <a:pos x="1407" y="1987"/>
+                  </a:cxn>
+                  <a:cxn ang="0">
+                    <a:pos x="6418" y="1185"/>
+                  </a:cxn>
+                </a:cxnLst>
+                <a:rect l="0" t="0" r="r" b="b"/>
+                <a:pathLst>
+                  <a:path w="6418" h="6670">
+                    <a:moveTo>
+                      <a:pt x="6418" y="1185"/>
+                    </a:moveTo>
+                    <a:lnTo>
+                      <a:pt x="6418" y="6670"/>
+                    </a:lnTo>
+                    <a:lnTo>
+                      <a:pt x="1809" y="6669"/>
+                    </a:lnTo>
+                    <a:cubicBezTo>
+                      <a:pt x="974" y="5889"/>
+                      <a:pt x="0" y="3958"/>
+                      <a:pt x="1407" y="1987"/>
+                    </a:cubicBezTo>
+                    <a:cubicBezTo>
+                      <a:pt x="2830" y="0"/>
+                      <a:pt x="5591" y="411"/>
+                      <a:pt x="6418" y="1185"/>
+                    </a:cubicBezTo>
+                    <a:close/>
+                  </a:path>
+                </a:pathLst>
+              </a:custGeom>
+              <a:ln>
+                <a:headEnd/>
+                <a:tailEnd/>
+              </a:ln>
+            </p:spPr>
+            <p:style>
+              <a:lnRef idx="1">
+                <a:schemeClr val="accent3"/>
+              </a:lnRef>
+              <a:fillRef idx="3">
+                <a:schemeClr val="accent3"/>
+              </a:fillRef>
+              <a:effectRef idx="2">
+                <a:schemeClr val="accent3"/>
+              </a:effectRef>
+              <a:fontRef idx="minor">
+                <a:schemeClr val="lt1"/>
+              </a:fontRef>
+            </p:style>
+            <p:txBody>
+              <a:bodyPr vert="horz" wrap="square" lIns="91440" tIns="45720" rIns="91440" bIns="45720" numCol="1" anchor="t" anchorCtr="0" compatLnSpc="1">
+                <a:prstTxWarp prst="textNoShape">
+                  <a:avLst/>
+                </a:prstTxWarp>
+              </a:bodyPr>
+              <a:lstStyle/>
+              <a:p>
+                <a:endParaRPr lang="fr-FR"/>
+              </a:p>
+            </p:txBody>
+          </p:sp>
+          <p:sp>
+            <p:nvSpPr>
+              <p:cNvPr id="12" name="Oval 7"/>
+              <p:cNvSpPr>
+                <a:spLocks noChangeAspect="1" noChangeArrowheads="1"/>
+              </p:cNvSpPr>
+              <p:nvPr/>
+            </p:nvSpPr>
+            <p:spPr bwMode="auto">
+              <a:xfrm rot="5327714" flipV="1">
+                <a:off x="6117" y="10212"/>
+                <a:ext cx="4526" cy="4258"/>
+              </a:xfrm>
+              <a:prstGeom prst="ellipse">
+                <a:avLst/>
+              </a:prstGeom>
+              <a:ln>
+                <a:headEnd/>
+                <a:tailEnd/>
+              </a:ln>
+            </p:spPr>
+            <p:style>
+              <a:lnRef idx="1">
+                <a:schemeClr val="accent3"/>
+              </a:lnRef>
+              <a:fillRef idx="3">
+                <a:schemeClr val="accent3"/>
+              </a:fillRef>
+              <a:effectRef idx="2">
+                <a:schemeClr val="accent3"/>
+              </a:effectRef>
+              <a:fontRef idx="minor">
+                <a:schemeClr val="lt1"/>
+              </a:fontRef>
+            </p:style>
+            <p:txBody>
+              <a:bodyPr vert="horz" wrap="square" lIns="91440" tIns="45720" rIns="91440" bIns="45720" numCol="1" anchor="t" anchorCtr="0" compatLnSpc="1">
+                <a:prstTxWarp prst="textNoShape">
+                  <a:avLst/>
+                </a:prstTxWarp>
+              </a:bodyPr>
+              <a:lstStyle/>
+              <a:p>
+                <a:endParaRPr lang="fr-FR"/>
+              </a:p>
+            </p:txBody>
+          </p:sp>
+          <p:sp>
+            <p:nvSpPr>
+              <p:cNvPr id="13" name="Oval 8"/>
+              <p:cNvSpPr>
+                <a:spLocks noChangeAspect="1" noChangeArrowheads="1"/>
+              </p:cNvSpPr>
+              <p:nvPr/>
+            </p:nvSpPr>
+            <p:spPr bwMode="auto">
+              <a:xfrm rot="5327714" flipV="1">
+                <a:off x="6217" y="10481"/>
+                <a:ext cx="3424" cy="3221"/>
+              </a:xfrm>
+              <a:prstGeom prst="ellipse">
+                <a:avLst/>
+              </a:prstGeom>
+              <a:ln>
+                <a:headEnd/>
+                <a:tailEnd/>
+              </a:ln>
+            </p:spPr>
+            <p:style>
+              <a:lnRef idx="1">
+                <a:schemeClr val="accent3"/>
+              </a:lnRef>
+              <a:fillRef idx="3">
+                <a:schemeClr val="accent3"/>
+              </a:fillRef>
+              <a:effectRef idx="2">
+                <a:schemeClr val="accent3"/>
+              </a:effectRef>
+              <a:fontRef idx="minor">
+                <a:schemeClr val="lt1"/>
+              </a:fontRef>
+            </p:style>
+            <p:txBody>
+              <a:bodyPr vert="horz" wrap="square" lIns="0" tIns="0" rIns="0" bIns="0" numCol="1" anchor="ctr" anchorCtr="0" compatLnSpc="1">
+                <a:prstTxWarp prst="textNoShape">
+                  <a:avLst/>
+                </a:prstTxWarp>
+              </a:bodyPr>
+              <a:lstStyle/>
+              <a:p>
+                <a:pPr marL="0" marR="0" lvl="0" indent="0" algn="ctr" defTabSz="914400" rtl="0" eaLnBrk="1" fontAlgn="base" latinLnBrk="0" hangingPunct="1">
+                  <a:lnSpc>
+                    <a:spcPct val="100000"/>
+                  </a:lnSpc>
+                  <a:spcBef>
+                    <a:spcPct val="0"/>
+                  </a:spcBef>
+                  <a:spcAft>
+                    <a:spcPct val="0"/>
+                  </a:spcAft>
+                  <a:buClrTx/>
+                  <a:buSzTx/>
+                  <a:buFontTx/>
+                  <a:buNone/>
+                  <a:tabLst/>
+                </a:pPr>
+                <a:r>
+                  <a:rPr lang="fr-FR" sz="3600" b="1" dirty="0" smtClean="0">
+                    <a:latin typeface="Calibri" pitchFamily="34" charset="0"/>
+                    <a:cs typeface="Arial" pitchFamily="34" charset="0"/>
+                  </a:rPr>
+                  <a:t>3</a:t>
+                </a:r>
+                <a:endParaRPr kumimoji="0" lang="fr-FR" sz="6600" b="0" i="0" u="none" strike="noStrike" cap="none" normalizeH="0" dirty="0" smtClean="0">
+                  <a:ln>
+                    <a:noFill/>
+                  </a:ln>
+                  <a:effectLst/>
+                  <a:latin typeface="Arial" pitchFamily="34" charset="0"/>
+                  <a:cs typeface="Arial" pitchFamily="34" charset="0"/>
+                </a:endParaRPr>
+              </a:p>
+            </p:txBody>
+          </p:sp>
+        </p:grpSp>
+      </p:grpSp>
+      <p:sp>
+        <p:nvSpPr>
+          <p:cNvPr id="5" name="Espace réservé de la date 4"/>
+          <p:cNvSpPr>
+            <a:spLocks noGrp="1"/>
+          </p:cNvSpPr>
+          <p:nvPr>
+            <p:ph type="dt" sz="half" idx="10"/>
+          </p:nvPr>
+        </p:nvSpPr>
+        <p:spPr/>
+        <p:txBody>
+          <a:bodyPr/>
+          <a:lstStyle/>
+          <a:p>
+            <a:r>
+              <a:rPr lang="fr-FR" smtClean="0"/>
+              <a:t>03/09/2021</a:t>
+            </a:r>
+            <a:endParaRPr lang="fr-BE"/>
+          </a:p>
+        </p:txBody>
+      </p:sp>
+    </p:spTree>
+  </p:cSld>
+  <p:clrMapOvr>
+    <a:masterClrMapping/>
+  </p:clrMapOvr>
+  <p:transition>
+    <p:dissolve/>
+  </p:transition>
+  <p:timing>
+    <p:tnLst>
+      <p:par>
+        <p:cTn id="1" dur="indefinite" restart="never" nodeType="tmRoot">
+          <p:childTnLst>
+            <p:seq concurrent="1" nextAc="seek">
+              <p:cTn id="2" dur="indefinite" nodeType="mainSeq">
+                <p:childTnLst>
+                  <p:par>
+                    <p:cTn id="3" fill="hold">
+                      <p:stCondLst>
+                        <p:cond delay="indefinite"/>
+                        <p:cond evt="onBegin" delay="0">
+                          <p:tn val="2"/>
+                        </p:cond>
+                      </p:stCondLst>
+                      <p:childTnLst>
+                        <p:par>
+                          <p:cTn id="4" fill="hold">
+                            <p:stCondLst>
+                              <p:cond delay="0"/>
+                            </p:stCondLst>
+                            <p:childTnLst>
+                              <p:par>
+                                <p:cTn id="5" presetID="12" presetClass="entr" presetSubtype="4" fill="hold" grpId="0" nodeType="withEffect">
+                                  <p:stCondLst>
+                                    <p:cond delay="0"/>
+                                  </p:stCondLst>
+                                  <p:childTnLst>
+                                    <p:set>
+                                      <p:cBhvr>
+                                        <p:cTn id="6" dur="1" fill="hold">
+                                          <p:stCondLst>
+                                            <p:cond delay="0"/>
+                                          </p:stCondLst>
+                                        </p:cTn>
+                                        <p:tgtEl>
+                                          <p:spTgt spid="7"/>
+                                        </p:tgtEl>
+                                        <p:attrNameLst>
+                                          <p:attrName>style.visibility</p:attrName>
+                                        </p:attrNameLst>
+                                      </p:cBhvr>
+                                      <p:to>
+                                        <p:strVal val="visible"/>
+                                      </p:to>
+                                    </p:set>
+                                    <p:animEffect transition="in" filter="slide(fromBottom)">
+                                      <p:cBhvr>
+                                        <p:cTn id="7" dur="500"/>
+                                        <p:tgtEl>
+                                          <p:spTgt spid="7"/>
+                                        </p:tgtEl>
+                                      </p:cBhvr>
+                                    </p:animEffect>
+                                  </p:childTnLst>
+                                </p:cTn>
+                              </p:par>
+                            </p:childTnLst>
+                          </p:cTn>
+                        </p:par>
+                      </p:childTnLst>
+                    </p:cTn>
+                  </p:par>
+                </p:childTnLst>
+              </p:cTn>
+              <p:prevCondLst>
+                <p:cond evt="onPrev" delay="0">
+                  <p:tgtEl>
+                    <p:sldTgt/>
+                  </p:tgtEl>
+                </p:cond>
+              </p:prevCondLst>
+              <p:nextCondLst>
+                <p:cond evt="onNext" delay="0">
+                  <p:tgtEl>
+                    <p:sldTgt/>
+                  </p:tgtEl>
+                </p:cond>
+              </p:nextCondLst>
+            </p:seq>
+          </p:childTnLst>
+        </p:cTn>
+      </p:par>
+    </p:tnLst>
+    <p:bldLst>
+      <p:bldP spid="7" grpId="0" animBg="1"/>
+    </p:bldLst>
+  </p:timing>
+</p:sld>
+</file>
+
+<file path=ppt/slides/slide30.xml><?xml version="1.0" encoding="utf-8"?>
 <p:sld xmlns:a="http://schemas.openxmlformats.org/drawingml/2006/main" xmlns:r="http://schemas.openxmlformats.org/officeDocument/2006/relationships" xmlns:p="http://schemas.openxmlformats.org/presentationml/2006/main">
   <p:cSld>
     <p:spTree>
@@ -21951,7 +23373,7 @@
 </p:sld>
 </file>
 
-<file path=ppt/slides/slide29.xml><?xml version="1.0" encoding="utf-8"?>
+<file path=ppt/slides/slide31.xml><?xml version="1.0" encoding="utf-8"?>
 <p:sld xmlns:a="http://schemas.openxmlformats.org/drawingml/2006/main" xmlns:r="http://schemas.openxmlformats.org/officeDocument/2006/relationships" xmlns:p="http://schemas.openxmlformats.org/presentationml/2006/main">
   <p:cSld>
     <p:spTree>
@@ -22438,532 +23860,7 @@
 </p:sld>
 </file>
 
-<file path=ppt/slides/slide3.xml><?xml version="1.0" encoding="utf-8"?>
-<p:sld xmlns:a="http://schemas.openxmlformats.org/drawingml/2006/main" xmlns:r="http://schemas.openxmlformats.org/officeDocument/2006/relationships" xmlns:p="http://schemas.openxmlformats.org/presentationml/2006/main">
-  <p:cSld>
-    <p:spTree>
-      <p:nvGrpSpPr>
-        <p:cNvPr id="1" name=""/>
-        <p:cNvGrpSpPr/>
-        <p:nvPr/>
-      </p:nvGrpSpPr>
-      <p:grpSpPr>
-        <a:xfrm>
-          <a:off x="0" y="0"/>
-          <a:ext cx="0" cy="0"/>
-          <a:chOff x="0" y="0"/>
-          <a:chExt cx="0" cy="0"/>
-        </a:xfrm>
-      </p:grpSpPr>
-      <p:sp>
-        <p:nvSpPr>
-          <p:cNvPr id="2" name="Titre 1"/>
-          <p:cNvSpPr>
-            <a:spLocks noGrp="1"/>
-          </p:cNvSpPr>
-          <p:nvPr>
-            <p:ph type="title"/>
-          </p:nvPr>
-        </p:nvSpPr>
-        <p:spPr/>
-        <p:txBody>
-          <a:bodyPr/>
-          <a:lstStyle/>
-          <a:p>
-            <a:endParaRPr lang="fr-FR"/>
-          </a:p>
-        </p:txBody>
-      </p:sp>
-      <p:sp>
-        <p:nvSpPr>
-          <p:cNvPr id="3" name="Espace réservé du contenu 2"/>
-          <p:cNvSpPr>
-            <a:spLocks noGrp="1"/>
-          </p:cNvSpPr>
-          <p:nvPr>
-            <p:ph idx="1"/>
-          </p:nvPr>
-        </p:nvSpPr>
-        <p:spPr/>
-        <p:txBody>
-          <a:bodyPr/>
-          <a:lstStyle/>
-          <a:p>
-            <a:endParaRPr lang="fr-FR" dirty="0"/>
-          </a:p>
-        </p:txBody>
-      </p:sp>
-      <p:sp>
-        <p:nvSpPr>
-          <p:cNvPr id="7" name="Ellipse 6"/>
-          <p:cNvSpPr/>
-          <p:nvPr/>
-        </p:nvSpPr>
-        <p:spPr>
-          <a:xfrm>
-            <a:off x="2714612" y="2357430"/>
-            <a:ext cx="3857652" cy="1285884"/>
-          </a:xfrm>
-          <a:prstGeom prst="ellipse">
-            <a:avLst/>
-          </a:prstGeom>
-          <a:solidFill>
-            <a:schemeClr val="tx2">
-              <a:lumMod val="60000"/>
-              <a:lumOff val="40000"/>
-            </a:schemeClr>
-          </a:solidFill>
-          <a:ln>
-            <a:noFill/>
-          </a:ln>
-          <a:effectLst>
-            <a:glow rad="70000">
-              <a:schemeClr val="accent2">
-                <a:tint val="30000"/>
-                <a:shade val="95000"/>
-                <a:satMod val="300000"/>
-                <a:alpha val="50000"/>
-              </a:schemeClr>
-            </a:glow>
-            <a:reflection blurRad="6350" stA="50000" endA="300" endPos="38500" dist="50800" dir="5400000" sy="-100000" algn="bl" rotWithShape="0"/>
-          </a:effectLst>
-        </p:spPr>
-        <p:style>
-          <a:lnRef idx="1">
-            <a:schemeClr val="accent2"/>
-          </a:lnRef>
-          <a:fillRef idx="3">
-            <a:schemeClr val="accent2"/>
-          </a:fillRef>
-          <a:effectRef idx="2">
-            <a:schemeClr val="accent2"/>
-          </a:effectRef>
-          <a:fontRef idx="minor">
-            <a:schemeClr val="lt1"/>
-          </a:fontRef>
-        </p:style>
-        <p:txBody>
-          <a:bodyPr rtlCol="0" anchor="ctr"/>
-          <a:lstStyle/>
-          <a:p>
-            <a:pPr algn="ctr"/>
-            <a:r>
-              <a:rPr lang="fr-FR" sz="3600" dirty="0" smtClean="0"/>
-              <a:t>Introduction</a:t>
-            </a:r>
-            <a:endParaRPr lang="fr-FR" sz="4000" dirty="0"/>
-          </a:p>
-        </p:txBody>
-      </p:sp>
-      <p:grpSp>
-        <p:nvGrpSpPr>
-          <p:cNvPr id="8" name="Group 3"/>
-          <p:cNvGrpSpPr>
-            <a:grpSpLocks noChangeAspect="1"/>
-          </p:cNvGrpSpPr>
-          <p:nvPr/>
-        </p:nvGrpSpPr>
-        <p:grpSpPr bwMode="auto">
-          <a:xfrm rot="5400000" flipV="1">
-            <a:off x="6734969" y="4448969"/>
-            <a:ext cx="1335088" cy="3482975"/>
-            <a:chOff x="5531" y="1258"/>
-            <a:chExt cx="5291" cy="13813"/>
-          </a:xfrm>
-        </p:grpSpPr>
-        <p:cxnSp>
-          <p:nvCxnSpPr>
-            <p:cNvPr id="9" name="AutoShape 4"/>
-            <p:cNvCxnSpPr>
-              <a:cxnSpLocks noChangeAspect="1" noChangeShapeType="1"/>
-            </p:cNvCxnSpPr>
-            <p:nvPr/>
-          </p:nvCxnSpPr>
-          <p:spPr bwMode="auto">
-            <a:xfrm flipH="1">
-              <a:off x="6519" y="1258"/>
-              <a:ext cx="4303" cy="10040"/>
-            </a:xfrm>
-            <a:prstGeom prst="straightConnector1">
-              <a:avLst/>
-            </a:prstGeom>
-            <a:ln>
-              <a:headEnd/>
-              <a:tailEnd/>
-            </a:ln>
-          </p:spPr>
-          <p:style>
-            <a:lnRef idx="1">
-              <a:schemeClr val="accent3"/>
-            </a:lnRef>
-            <a:fillRef idx="3">
-              <a:schemeClr val="accent3"/>
-            </a:fillRef>
-            <a:effectRef idx="2">
-              <a:schemeClr val="accent3"/>
-            </a:effectRef>
-            <a:fontRef idx="minor">
-              <a:schemeClr val="lt1"/>
-            </a:fontRef>
-          </p:style>
-        </p:cxnSp>
-        <p:grpSp>
-          <p:nvGrpSpPr>
-            <p:cNvPr id="10" name="Group 5"/>
-            <p:cNvGrpSpPr>
-              <a:grpSpLocks noChangeAspect="1"/>
-            </p:cNvGrpSpPr>
-            <p:nvPr/>
-          </p:nvGrpSpPr>
-          <p:grpSpPr bwMode="auto">
-            <a:xfrm>
-              <a:off x="5531" y="9226"/>
-              <a:ext cx="5291" cy="5845"/>
-              <a:chOff x="5531" y="9226"/>
-              <a:chExt cx="5291" cy="5845"/>
-            </a:xfrm>
-          </p:grpSpPr>
-          <p:sp>
-            <p:nvSpPr>
-              <p:cNvPr id="11" name="Freeform 6"/>
-              <p:cNvSpPr>
-                <a:spLocks noChangeAspect="1"/>
-              </p:cNvSpPr>
-              <p:nvPr/>
-            </p:nvSpPr>
-            <p:spPr bwMode="auto">
-              <a:xfrm>
-                <a:off x="5531" y="9226"/>
-                <a:ext cx="5291" cy="5845"/>
-              </a:xfrm>
-              <a:custGeom>
-                <a:avLst/>
-                <a:gdLst/>
-                <a:ahLst/>
-                <a:cxnLst>
-                  <a:cxn ang="0">
-                    <a:pos x="6418" y="1185"/>
-                  </a:cxn>
-                  <a:cxn ang="0">
-                    <a:pos x="6418" y="6670"/>
-                  </a:cxn>
-                  <a:cxn ang="0">
-                    <a:pos x="1809" y="6669"/>
-                  </a:cxn>
-                  <a:cxn ang="0">
-                    <a:pos x="1407" y="1987"/>
-                  </a:cxn>
-                  <a:cxn ang="0">
-                    <a:pos x="6418" y="1185"/>
-                  </a:cxn>
-                </a:cxnLst>
-                <a:rect l="0" t="0" r="r" b="b"/>
-                <a:pathLst>
-                  <a:path w="6418" h="6670">
-                    <a:moveTo>
-                      <a:pt x="6418" y="1185"/>
-                    </a:moveTo>
-                    <a:lnTo>
-                      <a:pt x="6418" y="6670"/>
-                    </a:lnTo>
-                    <a:lnTo>
-                      <a:pt x="1809" y="6669"/>
-                    </a:lnTo>
-                    <a:cubicBezTo>
-                      <a:pt x="974" y="5889"/>
-                      <a:pt x="0" y="3958"/>
-                      <a:pt x="1407" y="1987"/>
-                    </a:cubicBezTo>
-                    <a:cubicBezTo>
-                      <a:pt x="2830" y="0"/>
-                      <a:pt x="5591" y="411"/>
-                      <a:pt x="6418" y="1185"/>
-                    </a:cubicBezTo>
-                    <a:close/>
-                  </a:path>
-                </a:pathLst>
-              </a:custGeom>
-              <a:ln>
-                <a:headEnd/>
-                <a:tailEnd/>
-              </a:ln>
-            </p:spPr>
-            <p:style>
-              <a:lnRef idx="1">
-                <a:schemeClr val="accent3"/>
-              </a:lnRef>
-              <a:fillRef idx="3">
-                <a:schemeClr val="accent3"/>
-              </a:fillRef>
-              <a:effectRef idx="2">
-                <a:schemeClr val="accent3"/>
-              </a:effectRef>
-              <a:fontRef idx="minor">
-                <a:schemeClr val="lt1"/>
-              </a:fontRef>
-            </p:style>
-            <p:txBody>
-              <a:bodyPr vert="horz" wrap="square" lIns="91440" tIns="45720" rIns="91440" bIns="45720" numCol="1" anchor="t" anchorCtr="0" compatLnSpc="1">
-                <a:prstTxWarp prst="textNoShape">
-                  <a:avLst/>
-                </a:prstTxWarp>
-              </a:bodyPr>
-              <a:lstStyle/>
-              <a:p>
-                <a:endParaRPr lang="fr-FR"/>
-              </a:p>
-            </p:txBody>
-          </p:sp>
-          <p:sp>
-            <p:nvSpPr>
-              <p:cNvPr id="12" name="Oval 7"/>
-              <p:cNvSpPr>
-                <a:spLocks noChangeAspect="1" noChangeArrowheads="1"/>
-              </p:cNvSpPr>
-              <p:nvPr/>
-            </p:nvSpPr>
-            <p:spPr bwMode="auto">
-              <a:xfrm rot="5327714" flipV="1">
-                <a:off x="6117" y="10212"/>
-                <a:ext cx="4526" cy="4258"/>
-              </a:xfrm>
-              <a:prstGeom prst="ellipse">
-                <a:avLst/>
-              </a:prstGeom>
-              <a:ln>
-                <a:headEnd/>
-                <a:tailEnd/>
-              </a:ln>
-            </p:spPr>
-            <p:style>
-              <a:lnRef idx="1">
-                <a:schemeClr val="accent3"/>
-              </a:lnRef>
-              <a:fillRef idx="3">
-                <a:schemeClr val="accent3"/>
-              </a:fillRef>
-              <a:effectRef idx="2">
-                <a:schemeClr val="accent3"/>
-              </a:effectRef>
-              <a:fontRef idx="minor">
-                <a:schemeClr val="lt1"/>
-              </a:fontRef>
-            </p:style>
-            <p:txBody>
-              <a:bodyPr vert="horz" wrap="square" lIns="91440" tIns="45720" rIns="91440" bIns="45720" numCol="1" anchor="t" anchorCtr="0" compatLnSpc="1">
-                <a:prstTxWarp prst="textNoShape">
-                  <a:avLst/>
-                </a:prstTxWarp>
-              </a:bodyPr>
-              <a:lstStyle/>
-              <a:p>
-                <a:endParaRPr lang="fr-FR"/>
-              </a:p>
-            </p:txBody>
-          </p:sp>
-          <p:sp>
-            <p:nvSpPr>
-              <p:cNvPr id="13" name="Oval 8"/>
-              <p:cNvSpPr>
-                <a:spLocks noChangeAspect="1" noChangeArrowheads="1"/>
-              </p:cNvSpPr>
-              <p:nvPr/>
-            </p:nvSpPr>
-            <p:spPr bwMode="auto">
-              <a:xfrm rot="5327714" flipV="1">
-                <a:off x="6217" y="10481"/>
-                <a:ext cx="3424" cy="3221"/>
-              </a:xfrm>
-              <a:prstGeom prst="ellipse">
-                <a:avLst/>
-              </a:prstGeom>
-              <a:ln>
-                <a:headEnd/>
-                <a:tailEnd/>
-              </a:ln>
-            </p:spPr>
-            <p:style>
-              <a:lnRef idx="1">
-                <a:schemeClr val="accent3"/>
-              </a:lnRef>
-              <a:fillRef idx="3">
-                <a:schemeClr val="accent3"/>
-              </a:fillRef>
-              <a:effectRef idx="2">
-                <a:schemeClr val="accent3"/>
-              </a:effectRef>
-              <a:fontRef idx="minor">
-                <a:schemeClr val="lt1"/>
-              </a:fontRef>
-            </p:style>
-            <p:txBody>
-              <a:bodyPr vert="horz" wrap="square" lIns="0" tIns="0" rIns="0" bIns="0" numCol="1" anchor="ctr" anchorCtr="0" compatLnSpc="1">
-                <a:prstTxWarp prst="textNoShape">
-                  <a:avLst/>
-                </a:prstTxWarp>
-              </a:bodyPr>
-              <a:lstStyle/>
-              <a:p>
-                <a:pPr marL="0" marR="0" lvl="0" indent="0" algn="ctr" defTabSz="914400" rtl="0" eaLnBrk="1" fontAlgn="base" latinLnBrk="0" hangingPunct="1">
-                  <a:lnSpc>
-                    <a:spcPct val="100000"/>
-                  </a:lnSpc>
-                  <a:spcBef>
-                    <a:spcPct val="0"/>
-                  </a:spcBef>
-                  <a:spcAft>
-                    <a:spcPct val="0"/>
-                  </a:spcAft>
-                  <a:buClrTx/>
-                  <a:buSzTx/>
-                  <a:buFontTx/>
-                  <a:buNone/>
-                  <a:tabLst/>
-                </a:pPr>
-                <a:r>
-                  <a:rPr lang="fr-FR" sz="3600" b="1" dirty="0" smtClean="0">
-                    <a:latin typeface="Calibri" pitchFamily="34" charset="0"/>
-                    <a:cs typeface="Arial" pitchFamily="34" charset="0"/>
-                  </a:rPr>
-                  <a:t>3</a:t>
-                </a:r>
-                <a:endParaRPr kumimoji="0" lang="fr-FR" sz="6600" b="0" i="0" u="none" strike="noStrike" cap="none" normalizeH="0" dirty="0" smtClean="0">
-                  <a:ln>
-                    <a:noFill/>
-                  </a:ln>
-                  <a:effectLst/>
-                  <a:latin typeface="Arial" pitchFamily="34" charset="0"/>
-                  <a:cs typeface="Arial" pitchFamily="34" charset="0"/>
-                </a:endParaRPr>
-              </a:p>
-            </p:txBody>
-          </p:sp>
-        </p:grpSp>
-      </p:grpSp>
-      <p:sp>
-        <p:nvSpPr>
-          <p:cNvPr id="5" name="Espace réservé de la date 4"/>
-          <p:cNvSpPr>
-            <a:spLocks noGrp="1"/>
-          </p:cNvSpPr>
-          <p:nvPr>
-            <p:ph type="dt" sz="half" idx="10"/>
-          </p:nvPr>
-        </p:nvSpPr>
-        <p:spPr/>
-        <p:txBody>
-          <a:bodyPr/>
-          <a:lstStyle/>
-          <a:p>
-            <a:r>
-              <a:rPr lang="fr-FR" smtClean="0"/>
-              <a:t>03/09/2021</a:t>
-            </a:r>
-            <a:endParaRPr lang="fr-BE"/>
-          </a:p>
-        </p:txBody>
-      </p:sp>
-    </p:spTree>
-  </p:cSld>
-  <p:clrMapOvr>
-    <a:masterClrMapping/>
-  </p:clrMapOvr>
-  <p:transition>
-    <p:dissolve/>
-  </p:transition>
-  <p:timing>
-    <p:tnLst>
-      <p:par>
-        <p:cTn id="1" dur="indefinite" restart="never" nodeType="tmRoot">
-          <p:childTnLst>
-            <p:seq concurrent="1" nextAc="seek">
-              <p:cTn id="2" dur="indefinite" nodeType="mainSeq">
-                <p:childTnLst>
-                  <p:par>
-                    <p:cTn id="3" fill="hold">
-                      <p:stCondLst>
-                        <p:cond delay="indefinite"/>
-                        <p:cond evt="onBegin" delay="0">
-                          <p:tn val="2"/>
-                        </p:cond>
-                      </p:stCondLst>
-                      <p:childTnLst>
-                        <p:par>
-                          <p:cTn id="4" fill="hold">
-                            <p:stCondLst>
-                              <p:cond delay="0"/>
-                            </p:stCondLst>
-                            <p:childTnLst>
-                              <p:par>
-                                <p:cTn id="5" presetID="12" presetClass="entr" presetSubtype="4" fill="hold" grpId="0" nodeType="withEffect">
-                                  <p:stCondLst>
-                                    <p:cond delay="0"/>
-                                  </p:stCondLst>
-                                  <p:childTnLst>
-                                    <p:set>
-                                      <p:cBhvr>
-                                        <p:cTn id="6" dur="1" fill="hold">
-                                          <p:stCondLst>
-                                            <p:cond delay="0"/>
-                                          </p:stCondLst>
-                                        </p:cTn>
-                                        <p:tgtEl>
-                                          <p:spTgt spid="7"/>
-                                        </p:tgtEl>
-                                        <p:attrNameLst>
-                                          <p:attrName>style.visibility</p:attrName>
-                                        </p:attrNameLst>
-                                      </p:cBhvr>
-                                      <p:to>
-                                        <p:strVal val="visible"/>
-                                      </p:to>
-                                    </p:set>
-                                    <p:animEffect transition="in" filter="slide(fromBottom)">
-                                      <p:cBhvr>
-                                        <p:cTn id="7" dur="500"/>
-                                        <p:tgtEl>
-                                          <p:spTgt spid="7"/>
-                                        </p:tgtEl>
-                                      </p:cBhvr>
-                                    </p:animEffect>
-                                  </p:childTnLst>
-                                </p:cTn>
-                              </p:par>
-                            </p:childTnLst>
-                          </p:cTn>
-                        </p:par>
-                      </p:childTnLst>
-                    </p:cTn>
-                  </p:par>
-                </p:childTnLst>
-              </p:cTn>
-              <p:prevCondLst>
-                <p:cond evt="onPrev" delay="0">
-                  <p:tgtEl>
-                    <p:sldTgt/>
-                  </p:tgtEl>
-                </p:cond>
-              </p:prevCondLst>
-              <p:nextCondLst>
-                <p:cond evt="onNext" delay="0">
-                  <p:tgtEl>
-                    <p:sldTgt/>
-                  </p:tgtEl>
-                </p:cond>
-              </p:nextCondLst>
-            </p:seq>
-          </p:childTnLst>
-        </p:cTn>
-      </p:par>
-    </p:tnLst>
-    <p:bldLst>
-      <p:bldP spid="7" grpId="0" animBg="1"/>
-    </p:bldLst>
-  </p:timing>
-</p:sld>
-</file>
-
-<file path=ppt/slides/slide30.xml><?xml version="1.0" encoding="utf-8"?>
+<file path=ppt/slides/slide32.xml><?xml version="1.0" encoding="utf-8"?>
 <p:sld xmlns:a="http://schemas.openxmlformats.org/drawingml/2006/main" xmlns:r="http://schemas.openxmlformats.org/officeDocument/2006/relationships" xmlns:p="http://schemas.openxmlformats.org/presentationml/2006/main">
   <p:cSld>
     <p:bg>
@@ -23012,15 +23909,7 @@
           <a:p>
             <a:r>
               <a:rPr lang="fr-FR" dirty="0" smtClean="0"/>
-              <a:t>Dans ce site nous avons essayé de répondre aux besoins des acheteurs d’une part et aux besoins </a:t>
-            </a:r>
-            <a:r>
-              <a:rPr lang="fr-FR" dirty="0" smtClean="0"/>
-              <a:t>des clients </a:t>
-            </a:r>
-            <a:r>
-              <a:rPr lang="fr-FR" dirty="0" smtClean="0"/>
-              <a:t>d’autre part et comme perspectives de ce travail, nous voyons la possibilité d’enrichir notre travail dans le futur avec un module de paiement sécurisé en ligne.</a:t>
+              <a:t>Dans ce site nous avons essayé de répondre aux besoins des acheteurs d’une part et aux besoins des clients d’autre part et comme perspectives de ce travail, nous voyons la possibilité d’enrichir notre travail dans le futur avec un module de paiement sécurisé en ligne.</a:t>
             </a:r>
           </a:p>
           <a:p>
@@ -24165,7 +25054,7 @@
 </p:sld>
 </file>
 
-<file path=ppt/slides/slide31.xml><?xml version="1.0" encoding="utf-8"?>
+<file path=ppt/slides/slide33.xml><?xml version="1.0" encoding="utf-8"?>
 <p:sld xmlns:a="http://schemas.openxmlformats.org/drawingml/2006/main" xmlns:r="http://schemas.openxmlformats.org/officeDocument/2006/relationships" xmlns:p="http://schemas.openxmlformats.org/presentationml/2006/main">
   <p:cSld>
     <p:spTree>
